--- a/medias/files/fiche_perso.pptx
+++ b/medias/files/fiche_perso.pptx
@@ -244,7 +244,7 @@
           <a:p>
             <a:fld id="{73F300BA-884B-492F-9DA2-6FBA3E12B197}" type="datetimeFigureOut">
               <a:rPr lang="fr-FR" smtClean="0"/>
-              <a:t>02/05/2023</a:t>
+              <a:t>03/07/2023</a:t>
             </a:fld>
             <a:endParaRPr lang="fr-FR"/>
           </a:p>
@@ -414,7 +414,7 @@
           <a:p>
             <a:fld id="{73F300BA-884B-492F-9DA2-6FBA3E12B197}" type="datetimeFigureOut">
               <a:rPr lang="fr-FR" smtClean="0"/>
-              <a:t>02/05/2023</a:t>
+              <a:t>03/07/2023</a:t>
             </a:fld>
             <a:endParaRPr lang="fr-FR"/>
           </a:p>
@@ -594,7 +594,7 @@
           <a:p>
             <a:fld id="{73F300BA-884B-492F-9DA2-6FBA3E12B197}" type="datetimeFigureOut">
               <a:rPr lang="fr-FR" smtClean="0"/>
-              <a:t>02/05/2023</a:t>
+              <a:t>03/07/2023</a:t>
             </a:fld>
             <a:endParaRPr lang="fr-FR"/>
           </a:p>
@@ -764,7 +764,7 @@
           <a:p>
             <a:fld id="{73F300BA-884B-492F-9DA2-6FBA3E12B197}" type="datetimeFigureOut">
               <a:rPr lang="fr-FR" smtClean="0"/>
-              <a:t>02/05/2023</a:t>
+              <a:t>03/07/2023</a:t>
             </a:fld>
             <a:endParaRPr lang="fr-FR"/>
           </a:p>
@@ -1008,7 +1008,7 @@
           <a:p>
             <a:fld id="{73F300BA-884B-492F-9DA2-6FBA3E12B197}" type="datetimeFigureOut">
               <a:rPr lang="fr-FR" smtClean="0"/>
-              <a:t>02/05/2023</a:t>
+              <a:t>03/07/2023</a:t>
             </a:fld>
             <a:endParaRPr lang="fr-FR"/>
           </a:p>
@@ -1240,7 +1240,7 @@
           <a:p>
             <a:fld id="{73F300BA-884B-492F-9DA2-6FBA3E12B197}" type="datetimeFigureOut">
               <a:rPr lang="fr-FR" smtClean="0"/>
-              <a:t>02/05/2023</a:t>
+              <a:t>03/07/2023</a:t>
             </a:fld>
             <a:endParaRPr lang="fr-FR"/>
           </a:p>
@@ -1607,7 +1607,7 @@
           <a:p>
             <a:fld id="{73F300BA-884B-492F-9DA2-6FBA3E12B197}" type="datetimeFigureOut">
               <a:rPr lang="fr-FR" smtClean="0"/>
-              <a:t>02/05/2023</a:t>
+              <a:t>03/07/2023</a:t>
             </a:fld>
             <a:endParaRPr lang="fr-FR"/>
           </a:p>
@@ -1725,7 +1725,7 @@
           <a:p>
             <a:fld id="{73F300BA-884B-492F-9DA2-6FBA3E12B197}" type="datetimeFigureOut">
               <a:rPr lang="fr-FR" smtClean="0"/>
-              <a:t>02/05/2023</a:t>
+              <a:t>03/07/2023</a:t>
             </a:fld>
             <a:endParaRPr lang="fr-FR"/>
           </a:p>
@@ -1820,7 +1820,7 @@
           <a:p>
             <a:fld id="{73F300BA-884B-492F-9DA2-6FBA3E12B197}" type="datetimeFigureOut">
               <a:rPr lang="fr-FR" smtClean="0"/>
-              <a:t>02/05/2023</a:t>
+              <a:t>03/07/2023</a:t>
             </a:fld>
             <a:endParaRPr lang="fr-FR"/>
           </a:p>
@@ -2097,7 +2097,7 @@
           <a:p>
             <a:fld id="{73F300BA-884B-492F-9DA2-6FBA3E12B197}" type="datetimeFigureOut">
               <a:rPr lang="fr-FR" smtClean="0"/>
-              <a:t>02/05/2023</a:t>
+              <a:t>03/07/2023</a:t>
             </a:fld>
             <a:endParaRPr lang="fr-FR"/>
           </a:p>
@@ -2354,7 +2354,7 @@
           <a:p>
             <a:fld id="{73F300BA-884B-492F-9DA2-6FBA3E12B197}" type="datetimeFigureOut">
               <a:rPr lang="fr-FR" smtClean="0"/>
-              <a:t>02/05/2023</a:t>
+              <a:t>03/07/2023</a:t>
             </a:fld>
             <a:endParaRPr lang="fr-FR"/>
           </a:p>
@@ -2567,7 +2567,7 @@
           <a:p>
             <a:fld id="{73F300BA-884B-492F-9DA2-6FBA3E12B197}" type="datetimeFigureOut">
               <a:rPr lang="fr-FR" smtClean="0"/>
-              <a:t>02/05/2023</a:t>
+              <a:t>03/07/2023</a:t>
             </a:fld>
             <a:endParaRPr lang="fr-FR"/>
           </a:p>
@@ -12441,7 +12441,7 @@
                   <a:latin typeface="Segoe UI" panose="020B0502040204020203" pitchFamily="34" charset="0"/>
                   <a:cs typeface="Segoe UI" panose="020B0502040204020203" pitchFamily="34" charset="0"/>
                 </a:rPr>
-                <a:t>18</a:t>
+                <a:t>16</a:t>
               </a:r>
             </a:p>
           </p:txBody>
@@ -12484,7 +12484,7 @@
                   <a:latin typeface="Segoe UI" panose="020B0502040204020203" pitchFamily="34" charset="0"/>
                   <a:cs typeface="Segoe UI" panose="020B0502040204020203" pitchFamily="34" charset="0"/>
                 </a:rPr>
-                <a:t>18</a:t>
+                <a:t>16</a:t>
               </a:r>
             </a:p>
           </p:txBody>
@@ -12527,7 +12527,7 @@
                   <a:latin typeface="Segoe UI" panose="020B0502040204020203" pitchFamily="34" charset="0"/>
                   <a:cs typeface="Segoe UI" panose="020B0502040204020203" pitchFamily="34" charset="0"/>
                 </a:rPr>
-                <a:t>18</a:t>
+                <a:t>16</a:t>
               </a:r>
             </a:p>
           </p:txBody>
@@ -12568,7 +12568,7 @@
                   <a:latin typeface="Segoe UI" panose="020B0502040204020203" pitchFamily="34" charset="0"/>
                   <a:cs typeface="Segoe UI" panose="020B0502040204020203" pitchFamily="34" charset="0"/>
                 </a:rPr>
-                <a:t>18</a:t>
+                <a:t>16</a:t>
               </a:r>
             </a:p>
           </p:txBody>
@@ -12609,7 +12609,7 @@
                   <a:latin typeface="Segoe UI" panose="020B0502040204020203" pitchFamily="34" charset="0"/>
                   <a:cs typeface="Segoe UI" panose="020B0502040204020203" pitchFamily="34" charset="0"/>
                 </a:rPr>
-                <a:t>18</a:t>
+                <a:t>16</a:t>
               </a:r>
             </a:p>
           </p:txBody>
@@ -12650,7 +12650,7 @@
                   <a:latin typeface="Segoe UI" panose="020B0502040204020203" pitchFamily="34" charset="0"/>
                   <a:cs typeface="Segoe UI" panose="020B0502040204020203" pitchFamily="34" charset="0"/>
                 </a:rPr>
-                <a:t>18</a:t>
+                <a:t>16</a:t>
               </a:r>
             </a:p>
           </p:txBody>
@@ -12691,7 +12691,7 @@
                   <a:latin typeface="Segoe UI" panose="020B0502040204020203" pitchFamily="34" charset="0"/>
                   <a:cs typeface="Segoe UI" panose="020B0502040204020203" pitchFamily="34" charset="0"/>
                 </a:rPr>
-                <a:t>18</a:t>
+                <a:t>16</a:t>
               </a:r>
             </a:p>
           </p:txBody>
@@ -12732,7 +12732,7 @@
                   <a:latin typeface="Segoe UI" panose="020B0502040204020203" pitchFamily="34" charset="0"/>
                   <a:cs typeface="Segoe UI" panose="020B0502040204020203" pitchFamily="34" charset="0"/>
                 </a:rPr>
-                <a:t>18</a:t>
+                <a:t>16</a:t>
               </a:r>
             </a:p>
           </p:txBody>
@@ -12773,7 +12773,7 @@
                   <a:latin typeface="Segoe UI" panose="020B0502040204020203" pitchFamily="34" charset="0"/>
                   <a:cs typeface="Segoe UI" panose="020B0502040204020203" pitchFamily="34" charset="0"/>
                 </a:rPr>
-                <a:t>18</a:t>
+                <a:t>16</a:t>
               </a:r>
             </a:p>
           </p:txBody>
@@ -12814,7 +12814,7 @@
                   <a:latin typeface="Segoe UI" panose="020B0502040204020203" pitchFamily="34" charset="0"/>
                   <a:cs typeface="Segoe UI" panose="020B0502040204020203" pitchFamily="34" charset="0"/>
                 </a:rPr>
-                <a:t>18</a:t>
+                <a:t>16</a:t>
               </a:r>
             </a:p>
           </p:txBody>
@@ -12855,7 +12855,7 @@
                   <a:latin typeface="Segoe UI" panose="020B0502040204020203" pitchFamily="34" charset="0"/>
                   <a:cs typeface="Segoe UI" panose="020B0502040204020203" pitchFamily="34" charset="0"/>
                 </a:rPr>
-                <a:t>18</a:t>
+                <a:t>16</a:t>
               </a:r>
             </a:p>
           </p:txBody>
@@ -12896,7 +12896,7 @@
                   <a:latin typeface="Segoe UI" panose="020B0502040204020203" pitchFamily="34" charset="0"/>
                   <a:cs typeface="Segoe UI" panose="020B0502040204020203" pitchFamily="34" charset="0"/>
                 </a:rPr>
-                <a:t>18</a:t>
+                <a:t>16</a:t>
               </a:r>
             </a:p>
           </p:txBody>
@@ -12937,7 +12937,7 @@
                   <a:latin typeface="Segoe UI" panose="020B0502040204020203" pitchFamily="34" charset="0"/>
                   <a:cs typeface="Segoe UI" panose="020B0502040204020203" pitchFamily="34" charset="0"/>
                 </a:rPr>
-                <a:t>18</a:t>
+                <a:t>16</a:t>
               </a:r>
             </a:p>
           </p:txBody>
@@ -12978,7 +12978,7 @@
                   <a:latin typeface="Segoe UI" panose="020B0502040204020203" pitchFamily="34" charset="0"/>
                   <a:cs typeface="Segoe UI" panose="020B0502040204020203" pitchFamily="34" charset="0"/>
                 </a:rPr>
-                <a:t>18</a:t>
+                <a:t>16</a:t>
               </a:r>
             </a:p>
           </p:txBody>
@@ -13019,7 +13019,7 @@
                   <a:latin typeface="Segoe UI" panose="020B0502040204020203" pitchFamily="34" charset="0"/>
                   <a:cs typeface="Segoe UI" panose="020B0502040204020203" pitchFamily="34" charset="0"/>
                 </a:rPr>
-                <a:t>18</a:t>
+                <a:t>16</a:t>
               </a:r>
             </a:p>
           </p:txBody>
@@ -13063,7 +13063,7 @@
                   <a:latin typeface="Segoe UI" panose="020B0502040204020203" pitchFamily="34" charset="0"/>
                   <a:cs typeface="Segoe UI" panose="020B0502040204020203" pitchFamily="34" charset="0"/>
                 </a:rPr>
-                <a:t>18</a:t>
+                <a:t>16</a:t>
               </a:r>
             </a:p>
           </p:txBody>
@@ -13107,7 +13107,7 @@
                   <a:latin typeface="Segoe UI" panose="020B0502040204020203" pitchFamily="34" charset="0"/>
                   <a:cs typeface="Segoe UI" panose="020B0502040204020203" pitchFamily="34" charset="0"/>
                 </a:rPr>
-                <a:t>18</a:t>
+                <a:t>16</a:t>
               </a:r>
             </a:p>
           </p:txBody>
@@ -13151,7 +13151,7 @@
                   <a:latin typeface="Segoe UI" panose="020B0502040204020203" pitchFamily="34" charset="0"/>
                   <a:cs typeface="Segoe UI" panose="020B0502040204020203" pitchFamily="34" charset="0"/>
                 </a:rPr>
-                <a:t>18</a:t>
+                <a:t>16</a:t>
               </a:r>
             </a:p>
           </p:txBody>
@@ -13757,7 +13757,7 @@
                       <a:latin typeface="Segoe UI" panose="020B0502040204020203" pitchFamily="34" charset="0"/>
                       <a:cs typeface="Segoe UI" panose="020B0502040204020203" pitchFamily="34" charset="0"/>
                     </a:rPr>
-                    <a:t>5</a:t>
+                    <a:t>4</a:t>
                   </a:r>
                 </a:p>
               </p:txBody>
@@ -13928,7 +13928,7 @@
                       <a:latin typeface="Segoe UI" panose="020B0502040204020203" pitchFamily="34" charset="0"/>
                       <a:cs typeface="Segoe UI" panose="020B0502040204020203" pitchFamily="34" charset="0"/>
                     </a:rPr>
-                    <a:t>[Niveau / 2 +5]</a:t>
+                    <a:t>[Niveau / 2 +1]</a:t>
                   </a:r>
                 </a:p>
               </p:txBody>
@@ -14697,7 +14697,7 @@
                       <a:latin typeface="Segoe UI" panose="020B0502040204020203" pitchFamily="34" charset="0"/>
                       <a:cs typeface="Segoe UI" panose="020B0502040204020203" pitchFamily="34" charset="0"/>
                     </a:rPr>
-                    <a:t>5</a:t>
+                    <a:t>4</a:t>
                   </a:r>
                 </a:p>
               </p:txBody>
@@ -14867,7 +14867,7 @@
                       <a:latin typeface="Segoe UI" panose="020B0502040204020203" pitchFamily="34" charset="0"/>
                       <a:cs typeface="Segoe UI" panose="020B0502040204020203" pitchFamily="34" charset="0"/>
                     </a:rPr>
-                    <a:t>[Niveau / 2 +5]</a:t>
+                    <a:t>[Niveau / 2 +1]</a:t>
                   </a:r>
                 </a:p>
               </p:txBody>
@@ -15630,7 +15630,7 @@
                       <a:latin typeface="Segoe UI" panose="020B0502040204020203" pitchFamily="34" charset="0"/>
                       <a:cs typeface="Segoe UI" panose="020B0502040204020203" pitchFamily="34" charset="0"/>
                     </a:rPr>
-                    <a:t>5</a:t>
+                    <a:t>4</a:t>
                   </a:r>
                 </a:p>
               </p:txBody>
@@ -15800,7 +15800,7 @@
                       <a:latin typeface="Segoe UI" panose="020B0502040204020203" pitchFamily="34" charset="0"/>
                       <a:cs typeface="Segoe UI" panose="020B0502040204020203" pitchFamily="34" charset="0"/>
                     </a:rPr>
-                    <a:t>[Niveau / 2 +5]</a:t>
+                    <a:t>[Niveau / 2 +1]</a:t>
                   </a:r>
                 </a:p>
               </p:txBody>
@@ -16564,7 +16564,7 @@
                       <a:latin typeface="Segoe UI" panose="020B0502040204020203" pitchFamily="34" charset="0"/>
                       <a:cs typeface="Segoe UI" panose="020B0502040204020203" pitchFamily="34" charset="0"/>
                     </a:rPr>
-                    <a:t>5</a:t>
+                    <a:t>4</a:t>
                   </a:r>
                 </a:p>
               </p:txBody>
@@ -16734,7 +16734,7 @@
                       <a:latin typeface="Segoe UI" panose="020B0502040204020203" pitchFamily="34" charset="0"/>
                       <a:cs typeface="Segoe UI" panose="020B0502040204020203" pitchFamily="34" charset="0"/>
                     </a:rPr>
-                    <a:t>[Niveau / 2 +5]</a:t>
+                    <a:t>[Niveau / 2 +1]</a:t>
                   </a:r>
                 </a:p>
               </p:txBody>
@@ -17516,7 +17516,7 @@
                       <a:latin typeface="Segoe UI" panose="020B0502040204020203" pitchFamily="34" charset="0"/>
                       <a:cs typeface="Segoe UI" panose="020B0502040204020203" pitchFamily="34" charset="0"/>
                     </a:rPr>
-                    <a:t>5</a:t>
+                    <a:t>4</a:t>
                   </a:r>
                 </a:p>
               </p:txBody>
@@ -17694,7 +17694,7 @@
                       <a:latin typeface="Segoe UI" panose="020B0502040204020203" pitchFamily="34" charset="0"/>
                       <a:cs typeface="Segoe UI" panose="020B0502040204020203" pitchFamily="34" charset="0"/>
                     </a:rPr>
-                    <a:t>[Niveau / 2 +5]</a:t>
+                    <a:t>[Niveau / 2 +1]</a:t>
                   </a:r>
                 </a:p>
               </p:txBody>
@@ -18456,7 +18456,7 @@
               </p:nvSpPr>
               <p:spPr>
                 <a:xfrm>
-                  <a:off x="1049680" y="5844504"/>
+                  <a:off x="1049680" y="5864824"/>
                   <a:ext cx="232756" cy="200055"/>
                 </a:xfrm>
                 <a:prstGeom prst="rect">
@@ -18481,7 +18481,7 @@
                       <a:latin typeface="Segoe UI" panose="020B0502040204020203" pitchFamily="34" charset="0"/>
                       <a:cs typeface="Segoe UI" panose="020B0502040204020203" pitchFamily="34" charset="0"/>
                     </a:rPr>
-                    <a:t>5</a:t>
+                    <a:t>4</a:t>
                   </a:r>
                 </a:p>
               </p:txBody>
@@ -18659,7 +18659,7 @@
                       <a:latin typeface="Segoe UI" panose="020B0502040204020203" pitchFamily="34" charset="0"/>
                       <a:cs typeface="Segoe UI" panose="020B0502040204020203" pitchFamily="34" charset="0"/>
                     </a:rPr>
-                    <a:t>[Niveau / 2 +5]</a:t>
+                    <a:t>[Niveau / 2 +1]</a:t>
                   </a:r>
                 </a:p>
               </p:txBody>
@@ -19572,7 +19572,7 @@
                     <a:latin typeface="Segoe UI" panose="020B0502040204020203" pitchFamily="34" charset="0"/>
                     <a:cs typeface="Segoe UI" panose="020B0502040204020203" pitchFamily="34" charset="0"/>
                   </a:rPr>
-                  <a:t>20</a:t>
+                  <a:t>11</a:t>
                 </a:r>
               </a:p>
             </p:txBody>
@@ -22289,7 +22289,7 @@
                     <a:latin typeface="Segoe UI" panose="020B0502040204020203" pitchFamily="34" charset="0"/>
                     <a:cs typeface="Segoe UI" panose="020B0502040204020203" pitchFamily="34" charset="0"/>
                   </a:rPr>
-                  <a:t>25</a:t>
+                  <a:t>21</a:t>
                 </a:r>
               </a:p>
             </p:txBody>
@@ -22331,7 +22331,7 @@
                     <a:latin typeface="Segoe UI" panose="020B0502040204020203" pitchFamily="34" charset="0"/>
                     <a:cs typeface="Segoe UI" panose="020B0502040204020203" pitchFamily="34" charset="0"/>
                   </a:rPr>
-                  <a:t>25</a:t>
+                  <a:t>21</a:t>
                 </a:r>
               </a:p>
             </p:txBody>
@@ -22373,7 +22373,7 @@
                     <a:latin typeface="Segoe UI" panose="020B0502040204020203" pitchFamily="34" charset="0"/>
                     <a:cs typeface="Segoe UI" panose="020B0502040204020203" pitchFamily="34" charset="0"/>
                   </a:rPr>
-                  <a:t>25</a:t>
+                  <a:t>21</a:t>
                 </a:r>
               </a:p>
             </p:txBody>
@@ -22415,7 +22415,7 @@
                     <a:latin typeface="Segoe UI" panose="020B0502040204020203" pitchFamily="34" charset="0"/>
                     <a:cs typeface="Segoe UI" panose="020B0502040204020203" pitchFamily="34" charset="0"/>
                   </a:rPr>
-                  <a:t>15</a:t>
+                  <a:t>21</a:t>
                 </a:r>
                 <a:endParaRPr lang="fr-FR" sz="800" dirty="0">
                   <a:solidFill>
@@ -22464,7 +22464,7 @@
                     <a:latin typeface="Segoe UI" panose="020B0502040204020203" pitchFamily="34" charset="0"/>
                     <a:cs typeface="Segoe UI" panose="020B0502040204020203" pitchFamily="34" charset="0"/>
                   </a:rPr>
-                  <a:t>15</a:t>
+                  <a:t>21</a:t>
                 </a:r>
                 <a:endParaRPr lang="fr-FR" sz="800" dirty="0">
                   <a:solidFill>
@@ -23247,9 +23247,9 @@
         <p:grpSpPr>
           <a:xfrm>
             <a:off x="7827062" y="9083892"/>
-            <a:ext cx="1770373" cy="2746748"/>
+            <a:ext cx="1770373" cy="2751004"/>
             <a:chOff x="7827062" y="8955876"/>
-            <a:chExt cx="1770373" cy="2746748"/>
+            <a:chExt cx="1770373" cy="2751004"/>
           </a:xfrm>
         </p:grpSpPr>
         <p:sp>
@@ -23364,9 +23364,9 @@
           <p:grpSpPr>
             <a:xfrm>
               <a:off x="7827062" y="8955876"/>
-              <a:ext cx="1770373" cy="2746748"/>
+              <a:ext cx="1770373" cy="2751004"/>
               <a:chOff x="7827062" y="8955876"/>
-              <a:chExt cx="1770373" cy="2746748"/>
+              <a:chExt cx="1770373" cy="2751004"/>
             </a:xfrm>
           </p:grpSpPr>
           <p:grpSp>
@@ -24428,8 +24428,8 @@
             </p:nvSpPr>
             <p:spPr>
               <a:xfrm>
-                <a:off x="9093321" y="11491436"/>
-                <a:ext cx="233667" cy="200055"/>
+                <a:off x="8939641" y="11491436"/>
+                <a:ext cx="387347" cy="215444"/>
               </a:xfrm>
               <a:prstGeom prst="rect">
                 <a:avLst/>
@@ -24442,23 +24442,17 @@
               </a:bodyPr>
               <a:lstStyle/>
               <a:p>
+                <a:pPr algn="r"/>
                 <a:r>
-                  <a:rPr lang="fr-FR" sz="700" dirty="0">
+                  <a:rPr lang="fr-FR" sz="800" dirty="0">
                     <a:solidFill>
                       <a:srgbClr val="8FAADC"/>
                     </a:solidFill>
                     <a:latin typeface="Segoe UI" panose="020B0502040204020203" pitchFamily="34" charset="0"/>
                     <a:cs typeface="Segoe UI" panose="020B0502040204020203" pitchFamily="34" charset="0"/>
                   </a:rPr>
-                  <a:t>5</a:t>
+                  <a:t>10</a:t>
                 </a:r>
-                <a:endParaRPr lang="fr-FR" sz="800" dirty="0">
-                  <a:solidFill>
-                    <a:srgbClr val="8FAADC"/>
-                  </a:solidFill>
-                  <a:latin typeface="Segoe UI" panose="020B0502040204020203" pitchFamily="34" charset="0"/>
-                  <a:cs typeface="Segoe UI" panose="020B0502040204020203" pitchFamily="34" charset="0"/>
-                </a:endParaRPr>
               </a:p>
             </p:txBody>
           </p:sp>
@@ -24476,8 +24470,8 @@
             </p:nvSpPr>
             <p:spPr>
               <a:xfrm>
-                <a:off x="9103602" y="11007120"/>
-                <a:ext cx="233667" cy="200055"/>
+                <a:off x="8939642" y="11007120"/>
+                <a:ext cx="397628" cy="200055"/>
               </a:xfrm>
               <a:prstGeom prst="rect">
                 <a:avLst/>
@@ -24490,6 +24484,7 @@
               </a:bodyPr>
               <a:lstStyle/>
               <a:p>
+                <a:pPr algn="r"/>
                 <a:r>
                   <a:rPr lang="fr-FR" sz="700" dirty="0">
                     <a:solidFill>
@@ -24498,7 +24493,7 @@
                     <a:latin typeface="Segoe UI" panose="020B0502040204020203" pitchFamily="34" charset="0"/>
                     <a:cs typeface="Segoe UI" panose="020B0502040204020203" pitchFamily="34" charset="0"/>
                   </a:rPr>
-                  <a:t>5</a:t>
+                  <a:t>10</a:t>
                 </a:r>
                 <a:endParaRPr lang="fr-FR" sz="800" dirty="0">
                   <a:solidFill>
@@ -24524,8 +24519,8 @@
             </p:nvSpPr>
             <p:spPr>
               <a:xfrm>
-                <a:off x="9091888" y="9512204"/>
-                <a:ext cx="233667" cy="200055"/>
+                <a:off x="8852232" y="9512204"/>
+                <a:ext cx="473323" cy="215444"/>
               </a:xfrm>
               <a:prstGeom prst="rect">
                 <a:avLst/>
@@ -24538,8 +24533,9 @@
               </a:bodyPr>
               <a:lstStyle/>
               <a:p>
+                <a:pPr algn="r"/>
                 <a:r>
-                  <a:rPr lang="fr-FR" sz="700" dirty="0">
+                  <a:rPr lang="fr-FR" sz="800" dirty="0">
                     <a:solidFill>
                       <a:schemeClr val="tx1">
                         <a:lumMod val="50000"/>
@@ -24549,18 +24545,8 @@
                     <a:latin typeface="Segoe UI" panose="020B0502040204020203" pitchFamily="34" charset="0"/>
                     <a:cs typeface="Segoe UI" panose="020B0502040204020203" pitchFamily="34" charset="0"/>
                   </a:rPr>
-                  <a:t>5</a:t>
+                  <a:t>10</a:t>
                 </a:r>
-                <a:endParaRPr lang="fr-FR" sz="800" dirty="0">
-                  <a:solidFill>
-                    <a:schemeClr val="tx1">
-                      <a:lumMod val="50000"/>
-                      <a:lumOff val="50000"/>
-                    </a:schemeClr>
-                  </a:solidFill>
-                  <a:latin typeface="Segoe UI" panose="020B0502040204020203" pitchFamily="34" charset="0"/>
-                  <a:cs typeface="Segoe UI" panose="020B0502040204020203" pitchFamily="34" charset="0"/>
-                </a:endParaRPr>
               </a:p>
             </p:txBody>
           </p:sp>
@@ -24578,8 +24564,8 @@
             </p:nvSpPr>
             <p:spPr>
               <a:xfrm>
-                <a:off x="9091888" y="10003910"/>
-                <a:ext cx="233667" cy="200055"/>
+                <a:off x="8982020" y="10003910"/>
+                <a:ext cx="343535" cy="200055"/>
               </a:xfrm>
               <a:prstGeom prst="rect">
                 <a:avLst/>
@@ -24592,6 +24578,7 @@
               </a:bodyPr>
               <a:lstStyle/>
               <a:p>
+                <a:pPr algn="r"/>
                 <a:r>
                   <a:rPr lang="fr-FR" sz="700" dirty="0">
                     <a:solidFill>
@@ -24600,7 +24587,7 @@
                     <a:latin typeface="Segoe UI" panose="020B0502040204020203" pitchFamily="34" charset="0"/>
                     <a:cs typeface="Segoe UI" panose="020B0502040204020203" pitchFamily="34" charset="0"/>
                   </a:rPr>
-                  <a:t>5</a:t>
+                  <a:t>10</a:t>
                 </a:r>
                 <a:endParaRPr lang="fr-FR" sz="800" dirty="0">
                   <a:solidFill>
@@ -24626,8 +24613,8 @@
             </p:nvSpPr>
             <p:spPr>
               <a:xfrm>
-                <a:off x="9103601" y="10499186"/>
-                <a:ext cx="233667" cy="200055"/>
+                <a:off x="9045335" y="10499186"/>
+                <a:ext cx="291933" cy="200055"/>
               </a:xfrm>
               <a:prstGeom prst="rect">
                 <a:avLst/>
@@ -24640,6 +24627,7 @@
               </a:bodyPr>
               <a:lstStyle/>
               <a:p>
+                <a:pPr algn="r"/>
                 <a:r>
                   <a:rPr lang="fr-FR" sz="700" dirty="0">
                     <a:solidFill>
@@ -24648,7 +24636,7 @@
                     <a:latin typeface="Segoe UI" panose="020B0502040204020203" pitchFamily="34" charset="0"/>
                     <a:cs typeface="Segoe UI" panose="020B0502040204020203" pitchFamily="34" charset="0"/>
                   </a:rPr>
-                  <a:t>5</a:t>
+                  <a:t>10</a:t>
                 </a:r>
                 <a:endParaRPr lang="fr-FR" sz="800" dirty="0">
                   <a:solidFill>
@@ -28914,7 +28902,7 @@
                 <a:latin typeface="Segoe UI" panose="020B0502040204020203" pitchFamily="34" charset="0"/>
                 <a:cs typeface="Segoe UI" panose="020B0502040204020203" pitchFamily="34" charset="0"/>
               </a:rPr>
-              <a:t>Version fiche personnage 1.3</a:t>
+              <a:t>Version fiche personnage 1.5</a:t>
             </a:r>
             <a:endParaRPr lang="fr-FR" sz="900" dirty="0">
               <a:latin typeface="Segoe UI" panose="020B0502040204020203" pitchFamily="34" charset="0"/>
@@ -29733,7 +29721,7 @@
                   <a:ea typeface="Calibri" panose="020F0502020204030204" pitchFamily="34" charset="0"/>
                   <a:cs typeface="Segoe UI" panose="020B0502040204020203" pitchFamily="34" charset="0"/>
                 </a:rPr>
-                <a:t>[1 + niveau / 4]</a:t>
+                <a:t>[1 + niveau /  4]</a:t>
               </a:r>
               <a:endParaRPr lang="fr-FR" sz="1400" dirty="0">
                 <a:effectLst/>
@@ -30899,7 +30887,7 @@
                       <a:latin typeface="Segoe UI" panose="020B0502040204020203" pitchFamily="34" charset="0"/>
                       <a:cs typeface="Segoe UI" panose="020B0502040204020203" pitchFamily="34" charset="0"/>
                     </a:rPr>
-                    <a:t>7</a:t>
+                    <a:t>5</a:t>
                   </a:r>
                 </a:p>
               </p:txBody>
@@ -31000,6 +30988,45 @@
           </p:spPr>
         </p:pic>
       </p:grpSp>
+      <p:pic>
+        <p:nvPicPr>
+          <p:cNvPr id="511" name="Graphique 510">
+            <a:extLst>
+              <a:ext uri="{FF2B5EF4-FFF2-40B4-BE49-F238E27FC236}">
+                <a16:creationId xmlns:a16="http://schemas.microsoft.com/office/drawing/2014/main" id="{108173B6-B6DD-85C9-DE35-0D9DADA05ACE}"/>
+              </a:ext>
+            </a:extLst>
+          </p:cNvPr>
+          <p:cNvPicPr>
+            <a:picLocks noChangeAspect="1"/>
+          </p:cNvPicPr>
+          <p:nvPr/>
+        </p:nvPicPr>
+        <p:blipFill>
+          <a:blip r:embed="rId31">
+            <a:extLst>
+              <a:ext uri="{28A0092B-C50C-407E-A947-70E740481C1C}">
+                <a14:useLocalDpi xmlns:a14="http://schemas.microsoft.com/office/drawing/2010/main" val="0"/>
+              </a:ext>
+              <a:ext uri="{96DAC541-7B7A-43D3-8B79-37D633B846F1}">
+                <asvg:svgBlip xmlns:asvg="http://schemas.microsoft.com/office/drawing/2016/SVG/main" r:embed="rId32"/>
+              </a:ext>
+            </a:extLst>
+          </a:blip>
+          <a:stretch>
+            <a:fillRect/>
+          </a:stretch>
+        </p:blipFill>
+        <p:spPr>
+          <a:xfrm>
+            <a:off x="7780330" y="3547217"/>
+            <a:ext cx="144939" cy="144000"/>
+          </a:xfrm>
+          <a:prstGeom prst="rect">
+            <a:avLst/>
+          </a:prstGeom>
+        </p:spPr>
+      </p:pic>
     </p:spTree>
     <p:extLst>
       <p:ext uri="{BB962C8B-B14F-4D97-AF65-F5344CB8AC3E}">
@@ -31086,9 +31113,9 @@
         <p:grpSpPr>
           <a:xfrm>
             <a:off x="7250648" y="9386"/>
-            <a:ext cx="2077721" cy="2113922"/>
+            <a:ext cx="2077721" cy="1168967"/>
             <a:chOff x="309879" y="596816"/>
-            <a:chExt cx="2077721" cy="2113922"/>
+            <a:chExt cx="2077721" cy="1168967"/>
           </a:xfrm>
         </p:grpSpPr>
         <p:pic>
@@ -31389,234 +31416,6 @@
             </a:p>
           </p:txBody>
         </p:sp>
-        <p:sp>
-          <p:nvSpPr>
-            <p:cNvPr id="7" name="Rectangle : avec coins arrondis en haut 6">
-              <a:extLst>
-                <a:ext uri="{FF2B5EF4-FFF2-40B4-BE49-F238E27FC236}">
-                  <a16:creationId xmlns:a16="http://schemas.microsoft.com/office/drawing/2014/main" id="{0F96127A-F099-480F-9A27-9A82D68869A3}"/>
-                </a:ext>
-              </a:extLst>
-            </p:cNvPr>
-            <p:cNvSpPr/>
-            <p:nvPr/>
-          </p:nvSpPr>
-          <p:spPr>
-            <a:xfrm>
-              <a:off x="355600" y="1847849"/>
-              <a:ext cx="2032000" cy="216000"/>
-            </a:xfrm>
-            <a:prstGeom prst="round2SameRect">
-              <a:avLst/>
-            </a:prstGeom>
-            <a:solidFill>
-              <a:srgbClr val="E0F2F1"/>
-            </a:solidFill>
-            <a:ln>
-              <a:solidFill>
-                <a:srgbClr val="00838F"/>
-              </a:solidFill>
-            </a:ln>
-          </p:spPr>
-          <p:style>
-            <a:lnRef idx="2">
-              <a:schemeClr val="accent1">
-                <a:shade val="50000"/>
-              </a:schemeClr>
-            </a:lnRef>
-            <a:fillRef idx="1">
-              <a:schemeClr val="accent1"/>
-            </a:fillRef>
-            <a:effectRef idx="0">
-              <a:schemeClr val="accent1"/>
-            </a:effectRef>
-            <a:fontRef idx="minor">
-              <a:schemeClr val="lt1"/>
-            </a:fontRef>
-          </p:style>
-          <p:txBody>
-            <a:bodyPr rtlCol="0" anchor="ctr"/>
-            <a:lstStyle/>
-            <a:p>
-              <a:pPr algn="ctr"/>
-              <a:endParaRPr lang="fr-FR" sz="1600">
-                <a:latin typeface="Segoe UI" panose="020B0502040204020203" pitchFamily="34" charset="0"/>
-                <a:cs typeface="Segoe UI" panose="020B0502040204020203" pitchFamily="34" charset="0"/>
-              </a:endParaRPr>
-            </a:p>
-          </p:txBody>
-        </p:sp>
-        <p:sp>
-          <p:nvSpPr>
-            <p:cNvPr id="8" name="Rectangle 7">
-              <a:extLst>
-                <a:ext uri="{FF2B5EF4-FFF2-40B4-BE49-F238E27FC236}">
-                  <a16:creationId xmlns:a16="http://schemas.microsoft.com/office/drawing/2014/main" id="{103FDA16-965E-4694-AEDD-6CE466AE2F73}"/>
-                </a:ext>
-              </a:extLst>
-            </p:cNvPr>
-            <p:cNvSpPr/>
-            <p:nvPr/>
-          </p:nvSpPr>
-          <p:spPr>
-            <a:xfrm>
-              <a:off x="355600" y="2064708"/>
-              <a:ext cx="2032000" cy="216000"/>
-            </a:xfrm>
-            <a:prstGeom prst="rect">
-              <a:avLst/>
-            </a:prstGeom>
-            <a:solidFill>
-              <a:srgbClr val="E0F2F1"/>
-            </a:solidFill>
-            <a:ln>
-              <a:solidFill>
-                <a:srgbClr val="00838F"/>
-              </a:solidFill>
-            </a:ln>
-          </p:spPr>
-          <p:style>
-            <a:lnRef idx="2">
-              <a:schemeClr val="accent1">
-                <a:shade val="50000"/>
-              </a:schemeClr>
-            </a:lnRef>
-            <a:fillRef idx="1">
-              <a:schemeClr val="accent1"/>
-            </a:fillRef>
-            <a:effectRef idx="0">
-              <a:schemeClr val="accent1"/>
-            </a:effectRef>
-            <a:fontRef idx="minor">
-              <a:schemeClr val="lt1"/>
-            </a:fontRef>
-          </p:style>
-          <p:txBody>
-            <a:bodyPr rtlCol="0" anchor="ctr"/>
-            <a:lstStyle/>
-            <a:p>
-              <a:pPr algn="ctr"/>
-              <a:endParaRPr lang="fr-FR" sz="1600">
-                <a:latin typeface="Segoe UI" panose="020B0502040204020203" pitchFamily="34" charset="0"/>
-                <a:cs typeface="Segoe UI" panose="020B0502040204020203" pitchFamily="34" charset="0"/>
-              </a:endParaRPr>
-            </a:p>
-          </p:txBody>
-        </p:sp>
-        <p:sp>
-          <p:nvSpPr>
-            <p:cNvPr id="30" name="Rectangle 29">
-              <a:extLst>
-                <a:ext uri="{FF2B5EF4-FFF2-40B4-BE49-F238E27FC236}">
-                  <a16:creationId xmlns:a16="http://schemas.microsoft.com/office/drawing/2014/main" id="{4F257F6B-130B-4F51-AA6D-C73D5195CF6B}"/>
-                </a:ext>
-              </a:extLst>
-            </p:cNvPr>
-            <p:cNvSpPr/>
-            <p:nvPr/>
-          </p:nvSpPr>
-          <p:spPr>
-            <a:xfrm>
-              <a:off x="355600" y="2280708"/>
-              <a:ext cx="2032000" cy="216000"/>
-            </a:xfrm>
-            <a:prstGeom prst="rect">
-              <a:avLst/>
-            </a:prstGeom>
-            <a:solidFill>
-              <a:srgbClr val="E0F2F1"/>
-            </a:solidFill>
-            <a:ln>
-              <a:solidFill>
-                <a:srgbClr val="00838F"/>
-              </a:solidFill>
-            </a:ln>
-          </p:spPr>
-          <p:style>
-            <a:lnRef idx="2">
-              <a:schemeClr val="accent1">
-                <a:shade val="50000"/>
-              </a:schemeClr>
-            </a:lnRef>
-            <a:fillRef idx="1">
-              <a:schemeClr val="accent1"/>
-            </a:fillRef>
-            <a:effectRef idx="0">
-              <a:schemeClr val="accent1"/>
-            </a:effectRef>
-            <a:fontRef idx="minor">
-              <a:schemeClr val="lt1"/>
-            </a:fontRef>
-          </p:style>
-          <p:txBody>
-            <a:bodyPr rtlCol="0" anchor="ctr"/>
-            <a:lstStyle/>
-            <a:p>
-              <a:pPr algn="ctr"/>
-              <a:endParaRPr lang="fr-FR" sz="1600">
-                <a:latin typeface="Segoe UI" panose="020B0502040204020203" pitchFamily="34" charset="0"/>
-                <a:cs typeface="Segoe UI" panose="020B0502040204020203" pitchFamily="34" charset="0"/>
-              </a:endParaRPr>
-            </a:p>
-          </p:txBody>
-        </p:sp>
-        <p:sp>
-          <p:nvSpPr>
-            <p:cNvPr id="31" name="Rectangle : avec coins arrondis en haut 30">
-              <a:extLst>
-                <a:ext uri="{FF2B5EF4-FFF2-40B4-BE49-F238E27FC236}">
-                  <a16:creationId xmlns:a16="http://schemas.microsoft.com/office/drawing/2014/main" id="{DCC78E74-6758-4A0A-A89A-37A7F7C3BD04}"/>
-                </a:ext>
-              </a:extLst>
-            </p:cNvPr>
-            <p:cNvSpPr/>
-            <p:nvPr/>
-          </p:nvSpPr>
-          <p:spPr>
-            <a:xfrm rot="10800000">
-              <a:off x="355600" y="2494738"/>
-              <a:ext cx="2032000" cy="216000"/>
-            </a:xfrm>
-            <a:prstGeom prst="round2SameRect">
-              <a:avLst/>
-            </a:prstGeom>
-            <a:solidFill>
-              <a:srgbClr val="E0F2F1"/>
-            </a:solidFill>
-            <a:ln>
-              <a:solidFill>
-                <a:srgbClr val="00838F"/>
-              </a:solidFill>
-            </a:ln>
-          </p:spPr>
-          <p:style>
-            <a:lnRef idx="2">
-              <a:schemeClr val="accent1">
-                <a:shade val="50000"/>
-              </a:schemeClr>
-            </a:lnRef>
-            <a:fillRef idx="1">
-              <a:schemeClr val="accent1"/>
-            </a:fillRef>
-            <a:effectRef idx="0">
-              <a:schemeClr val="accent1"/>
-            </a:effectRef>
-            <a:fontRef idx="minor">
-              <a:schemeClr val="lt1"/>
-            </a:fontRef>
-          </p:style>
-          <p:txBody>
-            <a:bodyPr rtlCol="0" anchor="ctr"/>
-            <a:lstStyle/>
-            <a:p>
-              <a:pPr algn="ctr"/>
-              <a:endParaRPr lang="fr-FR" sz="1600">
-                <a:latin typeface="Segoe UI" panose="020B0502040204020203" pitchFamily="34" charset="0"/>
-                <a:cs typeface="Segoe UI" panose="020B0502040204020203" pitchFamily="34" charset="0"/>
-              </a:endParaRPr>
-            </a:p>
-          </p:txBody>
-        </p:sp>
       </p:grpSp>
       <p:grpSp>
         <p:nvGrpSpPr>
@@ -31633,9 +31432,9 @@
         <p:grpSpPr>
           <a:xfrm>
             <a:off x="2556460" y="-17131"/>
-            <a:ext cx="2077721" cy="2104301"/>
+            <a:ext cx="2077721" cy="1159346"/>
             <a:chOff x="5310006" y="615765"/>
-            <a:chExt cx="2077721" cy="2104301"/>
+            <a:chExt cx="2077721" cy="1159346"/>
           </a:xfrm>
         </p:grpSpPr>
         <p:pic>
@@ -31700,9 +31499,9 @@
           <p:grpSpPr>
             <a:xfrm>
               <a:off x="5310006" y="838161"/>
-              <a:ext cx="2077721" cy="1881905"/>
+              <a:ext cx="2077721" cy="936950"/>
               <a:chOff x="309879" y="828833"/>
-              <a:chExt cx="2077721" cy="1881905"/>
+              <a:chExt cx="2077721" cy="936950"/>
             </a:xfrm>
           </p:grpSpPr>
           <p:sp>
@@ -31956,234 +31755,6 @@
               </a:p>
             </p:txBody>
           </p:sp>
-          <p:sp>
-            <p:nvSpPr>
-              <p:cNvPr id="40" name="Rectangle : avec coins arrondis en haut 39">
-                <a:extLst>
-                  <a:ext uri="{FF2B5EF4-FFF2-40B4-BE49-F238E27FC236}">
-                    <a16:creationId xmlns:a16="http://schemas.microsoft.com/office/drawing/2014/main" id="{27A88D64-FF7D-4B72-A68E-F9029CFDDBA6}"/>
-                  </a:ext>
-                </a:extLst>
-              </p:cNvPr>
-              <p:cNvSpPr/>
-              <p:nvPr/>
-            </p:nvSpPr>
-            <p:spPr>
-              <a:xfrm>
-                <a:off x="355600" y="1847849"/>
-                <a:ext cx="2032000" cy="216000"/>
-              </a:xfrm>
-              <a:prstGeom prst="round2SameRect">
-                <a:avLst/>
-              </a:prstGeom>
-              <a:solidFill>
-                <a:srgbClr val="E0F2F1"/>
-              </a:solidFill>
-              <a:ln>
-                <a:solidFill>
-                  <a:srgbClr val="00838F"/>
-                </a:solidFill>
-              </a:ln>
-            </p:spPr>
-            <p:style>
-              <a:lnRef idx="2">
-                <a:schemeClr val="accent1">
-                  <a:shade val="50000"/>
-                </a:schemeClr>
-              </a:lnRef>
-              <a:fillRef idx="1">
-                <a:schemeClr val="accent1"/>
-              </a:fillRef>
-              <a:effectRef idx="0">
-                <a:schemeClr val="accent1"/>
-              </a:effectRef>
-              <a:fontRef idx="minor">
-                <a:schemeClr val="lt1"/>
-              </a:fontRef>
-            </p:style>
-            <p:txBody>
-              <a:bodyPr rtlCol="0" anchor="ctr"/>
-              <a:lstStyle/>
-              <a:p>
-                <a:pPr algn="ctr"/>
-                <a:endParaRPr lang="fr-FR" sz="1600">
-                  <a:latin typeface="Segoe UI" panose="020B0502040204020203" pitchFamily="34" charset="0"/>
-                  <a:cs typeface="Segoe UI" panose="020B0502040204020203" pitchFamily="34" charset="0"/>
-                </a:endParaRPr>
-              </a:p>
-            </p:txBody>
-          </p:sp>
-          <p:sp>
-            <p:nvSpPr>
-              <p:cNvPr id="41" name="Rectangle 40">
-                <a:extLst>
-                  <a:ext uri="{FF2B5EF4-FFF2-40B4-BE49-F238E27FC236}">
-                    <a16:creationId xmlns:a16="http://schemas.microsoft.com/office/drawing/2014/main" id="{2BDC94E3-F7DA-442C-AFE6-78CD08CBD740}"/>
-                  </a:ext>
-                </a:extLst>
-              </p:cNvPr>
-              <p:cNvSpPr/>
-              <p:nvPr/>
-            </p:nvSpPr>
-            <p:spPr>
-              <a:xfrm>
-                <a:off x="355600" y="2064708"/>
-                <a:ext cx="2032000" cy="216000"/>
-              </a:xfrm>
-              <a:prstGeom prst="rect">
-                <a:avLst/>
-              </a:prstGeom>
-              <a:solidFill>
-                <a:srgbClr val="E0F2F1"/>
-              </a:solidFill>
-              <a:ln>
-                <a:solidFill>
-                  <a:srgbClr val="00838F"/>
-                </a:solidFill>
-              </a:ln>
-            </p:spPr>
-            <p:style>
-              <a:lnRef idx="2">
-                <a:schemeClr val="accent1">
-                  <a:shade val="50000"/>
-                </a:schemeClr>
-              </a:lnRef>
-              <a:fillRef idx="1">
-                <a:schemeClr val="accent1"/>
-              </a:fillRef>
-              <a:effectRef idx="0">
-                <a:schemeClr val="accent1"/>
-              </a:effectRef>
-              <a:fontRef idx="minor">
-                <a:schemeClr val="lt1"/>
-              </a:fontRef>
-            </p:style>
-            <p:txBody>
-              <a:bodyPr rtlCol="0" anchor="ctr"/>
-              <a:lstStyle/>
-              <a:p>
-                <a:pPr algn="ctr"/>
-                <a:endParaRPr lang="fr-FR" sz="1600">
-                  <a:latin typeface="Segoe UI" panose="020B0502040204020203" pitchFamily="34" charset="0"/>
-                  <a:cs typeface="Segoe UI" panose="020B0502040204020203" pitchFamily="34" charset="0"/>
-                </a:endParaRPr>
-              </a:p>
-            </p:txBody>
-          </p:sp>
-          <p:sp>
-            <p:nvSpPr>
-              <p:cNvPr id="42" name="Rectangle 41">
-                <a:extLst>
-                  <a:ext uri="{FF2B5EF4-FFF2-40B4-BE49-F238E27FC236}">
-                    <a16:creationId xmlns:a16="http://schemas.microsoft.com/office/drawing/2014/main" id="{036AAA96-2575-4C6F-A5A9-11AD71CB694D}"/>
-                  </a:ext>
-                </a:extLst>
-              </p:cNvPr>
-              <p:cNvSpPr/>
-              <p:nvPr/>
-            </p:nvSpPr>
-            <p:spPr>
-              <a:xfrm>
-                <a:off x="355600" y="2280708"/>
-                <a:ext cx="2032000" cy="216000"/>
-              </a:xfrm>
-              <a:prstGeom prst="rect">
-                <a:avLst/>
-              </a:prstGeom>
-              <a:solidFill>
-                <a:srgbClr val="E0F2F1"/>
-              </a:solidFill>
-              <a:ln>
-                <a:solidFill>
-                  <a:srgbClr val="00838F"/>
-                </a:solidFill>
-              </a:ln>
-            </p:spPr>
-            <p:style>
-              <a:lnRef idx="2">
-                <a:schemeClr val="accent1">
-                  <a:shade val="50000"/>
-                </a:schemeClr>
-              </a:lnRef>
-              <a:fillRef idx="1">
-                <a:schemeClr val="accent1"/>
-              </a:fillRef>
-              <a:effectRef idx="0">
-                <a:schemeClr val="accent1"/>
-              </a:effectRef>
-              <a:fontRef idx="minor">
-                <a:schemeClr val="lt1"/>
-              </a:fontRef>
-            </p:style>
-            <p:txBody>
-              <a:bodyPr rtlCol="0" anchor="ctr"/>
-              <a:lstStyle/>
-              <a:p>
-                <a:pPr algn="ctr"/>
-                <a:endParaRPr lang="fr-FR" sz="1600">
-                  <a:latin typeface="Segoe UI" panose="020B0502040204020203" pitchFamily="34" charset="0"/>
-                  <a:cs typeface="Segoe UI" panose="020B0502040204020203" pitchFamily="34" charset="0"/>
-                </a:endParaRPr>
-              </a:p>
-            </p:txBody>
-          </p:sp>
-          <p:sp>
-            <p:nvSpPr>
-              <p:cNvPr id="43" name="Rectangle : avec coins arrondis en haut 42">
-                <a:extLst>
-                  <a:ext uri="{FF2B5EF4-FFF2-40B4-BE49-F238E27FC236}">
-                    <a16:creationId xmlns:a16="http://schemas.microsoft.com/office/drawing/2014/main" id="{0EEDA0ED-6E09-48A0-8DDD-DC3A3B4DE374}"/>
-                  </a:ext>
-                </a:extLst>
-              </p:cNvPr>
-              <p:cNvSpPr/>
-              <p:nvPr/>
-            </p:nvSpPr>
-            <p:spPr>
-              <a:xfrm rot="10800000">
-                <a:off x="355600" y="2494738"/>
-                <a:ext cx="2032000" cy="216000"/>
-              </a:xfrm>
-              <a:prstGeom prst="round2SameRect">
-                <a:avLst/>
-              </a:prstGeom>
-              <a:solidFill>
-                <a:srgbClr val="E0F2F1"/>
-              </a:solidFill>
-              <a:ln>
-                <a:solidFill>
-                  <a:srgbClr val="00838F"/>
-                </a:solidFill>
-              </a:ln>
-            </p:spPr>
-            <p:style>
-              <a:lnRef idx="2">
-                <a:schemeClr val="accent1">
-                  <a:shade val="50000"/>
-                </a:schemeClr>
-              </a:lnRef>
-              <a:fillRef idx="1">
-                <a:schemeClr val="accent1"/>
-              </a:fillRef>
-              <a:effectRef idx="0">
-                <a:schemeClr val="accent1"/>
-              </a:effectRef>
-              <a:fontRef idx="minor">
-                <a:schemeClr val="lt1"/>
-              </a:fontRef>
-            </p:style>
-            <p:txBody>
-              <a:bodyPr rtlCol="0" anchor="ctr"/>
-              <a:lstStyle/>
-              <a:p>
-                <a:pPr algn="ctr"/>
-                <a:endParaRPr lang="fr-FR" sz="1600">
-                  <a:latin typeface="Segoe UI" panose="020B0502040204020203" pitchFamily="34" charset="0"/>
-                  <a:cs typeface="Segoe UI" panose="020B0502040204020203" pitchFamily="34" charset="0"/>
-                </a:endParaRPr>
-              </a:p>
-            </p:txBody>
-          </p:sp>
         </p:grpSp>
       </p:grpSp>
       <p:grpSp>
@@ -32200,10 +31771,10 @@
         </p:nvGrpSpPr>
         <p:grpSpPr>
           <a:xfrm>
-            <a:off x="2613565" y="2061208"/>
-            <a:ext cx="2077721" cy="2110602"/>
+            <a:off x="4854111" y="1078439"/>
+            <a:ext cx="2077721" cy="1165647"/>
             <a:chOff x="5853529" y="4531256"/>
-            <a:chExt cx="2077721" cy="2110602"/>
+            <a:chExt cx="2077721" cy="1165647"/>
           </a:xfrm>
         </p:grpSpPr>
         <p:pic>
@@ -32268,9 +31839,9 @@
           <p:grpSpPr>
             <a:xfrm>
               <a:off x="5853529" y="4759953"/>
-              <a:ext cx="2077721" cy="1881905"/>
+              <a:ext cx="2077721" cy="936950"/>
               <a:chOff x="309879" y="828833"/>
-              <a:chExt cx="2077721" cy="1881905"/>
+              <a:chExt cx="2077721" cy="936950"/>
             </a:xfrm>
           </p:grpSpPr>
           <p:sp>
@@ -32524,234 +32095,6 @@
               </a:p>
             </p:txBody>
           </p:sp>
-          <p:sp>
-            <p:nvSpPr>
-              <p:cNvPr id="50" name="Rectangle : avec coins arrondis en haut 49">
-                <a:extLst>
-                  <a:ext uri="{FF2B5EF4-FFF2-40B4-BE49-F238E27FC236}">
-                    <a16:creationId xmlns:a16="http://schemas.microsoft.com/office/drawing/2014/main" id="{A1CF294E-DB6E-4F43-BEA3-9175D355A911}"/>
-                  </a:ext>
-                </a:extLst>
-              </p:cNvPr>
-              <p:cNvSpPr/>
-              <p:nvPr/>
-            </p:nvSpPr>
-            <p:spPr>
-              <a:xfrm>
-                <a:off x="355600" y="1847849"/>
-                <a:ext cx="2032000" cy="216000"/>
-              </a:xfrm>
-              <a:prstGeom prst="round2SameRect">
-                <a:avLst/>
-              </a:prstGeom>
-              <a:solidFill>
-                <a:srgbClr val="E0F2F1"/>
-              </a:solidFill>
-              <a:ln>
-                <a:solidFill>
-                  <a:srgbClr val="00838F"/>
-                </a:solidFill>
-              </a:ln>
-            </p:spPr>
-            <p:style>
-              <a:lnRef idx="2">
-                <a:schemeClr val="accent1">
-                  <a:shade val="50000"/>
-                </a:schemeClr>
-              </a:lnRef>
-              <a:fillRef idx="1">
-                <a:schemeClr val="accent1"/>
-              </a:fillRef>
-              <a:effectRef idx="0">
-                <a:schemeClr val="accent1"/>
-              </a:effectRef>
-              <a:fontRef idx="minor">
-                <a:schemeClr val="lt1"/>
-              </a:fontRef>
-            </p:style>
-            <p:txBody>
-              <a:bodyPr rtlCol="0" anchor="ctr"/>
-              <a:lstStyle/>
-              <a:p>
-                <a:pPr algn="ctr"/>
-                <a:endParaRPr lang="fr-FR" sz="1600">
-                  <a:latin typeface="Segoe UI" panose="020B0502040204020203" pitchFamily="34" charset="0"/>
-                  <a:cs typeface="Segoe UI" panose="020B0502040204020203" pitchFamily="34" charset="0"/>
-                </a:endParaRPr>
-              </a:p>
-            </p:txBody>
-          </p:sp>
-          <p:sp>
-            <p:nvSpPr>
-              <p:cNvPr id="51" name="Rectangle 50">
-                <a:extLst>
-                  <a:ext uri="{FF2B5EF4-FFF2-40B4-BE49-F238E27FC236}">
-                    <a16:creationId xmlns:a16="http://schemas.microsoft.com/office/drawing/2014/main" id="{9A815FEB-C332-4B71-8AF1-A7E58FC43E17}"/>
-                  </a:ext>
-                </a:extLst>
-              </p:cNvPr>
-              <p:cNvSpPr/>
-              <p:nvPr/>
-            </p:nvSpPr>
-            <p:spPr>
-              <a:xfrm>
-                <a:off x="355600" y="2064708"/>
-                <a:ext cx="2032000" cy="216000"/>
-              </a:xfrm>
-              <a:prstGeom prst="rect">
-                <a:avLst/>
-              </a:prstGeom>
-              <a:solidFill>
-                <a:srgbClr val="E0F2F1"/>
-              </a:solidFill>
-              <a:ln>
-                <a:solidFill>
-                  <a:srgbClr val="00838F"/>
-                </a:solidFill>
-              </a:ln>
-            </p:spPr>
-            <p:style>
-              <a:lnRef idx="2">
-                <a:schemeClr val="accent1">
-                  <a:shade val="50000"/>
-                </a:schemeClr>
-              </a:lnRef>
-              <a:fillRef idx="1">
-                <a:schemeClr val="accent1"/>
-              </a:fillRef>
-              <a:effectRef idx="0">
-                <a:schemeClr val="accent1"/>
-              </a:effectRef>
-              <a:fontRef idx="minor">
-                <a:schemeClr val="lt1"/>
-              </a:fontRef>
-            </p:style>
-            <p:txBody>
-              <a:bodyPr rtlCol="0" anchor="ctr"/>
-              <a:lstStyle/>
-              <a:p>
-                <a:pPr algn="ctr"/>
-                <a:endParaRPr lang="fr-FR" sz="1600">
-                  <a:latin typeface="Segoe UI" panose="020B0502040204020203" pitchFamily="34" charset="0"/>
-                  <a:cs typeface="Segoe UI" panose="020B0502040204020203" pitchFamily="34" charset="0"/>
-                </a:endParaRPr>
-              </a:p>
-            </p:txBody>
-          </p:sp>
-          <p:sp>
-            <p:nvSpPr>
-              <p:cNvPr id="52" name="Rectangle 51">
-                <a:extLst>
-                  <a:ext uri="{FF2B5EF4-FFF2-40B4-BE49-F238E27FC236}">
-                    <a16:creationId xmlns:a16="http://schemas.microsoft.com/office/drawing/2014/main" id="{5A0AF273-1B56-4814-812C-83BD139B97F4}"/>
-                  </a:ext>
-                </a:extLst>
-              </p:cNvPr>
-              <p:cNvSpPr/>
-              <p:nvPr/>
-            </p:nvSpPr>
-            <p:spPr>
-              <a:xfrm>
-                <a:off x="355600" y="2280708"/>
-                <a:ext cx="2032000" cy="216000"/>
-              </a:xfrm>
-              <a:prstGeom prst="rect">
-                <a:avLst/>
-              </a:prstGeom>
-              <a:solidFill>
-                <a:srgbClr val="E0F2F1"/>
-              </a:solidFill>
-              <a:ln>
-                <a:solidFill>
-                  <a:srgbClr val="00838F"/>
-                </a:solidFill>
-              </a:ln>
-            </p:spPr>
-            <p:style>
-              <a:lnRef idx="2">
-                <a:schemeClr val="accent1">
-                  <a:shade val="50000"/>
-                </a:schemeClr>
-              </a:lnRef>
-              <a:fillRef idx="1">
-                <a:schemeClr val="accent1"/>
-              </a:fillRef>
-              <a:effectRef idx="0">
-                <a:schemeClr val="accent1"/>
-              </a:effectRef>
-              <a:fontRef idx="minor">
-                <a:schemeClr val="lt1"/>
-              </a:fontRef>
-            </p:style>
-            <p:txBody>
-              <a:bodyPr rtlCol="0" anchor="ctr"/>
-              <a:lstStyle/>
-              <a:p>
-                <a:pPr algn="ctr"/>
-                <a:endParaRPr lang="fr-FR" sz="1600">
-                  <a:latin typeface="Segoe UI" panose="020B0502040204020203" pitchFamily="34" charset="0"/>
-                  <a:cs typeface="Segoe UI" panose="020B0502040204020203" pitchFamily="34" charset="0"/>
-                </a:endParaRPr>
-              </a:p>
-            </p:txBody>
-          </p:sp>
-          <p:sp>
-            <p:nvSpPr>
-              <p:cNvPr id="53" name="Rectangle : avec coins arrondis en haut 52">
-                <a:extLst>
-                  <a:ext uri="{FF2B5EF4-FFF2-40B4-BE49-F238E27FC236}">
-                    <a16:creationId xmlns:a16="http://schemas.microsoft.com/office/drawing/2014/main" id="{E48AED0A-4622-4080-8FCF-74455F95B384}"/>
-                  </a:ext>
-                </a:extLst>
-              </p:cNvPr>
-              <p:cNvSpPr/>
-              <p:nvPr/>
-            </p:nvSpPr>
-            <p:spPr>
-              <a:xfrm rot="10800000">
-                <a:off x="355600" y="2494738"/>
-                <a:ext cx="2032000" cy="216000"/>
-              </a:xfrm>
-              <a:prstGeom prst="round2SameRect">
-                <a:avLst/>
-              </a:prstGeom>
-              <a:solidFill>
-                <a:srgbClr val="E0F2F1"/>
-              </a:solidFill>
-              <a:ln>
-                <a:solidFill>
-                  <a:srgbClr val="00838F"/>
-                </a:solidFill>
-              </a:ln>
-            </p:spPr>
-            <p:style>
-              <a:lnRef idx="2">
-                <a:schemeClr val="accent1">
-                  <a:shade val="50000"/>
-                </a:schemeClr>
-              </a:lnRef>
-              <a:fillRef idx="1">
-                <a:schemeClr val="accent1"/>
-              </a:fillRef>
-              <a:effectRef idx="0">
-                <a:schemeClr val="accent1"/>
-              </a:effectRef>
-              <a:fontRef idx="minor">
-                <a:schemeClr val="lt1"/>
-              </a:fontRef>
-            </p:style>
-            <p:txBody>
-              <a:bodyPr rtlCol="0" anchor="ctr"/>
-              <a:lstStyle/>
-              <a:p>
-                <a:pPr algn="ctr"/>
-                <a:endParaRPr lang="fr-FR" sz="1600">
-                  <a:latin typeface="Segoe UI" panose="020B0502040204020203" pitchFamily="34" charset="0"/>
-                  <a:cs typeface="Segoe UI" panose="020B0502040204020203" pitchFamily="34" charset="0"/>
-                </a:endParaRPr>
-              </a:p>
-            </p:txBody>
-          </p:sp>
         </p:grpSp>
       </p:grpSp>
       <p:grpSp>
@@ -32768,10 +32111,10 @@
         </p:nvGrpSpPr>
         <p:grpSpPr>
           <a:xfrm>
-            <a:off x="194675" y="4578017"/>
-            <a:ext cx="2162754" cy="2236768"/>
+            <a:off x="7165614" y="952048"/>
+            <a:ext cx="2162754" cy="1291813"/>
             <a:chOff x="3192972" y="5225068"/>
-            <a:chExt cx="2162754" cy="2236768"/>
+            <a:chExt cx="2162754" cy="1291813"/>
           </a:xfrm>
         </p:grpSpPr>
         <p:pic>
@@ -32836,9 +32179,9 @@
           <p:grpSpPr>
             <a:xfrm>
               <a:off x="3278005" y="5579931"/>
-              <a:ext cx="2077721" cy="1881905"/>
+              <a:ext cx="2077721" cy="936950"/>
               <a:chOff x="309879" y="828833"/>
-              <a:chExt cx="2077721" cy="1881905"/>
+              <a:chExt cx="2077721" cy="936950"/>
             </a:xfrm>
           </p:grpSpPr>
           <p:sp>
@@ -33092,234 +32435,6 @@
               </a:p>
             </p:txBody>
           </p:sp>
-          <p:sp>
-            <p:nvSpPr>
-              <p:cNvPr id="60" name="Rectangle : avec coins arrondis en haut 59">
-                <a:extLst>
-                  <a:ext uri="{FF2B5EF4-FFF2-40B4-BE49-F238E27FC236}">
-                    <a16:creationId xmlns:a16="http://schemas.microsoft.com/office/drawing/2014/main" id="{A9C7712A-4584-4E62-B7BF-C4B57FE03A11}"/>
-                  </a:ext>
-                </a:extLst>
-              </p:cNvPr>
-              <p:cNvSpPr/>
-              <p:nvPr/>
-            </p:nvSpPr>
-            <p:spPr>
-              <a:xfrm>
-                <a:off x="355600" y="1847849"/>
-                <a:ext cx="2032000" cy="216000"/>
-              </a:xfrm>
-              <a:prstGeom prst="round2SameRect">
-                <a:avLst/>
-              </a:prstGeom>
-              <a:solidFill>
-                <a:srgbClr val="E0F2F1"/>
-              </a:solidFill>
-              <a:ln>
-                <a:solidFill>
-                  <a:srgbClr val="00838F"/>
-                </a:solidFill>
-              </a:ln>
-            </p:spPr>
-            <p:style>
-              <a:lnRef idx="2">
-                <a:schemeClr val="accent1">
-                  <a:shade val="50000"/>
-                </a:schemeClr>
-              </a:lnRef>
-              <a:fillRef idx="1">
-                <a:schemeClr val="accent1"/>
-              </a:fillRef>
-              <a:effectRef idx="0">
-                <a:schemeClr val="accent1"/>
-              </a:effectRef>
-              <a:fontRef idx="minor">
-                <a:schemeClr val="lt1"/>
-              </a:fontRef>
-            </p:style>
-            <p:txBody>
-              <a:bodyPr rtlCol="0" anchor="ctr"/>
-              <a:lstStyle/>
-              <a:p>
-                <a:pPr algn="ctr"/>
-                <a:endParaRPr lang="fr-FR" sz="1600">
-                  <a:latin typeface="Segoe UI" panose="020B0502040204020203" pitchFamily="34" charset="0"/>
-                  <a:cs typeface="Segoe UI" panose="020B0502040204020203" pitchFamily="34" charset="0"/>
-                </a:endParaRPr>
-              </a:p>
-            </p:txBody>
-          </p:sp>
-          <p:sp>
-            <p:nvSpPr>
-              <p:cNvPr id="61" name="Rectangle 60">
-                <a:extLst>
-                  <a:ext uri="{FF2B5EF4-FFF2-40B4-BE49-F238E27FC236}">
-                    <a16:creationId xmlns:a16="http://schemas.microsoft.com/office/drawing/2014/main" id="{DFA319C2-C635-4EA3-911A-524DA47FD24F}"/>
-                  </a:ext>
-                </a:extLst>
-              </p:cNvPr>
-              <p:cNvSpPr/>
-              <p:nvPr/>
-            </p:nvSpPr>
-            <p:spPr>
-              <a:xfrm>
-                <a:off x="355600" y="2064708"/>
-                <a:ext cx="2032000" cy="216000"/>
-              </a:xfrm>
-              <a:prstGeom prst="rect">
-                <a:avLst/>
-              </a:prstGeom>
-              <a:solidFill>
-                <a:srgbClr val="E0F2F1"/>
-              </a:solidFill>
-              <a:ln>
-                <a:solidFill>
-                  <a:srgbClr val="00838F"/>
-                </a:solidFill>
-              </a:ln>
-            </p:spPr>
-            <p:style>
-              <a:lnRef idx="2">
-                <a:schemeClr val="accent1">
-                  <a:shade val="50000"/>
-                </a:schemeClr>
-              </a:lnRef>
-              <a:fillRef idx="1">
-                <a:schemeClr val="accent1"/>
-              </a:fillRef>
-              <a:effectRef idx="0">
-                <a:schemeClr val="accent1"/>
-              </a:effectRef>
-              <a:fontRef idx="minor">
-                <a:schemeClr val="lt1"/>
-              </a:fontRef>
-            </p:style>
-            <p:txBody>
-              <a:bodyPr rtlCol="0" anchor="ctr"/>
-              <a:lstStyle/>
-              <a:p>
-                <a:pPr algn="ctr"/>
-                <a:endParaRPr lang="fr-FR" sz="1600">
-                  <a:latin typeface="Segoe UI" panose="020B0502040204020203" pitchFamily="34" charset="0"/>
-                  <a:cs typeface="Segoe UI" panose="020B0502040204020203" pitchFamily="34" charset="0"/>
-                </a:endParaRPr>
-              </a:p>
-            </p:txBody>
-          </p:sp>
-          <p:sp>
-            <p:nvSpPr>
-              <p:cNvPr id="62" name="Rectangle 61">
-                <a:extLst>
-                  <a:ext uri="{FF2B5EF4-FFF2-40B4-BE49-F238E27FC236}">
-                    <a16:creationId xmlns:a16="http://schemas.microsoft.com/office/drawing/2014/main" id="{073F0412-E10A-4A65-9A36-9922B1D7D389}"/>
-                  </a:ext>
-                </a:extLst>
-              </p:cNvPr>
-              <p:cNvSpPr/>
-              <p:nvPr/>
-            </p:nvSpPr>
-            <p:spPr>
-              <a:xfrm>
-                <a:off x="355600" y="2280708"/>
-                <a:ext cx="2032000" cy="216000"/>
-              </a:xfrm>
-              <a:prstGeom prst="rect">
-                <a:avLst/>
-              </a:prstGeom>
-              <a:solidFill>
-                <a:srgbClr val="E0F2F1"/>
-              </a:solidFill>
-              <a:ln>
-                <a:solidFill>
-                  <a:srgbClr val="00838F"/>
-                </a:solidFill>
-              </a:ln>
-            </p:spPr>
-            <p:style>
-              <a:lnRef idx="2">
-                <a:schemeClr val="accent1">
-                  <a:shade val="50000"/>
-                </a:schemeClr>
-              </a:lnRef>
-              <a:fillRef idx="1">
-                <a:schemeClr val="accent1"/>
-              </a:fillRef>
-              <a:effectRef idx="0">
-                <a:schemeClr val="accent1"/>
-              </a:effectRef>
-              <a:fontRef idx="minor">
-                <a:schemeClr val="lt1"/>
-              </a:fontRef>
-            </p:style>
-            <p:txBody>
-              <a:bodyPr rtlCol="0" anchor="ctr"/>
-              <a:lstStyle/>
-              <a:p>
-                <a:pPr algn="ctr"/>
-                <a:endParaRPr lang="fr-FR" sz="1600">
-                  <a:latin typeface="Segoe UI" panose="020B0502040204020203" pitchFamily="34" charset="0"/>
-                  <a:cs typeface="Segoe UI" panose="020B0502040204020203" pitchFamily="34" charset="0"/>
-                </a:endParaRPr>
-              </a:p>
-            </p:txBody>
-          </p:sp>
-          <p:sp>
-            <p:nvSpPr>
-              <p:cNvPr id="63" name="Rectangle : avec coins arrondis en haut 62">
-                <a:extLst>
-                  <a:ext uri="{FF2B5EF4-FFF2-40B4-BE49-F238E27FC236}">
-                    <a16:creationId xmlns:a16="http://schemas.microsoft.com/office/drawing/2014/main" id="{BA160E87-8943-4C60-B5E2-744A7DAC81FC}"/>
-                  </a:ext>
-                </a:extLst>
-              </p:cNvPr>
-              <p:cNvSpPr/>
-              <p:nvPr/>
-            </p:nvSpPr>
-            <p:spPr>
-              <a:xfrm rot="10800000">
-                <a:off x="355600" y="2494738"/>
-                <a:ext cx="2032000" cy="216000"/>
-              </a:xfrm>
-              <a:prstGeom prst="round2SameRect">
-                <a:avLst/>
-              </a:prstGeom>
-              <a:solidFill>
-                <a:srgbClr val="E0F2F1"/>
-              </a:solidFill>
-              <a:ln>
-                <a:solidFill>
-                  <a:srgbClr val="00838F"/>
-                </a:solidFill>
-              </a:ln>
-            </p:spPr>
-            <p:style>
-              <a:lnRef idx="2">
-                <a:schemeClr val="accent1">
-                  <a:shade val="50000"/>
-                </a:schemeClr>
-              </a:lnRef>
-              <a:fillRef idx="1">
-                <a:schemeClr val="accent1"/>
-              </a:fillRef>
-              <a:effectRef idx="0">
-                <a:schemeClr val="accent1"/>
-              </a:effectRef>
-              <a:fontRef idx="minor">
-                <a:schemeClr val="lt1"/>
-              </a:fontRef>
-            </p:style>
-            <p:txBody>
-              <a:bodyPr rtlCol="0" anchor="ctr"/>
-              <a:lstStyle/>
-              <a:p>
-                <a:pPr algn="ctr"/>
-                <a:endParaRPr lang="fr-FR" sz="1600">
-                  <a:latin typeface="Segoe UI" panose="020B0502040204020203" pitchFamily="34" charset="0"/>
-                  <a:cs typeface="Segoe UI" panose="020B0502040204020203" pitchFamily="34" charset="0"/>
-                </a:endParaRPr>
-              </a:p>
-            </p:txBody>
-          </p:sp>
         </p:grpSp>
       </p:grpSp>
       <p:grpSp>
@@ -33336,10 +32451,10 @@
         </p:nvGrpSpPr>
         <p:grpSpPr>
           <a:xfrm>
-            <a:off x="2663793" y="4153617"/>
-            <a:ext cx="2077721" cy="2071078"/>
+            <a:off x="2597760" y="1129732"/>
+            <a:ext cx="2077721" cy="1126123"/>
             <a:chOff x="415157" y="4148056"/>
-            <a:chExt cx="2077721" cy="2071078"/>
+            <a:chExt cx="2077721" cy="1126123"/>
           </a:xfrm>
         </p:grpSpPr>
         <p:pic>
@@ -33404,9 +32519,9 @@
           <p:grpSpPr>
             <a:xfrm>
               <a:off x="415157" y="4337229"/>
-              <a:ext cx="2077721" cy="1881905"/>
+              <a:ext cx="2077721" cy="936950"/>
               <a:chOff x="309879" y="828833"/>
-              <a:chExt cx="2077721" cy="1881905"/>
+              <a:chExt cx="2077721" cy="936950"/>
             </a:xfrm>
           </p:grpSpPr>
           <p:sp>
@@ -33660,234 +32775,6 @@
               </a:p>
             </p:txBody>
           </p:sp>
-          <p:sp>
-            <p:nvSpPr>
-              <p:cNvPr id="70" name="Rectangle : avec coins arrondis en haut 69">
-                <a:extLst>
-                  <a:ext uri="{FF2B5EF4-FFF2-40B4-BE49-F238E27FC236}">
-                    <a16:creationId xmlns:a16="http://schemas.microsoft.com/office/drawing/2014/main" id="{72C7F7B0-217F-4C3F-A7B6-0661A8FA1570}"/>
-                  </a:ext>
-                </a:extLst>
-              </p:cNvPr>
-              <p:cNvSpPr/>
-              <p:nvPr/>
-            </p:nvSpPr>
-            <p:spPr>
-              <a:xfrm>
-                <a:off x="355600" y="1847849"/>
-                <a:ext cx="2032000" cy="216000"/>
-              </a:xfrm>
-              <a:prstGeom prst="round2SameRect">
-                <a:avLst/>
-              </a:prstGeom>
-              <a:solidFill>
-                <a:srgbClr val="E0F2F1"/>
-              </a:solidFill>
-              <a:ln>
-                <a:solidFill>
-                  <a:srgbClr val="00838F"/>
-                </a:solidFill>
-              </a:ln>
-            </p:spPr>
-            <p:style>
-              <a:lnRef idx="2">
-                <a:schemeClr val="accent1">
-                  <a:shade val="50000"/>
-                </a:schemeClr>
-              </a:lnRef>
-              <a:fillRef idx="1">
-                <a:schemeClr val="accent1"/>
-              </a:fillRef>
-              <a:effectRef idx="0">
-                <a:schemeClr val="accent1"/>
-              </a:effectRef>
-              <a:fontRef idx="minor">
-                <a:schemeClr val="lt1"/>
-              </a:fontRef>
-            </p:style>
-            <p:txBody>
-              <a:bodyPr rtlCol="0" anchor="ctr"/>
-              <a:lstStyle/>
-              <a:p>
-                <a:pPr algn="ctr"/>
-                <a:endParaRPr lang="fr-FR" sz="1600">
-                  <a:latin typeface="Segoe UI" panose="020B0502040204020203" pitchFamily="34" charset="0"/>
-                  <a:cs typeface="Segoe UI" panose="020B0502040204020203" pitchFamily="34" charset="0"/>
-                </a:endParaRPr>
-              </a:p>
-            </p:txBody>
-          </p:sp>
-          <p:sp>
-            <p:nvSpPr>
-              <p:cNvPr id="71" name="Rectangle 70">
-                <a:extLst>
-                  <a:ext uri="{FF2B5EF4-FFF2-40B4-BE49-F238E27FC236}">
-                    <a16:creationId xmlns:a16="http://schemas.microsoft.com/office/drawing/2014/main" id="{C34DF6B4-489A-44C3-9B13-72D327240A9B}"/>
-                  </a:ext>
-                </a:extLst>
-              </p:cNvPr>
-              <p:cNvSpPr/>
-              <p:nvPr/>
-            </p:nvSpPr>
-            <p:spPr>
-              <a:xfrm>
-                <a:off x="355600" y="2064708"/>
-                <a:ext cx="2032000" cy="216000"/>
-              </a:xfrm>
-              <a:prstGeom prst="rect">
-                <a:avLst/>
-              </a:prstGeom>
-              <a:solidFill>
-                <a:srgbClr val="E0F2F1"/>
-              </a:solidFill>
-              <a:ln>
-                <a:solidFill>
-                  <a:srgbClr val="00838F"/>
-                </a:solidFill>
-              </a:ln>
-            </p:spPr>
-            <p:style>
-              <a:lnRef idx="2">
-                <a:schemeClr val="accent1">
-                  <a:shade val="50000"/>
-                </a:schemeClr>
-              </a:lnRef>
-              <a:fillRef idx="1">
-                <a:schemeClr val="accent1"/>
-              </a:fillRef>
-              <a:effectRef idx="0">
-                <a:schemeClr val="accent1"/>
-              </a:effectRef>
-              <a:fontRef idx="minor">
-                <a:schemeClr val="lt1"/>
-              </a:fontRef>
-            </p:style>
-            <p:txBody>
-              <a:bodyPr rtlCol="0" anchor="ctr"/>
-              <a:lstStyle/>
-              <a:p>
-                <a:pPr algn="ctr"/>
-                <a:endParaRPr lang="fr-FR" sz="1600">
-                  <a:latin typeface="Segoe UI" panose="020B0502040204020203" pitchFamily="34" charset="0"/>
-                  <a:cs typeface="Segoe UI" panose="020B0502040204020203" pitchFamily="34" charset="0"/>
-                </a:endParaRPr>
-              </a:p>
-            </p:txBody>
-          </p:sp>
-          <p:sp>
-            <p:nvSpPr>
-              <p:cNvPr id="72" name="Rectangle 71">
-                <a:extLst>
-                  <a:ext uri="{FF2B5EF4-FFF2-40B4-BE49-F238E27FC236}">
-                    <a16:creationId xmlns:a16="http://schemas.microsoft.com/office/drawing/2014/main" id="{E4DD953B-CFEE-4B7E-871E-1A6091A3646A}"/>
-                  </a:ext>
-                </a:extLst>
-              </p:cNvPr>
-              <p:cNvSpPr/>
-              <p:nvPr/>
-            </p:nvSpPr>
-            <p:spPr>
-              <a:xfrm>
-                <a:off x="355600" y="2280708"/>
-                <a:ext cx="2032000" cy="216000"/>
-              </a:xfrm>
-              <a:prstGeom prst="rect">
-                <a:avLst/>
-              </a:prstGeom>
-              <a:solidFill>
-                <a:srgbClr val="E0F2F1"/>
-              </a:solidFill>
-              <a:ln>
-                <a:solidFill>
-                  <a:srgbClr val="00838F"/>
-                </a:solidFill>
-              </a:ln>
-            </p:spPr>
-            <p:style>
-              <a:lnRef idx="2">
-                <a:schemeClr val="accent1">
-                  <a:shade val="50000"/>
-                </a:schemeClr>
-              </a:lnRef>
-              <a:fillRef idx="1">
-                <a:schemeClr val="accent1"/>
-              </a:fillRef>
-              <a:effectRef idx="0">
-                <a:schemeClr val="accent1"/>
-              </a:effectRef>
-              <a:fontRef idx="minor">
-                <a:schemeClr val="lt1"/>
-              </a:fontRef>
-            </p:style>
-            <p:txBody>
-              <a:bodyPr rtlCol="0" anchor="ctr"/>
-              <a:lstStyle/>
-              <a:p>
-                <a:pPr algn="ctr"/>
-                <a:endParaRPr lang="fr-FR" sz="1600">
-                  <a:latin typeface="Segoe UI" panose="020B0502040204020203" pitchFamily="34" charset="0"/>
-                  <a:cs typeface="Segoe UI" panose="020B0502040204020203" pitchFamily="34" charset="0"/>
-                </a:endParaRPr>
-              </a:p>
-            </p:txBody>
-          </p:sp>
-          <p:sp>
-            <p:nvSpPr>
-              <p:cNvPr id="73" name="Rectangle : avec coins arrondis en haut 72">
-                <a:extLst>
-                  <a:ext uri="{FF2B5EF4-FFF2-40B4-BE49-F238E27FC236}">
-                    <a16:creationId xmlns:a16="http://schemas.microsoft.com/office/drawing/2014/main" id="{EC17F784-787B-48F0-8FB8-30E028A55592}"/>
-                  </a:ext>
-                </a:extLst>
-              </p:cNvPr>
-              <p:cNvSpPr/>
-              <p:nvPr/>
-            </p:nvSpPr>
-            <p:spPr>
-              <a:xfrm rot="10800000">
-                <a:off x="355600" y="2494738"/>
-                <a:ext cx="2032000" cy="216000"/>
-              </a:xfrm>
-              <a:prstGeom prst="round2SameRect">
-                <a:avLst/>
-              </a:prstGeom>
-              <a:solidFill>
-                <a:srgbClr val="E0F2F1"/>
-              </a:solidFill>
-              <a:ln>
-                <a:solidFill>
-                  <a:srgbClr val="00838F"/>
-                </a:solidFill>
-              </a:ln>
-            </p:spPr>
-            <p:style>
-              <a:lnRef idx="2">
-                <a:schemeClr val="accent1">
-                  <a:shade val="50000"/>
-                </a:schemeClr>
-              </a:lnRef>
-              <a:fillRef idx="1">
-                <a:schemeClr val="accent1"/>
-              </a:fillRef>
-              <a:effectRef idx="0">
-                <a:schemeClr val="accent1"/>
-              </a:effectRef>
-              <a:fontRef idx="minor">
-                <a:schemeClr val="lt1"/>
-              </a:fontRef>
-            </p:style>
-            <p:txBody>
-              <a:bodyPr rtlCol="0" anchor="ctr"/>
-              <a:lstStyle/>
-              <a:p>
-                <a:pPr algn="ctr"/>
-                <a:endParaRPr lang="fr-FR" sz="1600">
-                  <a:latin typeface="Segoe UI" panose="020B0502040204020203" pitchFamily="34" charset="0"/>
-                  <a:cs typeface="Segoe UI" panose="020B0502040204020203" pitchFamily="34" charset="0"/>
-                </a:endParaRPr>
-              </a:p>
-            </p:txBody>
-          </p:sp>
         </p:grpSp>
       </p:grpSp>
       <p:grpSp>
@@ -33905,9 +32792,9 @@
         <p:grpSpPr>
           <a:xfrm>
             <a:off x="272830" y="53357"/>
-            <a:ext cx="2077721" cy="2022019"/>
+            <a:ext cx="2077721" cy="1077064"/>
             <a:chOff x="929598" y="6506409"/>
-            <a:chExt cx="2077721" cy="2022019"/>
+            <a:chExt cx="2077721" cy="1077064"/>
           </a:xfrm>
         </p:grpSpPr>
         <p:pic>
@@ -33972,9 +32859,9 @@
           <p:grpSpPr>
             <a:xfrm>
               <a:off x="929598" y="6646523"/>
-              <a:ext cx="2077721" cy="1881905"/>
+              <a:ext cx="2077721" cy="936950"/>
               <a:chOff x="309879" y="828833"/>
-              <a:chExt cx="2077721" cy="1881905"/>
+              <a:chExt cx="2077721" cy="936950"/>
             </a:xfrm>
           </p:grpSpPr>
           <p:sp>
@@ -34228,234 +33115,6 @@
               </a:p>
             </p:txBody>
           </p:sp>
-          <p:sp>
-            <p:nvSpPr>
-              <p:cNvPr id="86" name="Rectangle : avec coins arrondis en haut 85">
-                <a:extLst>
-                  <a:ext uri="{FF2B5EF4-FFF2-40B4-BE49-F238E27FC236}">
-                    <a16:creationId xmlns:a16="http://schemas.microsoft.com/office/drawing/2014/main" id="{33DE3109-75E7-4C88-B54E-54CE6010AFCE}"/>
-                  </a:ext>
-                </a:extLst>
-              </p:cNvPr>
-              <p:cNvSpPr/>
-              <p:nvPr/>
-            </p:nvSpPr>
-            <p:spPr>
-              <a:xfrm>
-                <a:off x="355600" y="1847849"/>
-                <a:ext cx="2032000" cy="216000"/>
-              </a:xfrm>
-              <a:prstGeom prst="round2SameRect">
-                <a:avLst/>
-              </a:prstGeom>
-              <a:solidFill>
-                <a:srgbClr val="E0F2F1"/>
-              </a:solidFill>
-              <a:ln>
-                <a:solidFill>
-                  <a:srgbClr val="00838F"/>
-                </a:solidFill>
-              </a:ln>
-            </p:spPr>
-            <p:style>
-              <a:lnRef idx="2">
-                <a:schemeClr val="accent1">
-                  <a:shade val="50000"/>
-                </a:schemeClr>
-              </a:lnRef>
-              <a:fillRef idx="1">
-                <a:schemeClr val="accent1"/>
-              </a:fillRef>
-              <a:effectRef idx="0">
-                <a:schemeClr val="accent1"/>
-              </a:effectRef>
-              <a:fontRef idx="minor">
-                <a:schemeClr val="lt1"/>
-              </a:fontRef>
-            </p:style>
-            <p:txBody>
-              <a:bodyPr rtlCol="0" anchor="ctr"/>
-              <a:lstStyle/>
-              <a:p>
-                <a:pPr algn="ctr"/>
-                <a:endParaRPr lang="fr-FR" sz="1600">
-                  <a:latin typeface="Segoe UI" panose="020B0502040204020203" pitchFamily="34" charset="0"/>
-                  <a:cs typeface="Segoe UI" panose="020B0502040204020203" pitchFamily="34" charset="0"/>
-                </a:endParaRPr>
-              </a:p>
-            </p:txBody>
-          </p:sp>
-          <p:sp>
-            <p:nvSpPr>
-              <p:cNvPr id="87" name="Rectangle 86">
-                <a:extLst>
-                  <a:ext uri="{FF2B5EF4-FFF2-40B4-BE49-F238E27FC236}">
-                    <a16:creationId xmlns:a16="http://schemas.microsoft.com/office/drawing/2014/main" id="{CB868634-8C2D-45A3-806E-6B7908B20567}"/>
-                  </a:ext>
-                </a:extLst>
-              </p:cNvPr>
-              <p:cNvSpPr/>
-              <p:nvPr/>
-            </p:nvSpPr>
-            <p:spPr>
-              <a:xfrm>
-                <a:off x="355600" y="2064708"/>
-                <a:ext cx="2032000" cy="216000"/>
-              </a:xfrm>
-              <a:prstGeom prst="rect">
-                <a:avLst/>
-              </a:prstGeom>
-              <a:solidFill>
-                <a:srgbClr val="E0F2F1"/>
-              </a:solidFill>
-              <a:ln>
-                <a:solidFill>
-                  <a:srgbClr val="00838F"/>
-                </a:solidFill>
-              </a:ln>
-            </p:spPr>
-            <p:style>
-              <a:lnRef idx="2">
-                <a:schemeClr val="accent1">
-                  <a:shade val="50000"/>
-                </a:schemeClr>
-              </a:lnRef>
-              <a:fillRef idx="1">
-                <a:schemeClr val="accent1"/>
-              </a:fillRef>
-              <a:effectRef idx="0">
-                <a:schemeClr val="accent1"/>
-              </a:effectRef>
-              <a:fontRef idx="minor">
-                <a:schemeClr val="lt1"/>
-              </a:fontRef>
-            </p:style>
-            <p:txBody>
-              <a:bodyPr rtlCol="0" anchor="ctr"/>
-              <a:lstStyle/>
-              <a:p>
-                <a:pPr algn="ctr"/>
-                <a:endParaRPr lang="fr-FR" sz="1600">
-                  <a:latin typeface="Segoe UI" panose="020B0502040204020203" pitchFamily="34" charset="0"/>
-                  <a:cs typeface="Segoe UI" panose="020B0502040204020203" pitchFamily="34" charset="0"/>
-                </a:endParaRPr>
-              </a:p>
-            </p:txBody>
-          </p:sp>
-          <p:sp>
-            <p:nvSpPr>
-              <p:cNvPr id="88" name="Rectangle 87">
-                <a:extLst>
-                  <a:ext uri="{FF2B5EF4-FFF2-40B4-BE49-F238E27FC236}">
-                    <a16:creationId xmlns:a16="http://schemas.microsoft.com/office/drawing/2014/main" id="{E1290236-F891-4F86-965B-3695CDE0E041}"/>
-                  </a:ext>
-                </a:extLst>
-              </p:cNvPr>
-              <p:cNvSpPr/>
-              <p:nvPr/>
-            </p:nvSpPr>
-            <p:spPr>
-              <a:xfrm>
-                <a:off x="355600" y="2280708"/>
-                <a:ext cx="2032000" cy="216000"/>
-              </a:xfrm>
-              <a:prstGeom prst="rect">
-                <a:avLst/>
-              </a:prstGeom>
-              <a:solidFill>
-                <a:srgbClr val="E0F2F1"/>
-              </a:solidFill>
-              <a:ln>
-                <a:solidFill>
-                  <a:srgbClr val="00838F"/>
-                </a:solidFill>
-              </a:ln>
-            </p:spPr>
-            <p:style>
-              <a:lnRef idx="2">
-                <a:schemeClr val="accent1">
-                  <a:shade val="50000"/>
-                </a:schemeClr>
-              </a:lnRef>
-              <a:fillRef idx="1">
-                <a:schemeClr val="accent1"/>
-              </a:fillRef>
-              <a:effectRef idx="0">
-                <a:schemeClr val="accent1"/>
-              </a:effectRef>
-              <a:fontRef idx="minor">
-                <a:schemeClr val="lt1"/>
-              </a:fontRef>
-            </p:style>
-            <p:txBody>
-              <a:bodyPr rtlCol="0" anchor="ctr"/>
-              <a:lstStyle/>
-              <a:p>
-                <a:pPr algn="ctr"/>
-                <a:endParaRPr lang="fr-FR" sz="1600">
-                  <a:latin typeface="Segoe UI" panose="020B0502040204020203" pitchFamily="34" charset="0"/>
-                  <a:cs typeface="Segoe UI" panose="020B0502040204020203" pitchFamily="34" charset="0"/>
-                </a:endParaRPr>
-              </a:p>
-            </p:txBody>
-          </p:sp>
-          <p:sp>
-            <p:nvSpPr>
-              <p:cNvPr id="89" name="Rectangle : avec coins arrondis en haut 88">
-                <a:extLst>
-                  <a:ext uri="{FF2B5EF4-FFF2-40B4-BE49-F238E27FC236}">
-                    <a16:creationId xmlns:a16="http://schemas.microsoft.com/office/drawing/2014/main" id="{34EDDD70-4946-4010-BFE0-BB540B66BAC7}"/>
-                  </a:ext>
-                </a:extLst>
-              </p:cNvPr>
-              <p:cNvSpPr/>
-              <p:nvPr/>
-            </p:nvSpPr>
-            <p:spPr>
-              <a:xfrm rot="10800000">
-                <a:off x="355600" y="2494738"/>
-                <a:ext cx="2032000" cy="216000"/>
-              </a:xfrm>
-              <a:prstGeom prst="round2SameRect">
-                <a:avLst/>
-              </a:prstGeom>
-              <a:solidFill>
-                <a:srgbClr val="E0F2F1"/>
-              </a:solidFill>
-              <a:ln>
-                <a:solidFill>
-                  <a:srgbClr val="00838F"/>
-                </a:solidFill>
-              </a:ln>
-            </p:spPr>
-            <p:style>
-              <a:lnRef idx="2">
-                <a:schemeClr val="accent1">
-                  <a:shade val="50000"/>
-                </a:schemeClr>
-              </a:lnRef>
-              <a:fillRef idx="1">
-                <a:schemeClr val="accent1"/>
-              </a:fillRef>
-              <a:effectRef idx="0">
-                <a:schemeClr val="accent1"/>
-              </a:effectRef>
-              <a:fontRef idx="minor">
-                <a:schemeClr val="lt1"/>
-              </a:fontRef>
-            </p:style>
-            <p:txBody>
-              <a:bodyPr rtlCol="0" anchor="ctr"/>
-              <a:lstStyle/>
-              <a:p>
-                <a:pPr algn="ctr"/>
-                <a:endParaRPr lang="fr-FR" sz="1600">
-                  <a:latin typeface="Segoe UI" panose="020B0502040204020203" pitchFamily="34" charset="0"/>
-                  <a:cs typeface="Segoe UI" panose="020B0502040204020203" pitchFamily="34" charset="0"/>
-                </a:endParaRPr>
-              </a:p>
-            </p:txBody>
-          </p:sp>
         </p:grpSp>
       </p:grpSp>
       <p:grpSp>
@@ -34472,10 +33131,10 @@
         </p:nvGrpSpPr>
         <p:grpSpPr>
           <a:xfrm>
-            <a:off x="4851757" y="2067906"/>
-            <a:ext cx="2242014" cy="2106228"/>
+            <a:off x="2560181" y="2219392"/>
+            <a:ext cx="2242014" cy="1161273"/>
             <a:chOff x="4290740" y="9132259"/>
-            <a:chExt cx="2242014" cy="2106228"/>
+            <a:chExt cx="2242014" cy="1161273"/>
           </a:xfrm>
         </p:grpSpPr>
         <p:pic>
@@ -34540,9 +33199,9 @@
           <p:grpSpPr>
             <a:xfrm>
               <a:off x="4294004" y="9391734"/>
-              <a:ext cx="2238750" cy="1846753"/>
+              <a:ext cx="2238750" cy="901798"/>
               <a:chOff x="309879" y="863985"/>
-              <a:chExt cx="2238750" cy="1846753"/>
+              <a:chExt cx="2238750" cy="901798"/>
             </a:xfrm>
           </p:grpSpPr>
           <p:sp>
@@ -34796,234 +33455,6 @@
               </a:p>
             </p:txBody>
           </p:sp>
-          <p:sp>
-            <p:nvSpPr>
-              <p:cNvPr id="107" name="Rectangle : avec coins arrondis en haut 106">
-                <a:extLst>
-                  <a:ext uri="{FF2B5EF4-FFF2-40B4-BE49-F238E27FC236}">
-                    <a16:creationId xmlns:a16="http://schemas.microsoft.com/office/drawing/2014/main" id="{D3B1B6D8-5B70-439B-AA87-3E8E7CC17B6B}"/>
-                  </a:ext>
-                </a:extLst>
-              </p:cNvPr>
-              <p:cNvSpPr/>
-              <p:nvPr/>
-            </p:nvSpPr>
-            <p:spPr>
-              <a:xfrm>
-                <a:off x="355600" y="1847849"/>
-                <a:ext cx="2032000" cy="216000"/>
-              </a:xfrm>
-              <a:prstGeom prst="round2SameRect">
-                <a:avLst/>
-              </a:prstGeom>
-              <a:solidFill>
-                <a:srgbClr val="E0F2F1"/>
-              </a:solidFill>
-              <a:ln>
-                <a:solidFill>
-                  <a:srgbClr val="00838F"/>
-                </a:solidFill>
-              </a:ln>
-            </p:spPr>
-            <p:style>
-              <a:lnRef idx="2">
-                <a:schemeClr val="accent1">
-                  <a:shade val="50000"/>
-                </a:schemeClr>
-              </a:lnRef>
-              <a:fillRef idx="1">
-                <a:schemeClr val="accent1"/>
-              </a:fillRef>
-              <a:effectRef idx="0">
-                <a:schemeClr val="accent1"/>
-              </a:effectRef>
-              <a:fontRef idx="minor">
-                <a:schemeClr val="lt1"/>
-              </a:fontRef>
-            </p:style>
-            <p:txBody>
-              <a:bodyPr rtlCol="0" anchor="ctr"/>
-              <a:lstStyle/>
-              <a:p>
-                <a:pPr algn="ctr"/>
-                <a:endParaRPr lang="fr-FR" sz="1600">
-                  <a:latin typeface="Segoe UI" panose="020B0502040204020203" pitchFamily="34" charset="0"/>
-                  <a:cs typeface="Segoe UI" panose="020B0502040204020203" pitchFamily="34" charset="0"/>
-                </a:endParaRPr>
-              </a:p>
-            </p:txBody>
-          </p:sp>
-          <p:sp>
-            <p:nvSpPr>
-              <p:cNvPr id="108" name="Rectangle 107">
-                <a:extLst>
-                  <a:ext uri="{FF2B5EF4-FFF2-40B4-BE49-F238E27FC236}">
-                    <a16:creationId xmlns:a16="http://schemas.microsoft.com/office/drawing/2014/main" id="{B4CD1065-FAAD-4647-9D2D-E86B946CCB29}"/>
-                  </a:ext>
-                </a:extLst>
-              </p:cNvPr>
-              <p:cNvSpPr/>
-              <p:nvPr/>
-            </p:nvSpPr>
-            <p:spPr>
-              <a:xfrm>
-                <a:off x="355600" y="2064708"/>
-                <a:ext cx="2032000" cy="216000"/>
-              </a:xfrm>
-              <a:prstGeom prst="rect">
-                <a:avLst/>
-              </a:prstGeom>
-              <a:solidFill>
-                <a:srgbClr val="E0F2F1"/>
-              </a:solidFill>
-              <a:ln>
-                <a:solidFill>
-                  <a:srgbClr val="00838F"/>
-                </a:solidFill>
-              </a:ln>
-            </p:spPr>
-            <p:style>
-              <a:lnRef idx="2">
-                <a:schemeClr val="accent1">
-                  <a:shade val="50000"/>
-                </a:schemeClr>
-              </a:lnRef>
-              <a:fillRef idx="1">
-                <a:schemeClr val="accent1"/>
-              </a:fillRef>
-              <a:effectRef idx="0">
-                <a:schemeClr val="accent1"/>
-              </a:effectRef>
-              <a:fontRef idx="minor">
-                <a:schemeClr val="lt1"/>
-              </a:fontRef>
-            </p:style>
-            <p:txBody>
-              <a:bodyPr rtlCol="0" anchor="ctr"/>
-              <a:lstStyle/>
-              <a:p>
-                <a:pPr algn="ctr"/>
-                <a:endParaRPr lang="fr-FR" sz="1600">
-                  <a:latin typeface="Segoe UI" panose="020B0502040204020203" pitchFamily="34" charset="0"/>
-                  <a:cs typeface="Segoe UI" panose="020B0502040204020203" pitchFamily="34" charset="0"/>
-                </a:endParaRPr>
-              </a:p>
-            </p:txBody>
-          </p:sp>
-          <p:sp>
-            <p:nvSpPr>
-              <p:cNvPr id="109" name="Rectangle 108">
-                <a:extLst>
-                  <a:ext uri="{FF2B5EF4-FFF2-40B4-BE49-F238E27FC236}">
-                    <a16:creationId xmlns:a16="http://schemas.microsoft.com/office/drawing/2014/main" id="{D447B19A-7218-444C-8854-BFAB21F560F5}"/>
-                  </a:ext>
-                </a:extLst>
-              </p:cNvPr>
-              <p:cNvSpPr/>
-              <p:nvPr/>
-            </p:nvSpPr>
-            <p:spPr>
-              <a:xfrm>
-                <a:off x="355600" y="2280708"/>
-                <a:ext cx="2032000" cy="216000"/>
-              </a:xfrm>
-              <a:prstGeom prst="rect">
-                <a:avLst/>
-              </a:prstGeom>
-              <a:solidFill>
-                <a:srgbClr val="E0F2F1"/>
-              </a:solidFill>
-              <a:ln>
-                <a:solidFill>
-                  <a:srgbClr val="00838F"/>
-                </a:solidFill>
-              </a:ln>
-            </p:spPr>
-            <p:style>
-              <a:lnRef idx="2">
-                <a:schemeClr val="accent1">
-                  <a:shade val="50000"/>
-                </a:schemeClr>
-              </a:lnRef>
-              <a:fillRef idx="1">
-                <a:schemeClr val="accent1"/>
-              </a:fillRef>
-              <a:effectRef idx="0">
-                <a:schemeClr val="accent1"/>
-              </a:effectRef>
-              <a:fontRef idx="minor">
-                <a:schemeClr val="lt1"/>
-              </a:fontRef>
-            </p:style>
-            <p:txBody>
-              <a:bodyPr rtlCol="0" anchor="ctr"/>
-              <a:lstStyle/>
-              <a:p>
-                <a:pPr algn="ctr"/>
-                <a:endParaRPr lang="fr-FR" sz="1600">
-                  <a:latin typeface="Segoe UI" panose="020B0502040204020203" pitchFamily="34" charset="0"/>
-                  <a:cs typeface="Segoe UI" panose="020B0502040204020203" pitchFamily="34" charset="0"/>
-                </a:endParaRPr>
-              </a:p>
-            </p:txBody>
-          </p:sp>
-          <p:sp>
-            <p:nvSpPr>
-              <p:cNvPr id="110" name="Rectangle : avec coins arrondis en haut 109">
-                <a:extLst>
-                  <a:ext uri="{FF2B5EF4-FFF2-40B4-BE49-F238E27FC236}">
-                    <a16:creationId xmlns:a16="http://schemas.microsoft.com/office/drawing/2014/main" id="{219ED310-94B0-4057-A787-C64774E86B13}"/>
-                  </a:ext>
-                </a:extLst>
-              </p:cNvPr>
-              <p:cNvSpPr/>
-              <p:nvPr/>
-            </p:nvSpPr>
-            <p:spPr>
-              <a:xfrm rot="10800000">
-                <a:off x="355600" y="2494738"/>
-                <a:ext cx="2032000" cy="216000"/>
-              </a:xfrm>
-              <a:prstGeom prst="round2SameRect">
-                <a:avLst/>
-              </a:prstGeom>
-              <a:solidFill>
-                <a:srgbClr val="E0F2F1"/>
-              </a:solidFill>
-              <a:ln>
-                <a:solidFill>
-                  <a:srgbClr val="00838F"/>
-                </a:solidFill>
-              </a:ln>
-            </p:spPr>
-            <p:style>
-              <a:lnRef idx="2">
-                <a:schemeClr val="accent1">
-                  <a:shade val="50000"/>
-                </a:schemeClr>
-              </a:lnRef>
-              <a:fillRef idx="1">
-                <a:schemeClr val="accent1"/>
-              </a:fillRef>
-              <a:effectRef idx="0">
-                <a:schemeClr val="accent1"/>
-              </a:effectRef>
-              <a:fontRef idx="minor">
-                <a:schemeClr val="lt1"/>
-              </a:fontRef>
-            </p:style>
-            <p:txBody>
-              <a:bodyPr rtlCol="0" anchor="ctr"/>
-              <a:lstStyle/>
-              <a:p>
-                <a:pPr algn="ctr"/>
-                <a:endParaRPr lang="fr-FR" sz="1600">
-                  <a:latin typeface="Segoe UI" panose="020B0502040204020203" pitchFamily="34" charset="0"/>
-                  <a:cs typeface="Segoe UI" panose="020B0502040204020203" pitchFamily="34" charset="0"/>
-                </a:endParaRPr>
-              </a:p>
-            </p:txBody>
-          </p:sp>
         </p:grpSp>
       </p:grpSp>
       <p:grpSp>
@@ -35040,10 +33471,10 @@
         </p:nvGrpSpPr>
         <p:grpSpPr>
           <a:xfrm>
-            <a:off x="273161" y="2077008"/>
-            <a:ext cx="2077721" cy="2716090"/>
+            <a:off x="295688" y="1112365"/>
+            <a:ext cx="2077721" cy="1799415"/>
             <a:chOff x="6731887" y="7712438"/>
-            <a:chExt cx="2077721" cy="2716090"/>
+            <a:chExt cx="2077721" cy="1799415"/>
           </a:xfrm>
         </p:grpSpPr>
         <p:pic>
@@ -35108,9 +33539,9 @@
           <p:grpSpPr>
             <a:xfrm>
               <a:off x="6731887" y="7916476"/>
-              <a:ext cx="2077721" cy="2512052"/>
+              <a:ext cx="2077721" cy="1595377"/>
               <a:chOff x="6731887" y="7916476"/>
-              <a:chExt cx="2077721" cy="2512052"/>
+              <a:chExt cx="2077721" cy="1595377"/>
             </a:xfrm>
           </p:grpSpPr>
           <p:grpSp>
@@ -35128,9 +33559,9 @@
             <p:grpSpPr>
               <a:xfrm>
                 <a:off x="6731887" y="7916476"/>
-                <a:ext cx="2077721" cy="2512052"/>
+                <a:ext cx="2077721" cy="936950"/>
                 <a:chOff x="309879" y="828833"/>
-                <a:chExt cx="2077721" cy="2512052"/>
+                <a:chExt cx="2077721" cy="936950"/>
               </a:xfrm>
             </p:grpSpPr>
             <p:sp>
@@ -35381,234 +33812,6 @@
                     </a:rPr>
                     <a:t>Effets</a:t>
                   </a:r>
-                </a:p>
-              </p:txBody>
-            </p:sp>
-            <p:sp>
-              <p:nvSpPr>
-                <p:cNvPr id="96" name="Rectangle : avec coins arrondis en haut 95">
-                  <a:extLst>
-                    <a:ext uri="{FF2B5EF4-FFF2-40B4-BE49-F238E27FC236}">
-                      <a16:creationId xmlns:a16="http://schemas.microsoft.com/office/drawing/2014/main" id="{86025960-D67C-40FD-BFD1-FA6563F2BD6B}"/>
-                    </a:ext>
-                  </a:extLst>
-                </p:cNvPr>
-                <p:cNvSpPr/>
-                <p:nvPr/>
-              </p:nvSpPr>
-              <p:spPr>
-                <a:xfrm>
-                  <a:off x="355600" y="2477996"/>
-                  <a:ext cx="2032000" cy="216000"/>
-                </a:xfrm>
-                <a:prstGeom prst="round2SameRect">
-                  <a:avLst/>
-                </a:prstGeom>
-                <a:solidFill>
-                  <a:srgbClr val="E0F2F1"/>
-                </a:solidFill>
-                <a:ln>
-                  <a:solidFill>
-                    <a:srgbClr val="00838F"/>
-                  </a:solidFill>
-                </a:ln>
-              </p:spPr>
-              <p:style>
-                <a:lnRef idx="2">
-                  <a:schemeClr val="accent1">
-                    <a:shade val="50000"/>
-                  </a:schemeClr>
-                </a:lnRef>
-                <a:fillRef idx="1">
-                  <a:schemeClr val="accent1"/>
-                </a:fillRef>
-                <a:effectRef idx="0">
-                  <a:schemeClr val="accent1"/>
-                </a:effectRef>
-                <a:fontRef idx="minor">
-                  <a:schemeClr val="lt1"/>
-                </a:fontRef>
-              </p:style>
-              <p:txBody>
-                <a:bodyPr rtlCol="0" anchor="ctr"/>
-                <a:lstStyle/>
-                <a:p>
-                  <a:pPr algn="ctr"/>
-                  <a:endParaRPr lang="fr-FR" sz="1600">
-                    <a:latin typeface="Segoe UI" panose="020B0502040204020203" pitchFamily="34" charset="0"/>
-                    <a:cs typeface="Segoe UI" panose="020B0502040204020203" pitchFamily="34" charset="0"/>
-                  </a:endParaRPr>
-                </a:p>
-              </p:txBody>
-            </p:sp>
-            <p:sp>
-              <p:nvSpPr>
-                <p:cNvPr id="97" name="Rectangle 96">
-                  <a:extLst>
-                    <a:ext uri="{FF2B5EF4-FFF2-40B4-BE49-F238E27FC236}">
-                      <a16:creationId xmlns:a16="http://schemas.microsoft.com/office/drawing/2014/main" id="{3AEBDC89-62A4-4766-90F0-2190957DA368}"/>
-                    </a:ext>
-                  </a:extLst>
-                </p:cNvPr>
-                <p:cNvSpPr/>
-                <p:nvPr/>
-              </p:nvSpPr>
-              <p:spPr>
-                <a:xfrm>
-                  <a:off x="355600" y="2694855"/>
-                  <a:ext cx="2032000" cy="216000"/>
-                </a:xfrm>
-                <a:prstGeom prst="rect">
-                  <a:avLst/>
-                </a:prstGeom>
-                <a:solidFill>
-                  <a:srgbClr val="E0F2F1"/>
-                </a:solidFill>
-                <a:ln>
-                  <a:solidFill>
-                    <a:srgbClr val="00838F"/>
-                  </a:solidFill>
-                </a:ln>
-              </p:spPr>
-              <p:style>
-                <a:lnRef idx="2">
-                  <a:schemeClr val="accent1">
-                    <a:shade val="50000"/>
-                  </a:schemeClr>
-                </a:lnRef>
-                <a:fillRef idx="1">
-                  <a:schemeClr val="accent1"/>
-                </a:fillRef>
-                <a:effectRef idx="0">
-                  <a:schemeClr val="accent1"/>
-                </a:effectRef>
-                <a:fontRef idx="minor">
-                  <a:schemeClr val="lt1"/>
-                </a:fontRef>
-              </p:style>
-              <p:txBody>
-                <a:bodyPr rtlCol="0" anchor="ctr"/>
-                <a:lstStyle/>
-                <a:p>
-                  <a:pPr algn="ctr"/>
-                  <a:endParaRPr lang="fr-FR" sz="1600">
-                    <a:latin typeface="Segoe UI" panose="020B0502040204020203" pitchFamily="34" charset="0"/>
-                    <a:cs typeface="Segoe UI" panose="020B0502040204020203" pitchFamily="34" charset="0"/>
-                  </a:endParaRPr>
-                </a:p>
-              </p:txBody>
-            </p:sp>
-            <p:sp>
-              <p:nvSpPr>
-                <p:cNvPr id="98" name="Rectangle 97">
-                  <a:extLst>
-                    <a:ext uri="{FF2B5EF4-FFF2-40B4-BE49-F238E27FC236}">
-                      <a16:creationId xmlns:a16="http://schemas.microsoft.com/office/drawing/2014/main" id="{3FD5130C-73E8-40A9-953A-32276D7F052B}"/>
-                    </a:ext>
-                  </a:extLst>
-                </p:cNvPr>
-                <p:cNvSpPr/>
-                <p:nvPr/>
-              </p:nvSpPr>
-              <p:spPr>
-                <a:xfrm>
-                  <a:off x="355600" y="2910855"/>
-                  <a:ext cx="2032000" cy="216000"/>
-                </a:xfrm>
-                <a:prstGeom prst="rect">
-                  <a:avLst/>
-                </a:prstGeom>
-                <a:solidFill>
-                  <a:srgbClr val="E0F2F1"/>
-                </a:solidFill>
-                <a:ln>
-                  <a:solidFill>
-                    <a:srgbClr val="00838F"/>
-                  </a:solidFill>
-                </a:ln>
-              </p:spPr>
-              <p:style>
-                <a:lnRef idx="2">
-                  <a:schemeClr val="accent1">
-                    <a:shade val="50000"/>
-                  </a:schemeClr>
-                </a:lnRef>
-                <a:fillRef idx="1">
-                  <a:schemeClr val="accent1"/>
-                </a:fillRef>
-                <a:effectRef idx="0">
-                  <a:schemeClr val="accent1"/>
-                </a:effectRef>
-                <a:fontRef idx="minor">
-                  <a:schemeClr val="lt1"/>
-                </a:fontRef>
-              </p:style>
-              <p:txBody>
-                <a:bodyPr rtlCol="0" anchor="ctr"/>
-                <a:lstStyle/>
-                <a:p>
-                  <a:pPr algn="ctr"/>
-                  <a:endParaRPr lang="fr-FR" sz="1600">
-                    <a:latin typeface="Segoe UI" panose="020B0502040204020203" pitchFamily="34" charset="0"/>
-                    <a:cs typeface="Segoe UI" panose="020B0502040204020203" pitchFamily="34" charset="0"/>
-                  </a:endParaRPr>
-                </a:p>
-              </p:txBody>
-            </p:sp>
-            <p:sp>
-              <p:nvSpPr>
-                <p:cNvPr id="99" name="Rectangle : avec coins arrondis en haut 98">
-                  <a:extLst>
-                    <a:ext uri="{FF2B5EF4-FFF2-40B4-BE49-F238E27FC236}">
-                      <a16:creationId xmlns:a16="http://schemas.microsoft.com/office/drawing/2014/main" id="{825B948E-E126-453F-BA69-911954F1F74D}"/>
-                    </a:ext>
-                  </a:extLst>
-                </p:cNvPr>
-                <p:cNvSpPr/>
-                <p:nvPr/>
-              </p:nvSpPr>
-              <p:spPr>
-                <a:xfrm rot="10800000">
-                  <a:off x="355600" y="3124885"/>
-                  <a:ext cx="2032000" cy="216000"/>
-                </a:xfrm>
-                <a:prstGeom prst="round2SameRect">
-                  <a:avLst/>
-                </a:prstGeom>
-                <a:solidFill>
-                  <a:srgbClr val="E0F2F1"/>
-                </a:solidFill>
-                <a:ln>
-                  <a:solidFill>
-                    <a:srgbClr val="00838F"/>
-                  </a:solidFill>
-                </a:ln>
-              </p:spPr>
-              <p:style>
-                <a:lnRef idx="2">
-                  <a:schemeClr val="accent1">
-                    <a:shade val="50000"/>
-                  </a:schemeClr>
-                </a:lnRef>
-                <a:fillRef idx="1">
-                  <a:schemeClr val="accent1"/>
-                </a:fillRef>
-                <a:effectRef idx="0">
-                  <a:schemeClr val="accent1"/>
-                </a:effectRef>
-                <a:fontRef idx="minor">
-                  <a:schemeClr val="lt1"/>
-                </a:fontRef>
-              </p:style>
-              <p:txBody>
-                <a:bodyPr rtlCol="0" anchor="ctr"/>
-                <a:lstStyle/>
-                <a:p>
-                  <a:pPr algn="ctr"/>
-                  <a:endParaRPr lang="fr-FR" sz="1600">
-                    <a:latin typeface="Segoe UI" panose="020B0502040204020203" pitchFamily="34" charset="0"/>
-                    <a:cs typeface="Segoe UI" panose="020B0502040204020203" pitchFamily="34" charset="0"/>
-                  </a:endParaRPr>
                 </a:p>
               </p:txBody>
             </p:sp>
@@ -35847,9 +34050,9 @@
         <p:grpSpPr>
           <a:xfrm>
             <a:off x="4836017" y="29387"/>
-            <a:ext cx="2077721" cy="2096569"/>
+            <a:ext cx="2077721" cy="1151614"/>
             <a:chOff x="1157931" y="8608687"/>
-            <a:chExt cx="2077721" cy="2096569"/>
+            <a:chExt cx="2077721" cy="1151614"/>
           </a:xfrm>
         </p:grpSpPr>
         <p:pic>
@@ -35914,9 +34117,9 @@
           <p:grpSpPr>
             <a:xfrm>
               <a:off x="1157931" y="8823351"/>
-              <a:ext cx="2077721" cy="1881905"/>
+              <a:ext cx="2077721" cy="936950"/>
               <a:chOff x="309879" y="828833"/>
-              <a:chExt cx="2077721" cy="1881905"/>
+              <a:chExt cx="2077721" cy="936950"/>
             </a:xfrm>
           </p:grpSpPr>
           <p:sp>
@@ -36170,234 +34373,6 @@
               </a:p>
             </p:txBody>
           </p:sp>
-          <p:sp>
-            <p:nvSpPr>
-              <p:cNvPr id="129" name="Rectangle : avec coins arrondis en haut 128">
-                <a:extLst>
-                  <a:ext uri="{FF2B5EF4-FFF2-40B4-BE49-F238E27FC236}">
-                    <a16:creationId xmlns:a16="http://schemas.microsoft.com/office/drawing/2014/main" id="{BD8AA1A8-F8BD-46D3-86FD-B9888DF536B8}"/>
-                  </a:ext>
-                </a:extLst>
-              </p:cNvPr>
-              <p:cNvSpPr/>
-              <p:nvPr/>
-            </p:nvSpPr>
-            <p:spPr>
-              <a:xfrm>
-                <a:off x="355600" y="1847849"/>
-                <a:ext cx="2032000" cy="216000"/>
-              </a:xfrm>
-              <a:prstGeom prst="round2SameRect">
-                <a:avLst/>
-              </a:prstGeom>
-              <a:solidFill>
-                <a:srgbClr val="E0F2F1"/>
-              </a:solidFill>
-              <a:ln>
-                <a:solidFill>
-                  <a:srgbClr val="00838F"/>
-                </a:solidFill>
-              </a:ln>
-            </p:spPr>
-            <p:style>
-              <a:lnRef idx="2">
-                <a:schemeClr val="accent1">
-                  <a:shade val="50000"/>
-                </a:schemeClr>
-              </a:lnRef>
-              <a:fillRef idx="1">
-                <a:schemeClr val="accent1"/>
-              </a:fillRef>
-              <a:effectRef idx="0">
-                <a:schemeClr val="accent1"/>
-              </a:effectRef>
-              <a:fontRef idx="minor">
-                <a:schemeClr val="lt1"/>
-              </a:fontRef>
-            </p:style>
-            <p:txBody>
-              <a:bodyPr rtlCol="0" anchor="ctr"/>
-              <a:lstStyle/>
-              <a:p>
-                <a:pPr algn="ctr"/>
-                <a:endParaRPr lang="fr-FR" sz="1600">
-                  <a:latin typeface="Segoe UI" panose="020B0502040204020203" pitchFamily="34" charset="0"/>
-                  <a:cs typeface="Segoe UI" panose="020B0502040204020203" pitchFamily="34" charset="0"/>
-                </a:endParaRPr>
-              </a:p>
-            </p:txBody>
-          </p:sp>
-          <p:sp>
-            <p:nvSpPr>
-              <p:cNvPr id="130" name="Rectangle 129">
-                <a:extLst>
-                  <a:ext uri="{FF2B5EF4-FFF2-40B4-BE49-F238E27FC236}">
-                    <a16:creationId xmlns:a16="http://schemas.microsoft.com/office/drawing/2014/main" id="{05C05E73-1FE3-44F8-AF53-1FD55D8C7CFB}"/>
-                  </a:ext>
-                </a:extLst>
-              </p:cNvPr>
-              <p:cNvSpPr/>
-              <p:nvPr/>
-            </p:nvSpPr>
-            <p:spPr>
-              <a:xfrm>
-                <a:off x="355600" y="2064708"/>
-                <a:ext cx="2032000" cy="216000"/>
-              </a:xfrm>
-              <a:prstGeom prst="rect">
-                <a:avLst/>
-              </a:prstGeom>
-              <a:solidFill>
-                <a:srgbClr val="E0F2F1"/>
-              </a:solidFill>
-              <a:ln>
-                <a:solidFill>
-                  <a:srgbClr val="00838F"/>
-                </a:solidFill>
-              </a:ln>
-            </p:spPr>
-            <p:style>
-              <a:lnRef idx="2">
-                <a:schemeClr val="accent1">
-                  <a:shade val="50000"/>
-                </a:schemeClr>
-              </a:lnRef>
-              <a:fillRef idx="1">
-                <a:schemeClr val="accent1"/>
-              </a:fillRef>
-              <a:effectRef idx="0">
-                <a:schemeClr val="accent1"/>
-              </a:effectRef>
-              <a:fontRef idx="minor">
-                <a:schemeClr val="lt1"/>
-              </a:fontRef>
-            </p:style>
-            <p:txBody>
-              <a:bodyPr rtlCol="0" anchor="ctr"/>
-              <a:lstStyle/>
-              <a:p>
-                <a:pPr algn="ctr"/>
-                <a:endParaRPr lang="fr-FR" sz="1600">
-                  <a:latin typeface="Segoe UI" panose="020B0502040204020203" pitchFamily="34" charset="0"/>
-                  <a:cs typeface="Segoe UI" panose="020B0502040204020203" pitchFamily="34" charset="0"/>
-                </a:endParaRPr>
-              </a:p>
-            </p:txBody>
-          </p:sp>
-          <p:sp>
-            <p:nvSpPr>
-              <p:cNvPr id="131" name="Rectangle 130">
-                <a:extLst>
-                  <a:ext uri="{FF2B5EF4-FFF2-40B4-BE49-F238E27FC236}">
-                    <a16:creationId xmlns:a16="http://schemas.microsoft.com/office/drawing/2014/main" id="{50C3BD78-26FA-45B2-A2D2-FB58B9A38AAF}"/>
-                  </a:ext>
-                </a:extLst>
-              </p:cNvPr>
-              <p:cNvSpPr/>
-              <p:nvPr/>
-            </p:nvSpPr>
-            <p:spPr>
-              <a:xfrm>
-                <a:off x="355600" y="2280708"/>
-                <a:ext cx="2032000" cy="216000"/>
-              </a:xfrm>
-              <a:prstGeom prst="rect">
-                <a:avLst/>
-              </a:prstGeom>
-              <a:solidFill>
-                <a:srgbClr val="E0F2F1"/>
-              </a:solidFill>
-              <a:ln>
-                <a:solidFill>
-                  <a:srgbClr val="00838F"/>
-                </a:solidFill>
-              </a:ln>
-            </p:spPr>
-            <p:style>
-              <a:lnRef idx="2">
-                <a:schemeClr val="accent1">
-                  <a:shade val="50000"/>
-                </a:schemeClr>
-              </a:lnRef>
-              <a:fillRef idx="1">
-                <a:schemeClr val="accent1"/>
-              </a:fillRef>
-              <a:effectRef idx="0">
-                <a:schemeClr val="accent1"/>
-              </a:effectRef>
-              <a:fontRef idx="minor">
-                <a:schemeClr val="lt1"/>
-              </a:fontRef>
-            </p:style>
-            <p:txBody>
-              <a:bodyPr rtlCol="0" anchor="ctr"/>
-              <a:lstStyle/>
-              <a:p>
-                <a:pPr algn="ctr"/>
-                <a:endParaRPr lang="fr-FR" sz="1600">
-                  <a:latin typeface="Segoe UI" panose="020B0502040204020203" pitchFamily="34" charset="0"/>
-                  <a:cs typeface="Segoe UI" panose="020B0502040204020203" pitchFamily="34" charset="0"/>
-                </a:endParaRPr>
-              </a:p>
-            </p:txBody>
-          </p:sp>
-          <p:sp>
-            <p:nvSpPr>
-              <p:cNvPr id="132" name="Rectangle : avec coins arrondis en haut 131">
-                <a:extLst>
-                  <a:ext uri="{FF2B5EF4-FFF2-40B4-BE49-F238E27FC236}">
-                    <a16:creationId xmlns:a16="http://schemas.microsoft.com/office/drawing/2014/main" id="{D10DB035-4801-4748-9B1B-5CB787F515DB}"/>
-                  </a:ext>
-                </a:extLst>
-              </p:cNvPr>
-              <p:cNvSpPr/>
-              <p:nvPr/>
-            </p:nvSpPr>
-            <p:spPr>
-              <a:xfrm rot="10800000">
-                <a:off x="355600" y="2494738"/>
-                <a:ext cx="2032000" cy="216000"/>
-              </a:xfrm>
-              <a:prstGeom prst="round2SameRect">
-                <a:avLst/>
-              </a:prstGeom>
-              <a:solidFill>
-                <a:srgbClr val="E0F2F1"/>
-              </a:solidFill>
-              <a:ln>
-                <a:solidFill>
-                  <a:srgbClr val="00838F"/>
-                </a:solidFill>
-              </a:ln>
-            </p:spPr>
-            <p:style>
-              <a:lnRef idx="2">
-                <a:schemeClr val="accent1">
-                  <a:shade val="50000"/>
-                </a:schemeClr>
-              </a:lnRef>
-              <a:fillRef idx="1">
-                <a:schemeClr val="accent1"/>
-              </a:fillRef>
-              <a:effectRef idx="0">
-                <a:schemeClr val="accent1"/>
-              </a:effectRef>
-              <a:fontRef idx="minor">
-                <a:schemeClr val="lt1"/>
-              </a:fontRef>
-            </p:style>
-            <p:txBody>
-              <a:bodyPr rtlCol="0" anchor="ctr"/>
-              <a:lstStyle/>
-              <a:p>
-                <a:pPr algn="ctr"/>
-                <a:endParaRPr lang="fr-FR" sz="1600">
-                  <a:latin typeface="Segoe UI" panose="020B0502040204020203" pitchFamily="34" charset="0"/>
-                  <a:cs typeface="Segoe UI" panose="020B0502040204020203" pitchFamily="34" charset="0"/>
-                </a:endParaRPr>
-              </a:p>
-            </p:txBody>
-          </p:sp>
         </p:grpSp>
       </p:grpSp>
       <p:pic>
@@ -36430,8 +34405,8 @@
         </p:blipFill>
         <p:spPr bwMode="auto">
           <a:xfrm>
-            <a:off x="8361471" y="6674450"/>
-            <a:ext cx="209550" cy="209550"/>
+            <a:off x="8361471" y="6859648"/>
+            <a:ext cx="207970" cy="209550"/>
           </a:xfrm>
           <a:prstGeom prst="rect">
             <a:avLst/>
@@ -36462,10 +34437,10 @@
         </p:nvGrpSpPr>
         <p:grpSpPr>
           <a:xfrm>
-            <a:off x="7299544" y="2195055"/>
-            <a:ext cx="2033270" cy="2141218"/>
+            <a:off x="411779" y="3133708"/>
+            <a:ext cx="4073890" cy="1281682"/>
             <a:chOff x="7299544" y="2368810"/>
-            <a:chExt cx="2033270" cy="2141218"/>
+            <a:chExt cx="4073890" cy="1281682"/>
           </a:xfrm>
         </p:grpSpPr>
         <p:grpSp>
@@ -36483,9 +34458,9 @@
           <p:grpSpPr>
             <a:xfrm>
               <a:off x="7299544" y="2368810"/>
-              <a:ext cx="2033270" cy="2141218"/>
+              <a:ext cx="4073648" cy="1281682"/>
               <a:chOff x="7299544" y="2368810"/>
-              <a:chExt cx="2033270" cy="2141218"/>
+              <a:chExt cx="4073648" cy="1281682"/>
             </a:xfrm>
           </p:grpSpPr>
           <p:grpSp>
@@ -36502,10 +34477,10 @@
             </p:nvGrpSpPr>
             <p:grpSpPr>
               <a:xfrm>
-                <a:off x="7299562" y="2368810"/>
-                <a:ext cx="2032071" cy="2141218"/>
-                <a:chOff x="7299562" y="2368810"/>
-                <a:chExt cx="2032071" cy="2141218"/>
+                <a:off x="7299633" y="2368810"/>
+                <a:ext cx="4073559" cy="1281682"/>
+                <a:chOff x="7299633" y="2368810"/>
+                <a:chExt cx="4073559" cy="1281682"/>
               </a:xfrm>
             </p:grpSpPr>
             <p:pic>
@@ -36569,10 +34544,10 @@
               </p:nvGrpSpPr>
               <p:grpSpPr>
                 <a:xfrm>
-                  <a:off x="7299562" y="2461306"/>
-                  <a:ext cx="2032071" cy="2048722"/>
-                  <a:chOff x="355529" y="850016"/>
-                  <a:chExt cx="2032071" cy="2048722"/>
+                  <a:off x="7299633" y="2461306"/>
+                  <a:ext cx="4073559" cy="1189186"/>
+                  <a:chOff x="355600" y="850016"/>
+                  <a:chExt cx="4073559" cy="1189186"/>
                 </a:xfrm>
               </p:grpSpPr>
               <p:sp>
@@ -36701,7 +34676,7 @@
                 </p:nvSpPr>
                 <p:spPr>
                   <a:xfrm>
-                    <a:off x="355600" y="2031942"/>
+                    <a:off x="2397159" y="1172406"/>
                     <a:ext cx="2032000" cy="216000"/>
                   </a:xfrm>
                   <a:prstGeom prst="rect">
@@ -36758,7 +34733,7 @@
                 </p:nvSpPr>
                 <p:spPr>
                   <a:xfrm>
-                    <a:off x="355600" y="2247942"/>
+                    <a:off x="2397159" y="1388406"/>
                     <a:ext cx="2032000" cy="216000"/>
                   </a:xfrm>
                   <a:prstGeom prst="rect">
@@ -36815,7 +34790,7 @@
                 </p:nvSpPr>
                 <p:spPr>
                   <a:xfrm rot="10800000">
-                    <a:off x="355529" y="2682738"/>
+                    <a:off x="2397088" y="1823202"/>
                     <a:ext cx="2032000" cy="216000"/>
                   </a:xfrm>
                   <a:prstGeom prst="round2SameRect">
@@ -37046,7 +35021,7 @@
           </p:nvSpPr>
           <p:spPr>
             <a:xfrm>
-              <a:off x="7299875" y="4077695"/>
+              <a:off x="9341434" y="3218159"/>
               <a:ext cx="2032000" cy="216000"/>
             </a:xfrm>
             <a:prstGeom prst="rect">
@@ -37105,14 +35080,14 @@
           <p:nvPr>
             <p:extLst>
               <p:ext uri="{D42A27DB-BD31-4B8C-83A1-F6EECF244321}">
-                <p14:modId xmlns:p14="http://schemas.microsoft.com/office/powerpoint/2010/main" val="1226909845"/>
+                <p14:modId xmlns:p14="http://schemas.microsoft.com/office/powerpoint/2010/main" val="707632024"/>
               </p:ext>
             </p:extLst>
           </p:nvPr>
         </p:nvGraphicFramePr>
         <p:xfrm>
-          <a:off x="2556460" y="6455021"/>
-          <a:ext cx="6782612" cy="3071410"/>
+          <a:off x="2533310" y="7044430"/>
+          <a:ext cx="6782612" cy="2952003"/>
         </p:xfrm>
         <a:graphic>
           <a:graphicData uri="http://schemas.openxmlformats.org/drawingml/2006/table">
@@ -37150,7 +35125,7 @@
                   </a:extLst>
                 </a:gridCol>
               </a:tblGrid>
-              <a:tr h="299410">
+              <a:tr h="287770">
                 <a:tc>
                   <a:txBody>
                     <a:bodyPr/>
@@ -37405,13 +35380,13 @@
                   </a:ext>
                 </a:extLst>
               </a:tr>
-              <a:tr h="252000">
+              <a:tr h="242203">
                 <a:tc>
                   <a:txBody>
                     <a:bodyPr/>
                     <a:lstStyle/>
                     <a:p>
-                      <a:endParaRPr lang="fr-FR" sz="1000" dirty="0"/>
+                      <a:endParaRPr lang="fr-FR" sz="900" dirty="0"/>
                     </a:p>
                   </a:txBody>
                   <a:tcPr>
@@ -37471,7 +35446,7 @@
                     <a:lstStyle/>
                     <a:p>
                       <a:r>
-                        <a:rPr lang="fr-FR" sz="600" dirty="0"/>
+                        <a:rPr lang="fr-FR" sz="500" dirty="0"/>
                         <a:t> </a:t>
                       </a:r>
                     </a:p>
@@ -37529,7 +35504,7 @@
                     <a:bodyPr/>
                     <a:lstStyle/>
                     <a:p>
-                      <a:endParaRPr lang="fr-FR" sz="600" dirty="0"/>
+                      <a:endParaRPr lang="fr-FR" sz="500" dirty="0"/>
                     </a:p>
                   </a:txBody>
                   <a:tcPr>
@@ -37585,7 +35560,7 @@
                     <a:bodyPr/>
                     <a:lstStyle/>
                     <a:p>
-                      <a:endParaRPr lang="fr-FR" sz="600" dirty="0"/>
+                      <a:endParaRPr lang="fr-FR" sz="500" dirty="0"/>
                     </a:p>
                   </a:txBody>
                   <a:tcPr>
@@ -37645,13 +35620,13 @@
                   </a:ext>
                 </a:extLst>
               </a:tr>
-              <a:tr h="252000">
+              <a:tr h="242203">
                 <a:tc>
                   <a:txBody>
                     <a:bodyPr/>
                     <a:lstStyle/>
                     <a:p>
-                      <a:endParaRPr lang="fr-FR" sz="1000" dirty="0"/>
+                      <a:endParaRPr lang="fr-FR" sz="900" dirty="0"/>
                     </a:p>
                   </a:txBody>
                   <a:tcPr>
@@ -37710,7 +35685,7 @@
                     <a:bodyPr/>
                     <a:lstStyle/>
                     <a:p>
-                      <a:endParaRPr lang="fr-FR" sz="1000" dirty="0"/>
+                      <a:endParaRPr lang="fr-FR" sz="900" dirty="0"/>
                     </a:p>
                   </a:txBody>
                   <a:tcPr>
@@ -37766,7 +35741,7 @@
                     <a:bodyPr/>
                     <a:lstStyle/>
                     <a:p>
-                      <a:endParaRPr lang="fr-FR" sz="1000" dirty="0"/>
+                      <a:endParaRPr lang="fr-FR" sz="900" dirty="0"/>
                     </a:p>
                   </a:txBody>
                   <a:tcPr>
@@ -37822,7 +35797,7 @@
                     <a:bodyPr/>
                     <a:lstStyle/>
                     <a:p>
-                      <a:endParaRPr lang="fr-FR" sz="1000" dirty="0"/>
+                      <a:endParaRPr lang="fr-FR" sz="900" dirty="0"/>
                     </a:p>
                   </a:txBody>
                   <a:tcPr>
@@ -37882,13 +35857,13 @@
                   </a:ext>
                 </a:extLst>
               </a:tr>
-              <a:tr h="252000">
+              <a:tr h="242203">
                 <a:tc>
                   <a:txBody>
                     <a:bodyPr/>
                     <a:lstStyle/>
                     <a:p>
-                      <a:endParaRPr lang="fr-FR" sz="1000" dirty="0"/>
+                      <a:endParaRPr lang="fr-FR" sz="900" dirty="0"/>
                     </a:p>
                   </a:txBody>
                   <a:tcPr>
@@ -37947,7 +35922,7 @@
                     <a:bodyPr/>
                     <a:lstStyle/>
                     <a:p>
-                      <a:endParaRPr lang="fr-FR" sz="1000" dirty="0"/>
+                      <a:endParaRPr lang="fr-FR" sz="900" dirty="0"/>
                     </a:p>
                   </a:txBody>
                   <a:tcPr>
@@ -38003,7 +35978,7 @@
                     <a:bodyPr/>
                     <a:lstStyle/>
                     <a:p>
-                      <a:endParaRPr lang="fr-FR" sz="1000" dirty="0"/>
+                      <a:endParaRPr lang="fr-FR" sz="900" dirty="0"/>
                     </a:p>
                   </a:txBody>
                   <a:tcPr>
@@ -38059,7 +36034,7 @@
                     <a:bodyPr/>
                     <a:lstStyle/>
                     <a:p>
-                      <a:endParaRPr lang="fr-FR" sz="1000" dirty="0"/>
+                      <a:endParaRPr lang="fr-FR" sz="900" dirty="0"/>
                     </a:p>
                   </a:txBody>
                   <a:tcPr>
@@ -38119,13 +36094,13 @@
                   </a:ext>
                 </a:extLst>
               </a:tr>
-              <a:tr h="252000">
+              <a:tr h="242203">
                 <a:tc>
                   <a:txBody>
                     <a:bodyPr/>
                     <a:lstStyle/>
                     <a:p>
-                      <a:endParaRPr lang="fr-FR" sz="1000" dirty="0"/>
+                      <a:endParaRPr lang="fr-FR" sz="900" dirty="0"/>
                     </a:p>
                   </a:txBody>
                   <a:tcPr>
@@ -38184,7 +36159,7 @@
                     <a:bodyPr/>
                     <a:lstStyle/>
                     <a:p>
-                      <a:endParaRPr lang="fr-FR" sz="1000" dirty="0"/>
+                      <a:endParaRPr lang="fr-FR" sz="900" dirty="0"/>
                     </a:p>
                   </a:txBody>
                   <a:tcPr>
@@ -38240,7 +36215,7 @@
                     <a:bodyPr/>
                     <a:lstStyle/>
                     <a:p>
-                      <a:endParaRPr lang="fr-FR" sz="1000" dirty="0"/>
+                      <a:endParaRPr lang="fr-FR" sz="900" dirty="0"/>
                     </a:p>
                   </a:txBody>
                   <a:tcPr>
@@ -38296,7 +36271,7 @@
                     <a:bodyPr/>
                     <a:lstStyle/>
                     <a:p>
-                      <a:endParaRPr lang="fr-FR" sz="1000" dirty="0"/>
+                      <a:endParaRPr lang="fr-FR" sz="900" dirty="0"/>
                     </a:p>
                   </a:txBody>
                   <a:tcPr>
@@ -38356,13 +36331,13 @@
                   </a:ext>
                 </a:extLst>
               </a:tr>
-              <a:tr h="252000">
+              <a:tr h="242203">
                 <a:tc>
                   <a:txBody>
                     <a:bodyPr/>
                     <a:lstStyle/>
                     <a:p>
-                      <a:endParaRPr lang="fr-FR" sz="1000" dirty="0"/>
+                      <a:endParaRPr lang="fr-FR" sz="900" dirty="0"/>
                     </a:p>
                   </a:txBody>
                   <a:tcPr>
@@ -38421,7 +36396,7 @@
                     <a:bodyPr/>
                     <a:lstStyle/>
                     <a:p>
-                      <a:endParaRPr lang="fr-FR" sz="1000" dirty="0"/>
+                      <a:endParaRPr lang="fr-FR" sz="900" dirty="0"/>
                     </a:p>
                   </a:txBody>
                   <a:tcPr>
@@ -38477,7 +36452,7 @@
                     <a:bodyPr/>
                     <a:lstStyle/>
                     <a:p>
-                      <a:endParaRPr lang="fr-FR" sz="1000" dirty="0"/>
+                      <a:endParaRPr lang="fr-FR" sz="900" dirty="0"/>
                     </a:p>
                   </a:txBody>
                   <a:tcPr>
@@ -38533,7 +36508,7 @@
                     <a:bodyPr/>
                     <a:lstStyle/>
                     <a:p>
-                      <a:endParaRPr lang="fr-FR" sz="1000" dirty="0"/>
+                      <a:endParaRPr lang="fr-FR" sz="900" dirty="0"/>
                     </a:p>
                   </a:txBody>
                   <a:tcPr>
@@ -38593,13 +36568,13 @@
                   </a:ext>
                 </a:extLst>
               </a:tr>
-              <a:tr h="252000">
+              <a:tr h="242203">
                 <a:tc>
                   <a:txBody>
                     <a:bodyPr/>
                     <a:lstStyle/>
                     <a:p>
-                      <a:endParaRPr lang="fr-FR" sz="1000" dirty="0"/>
+                      <a:endParaRPr lang="fr-FR" sz="900" dirty="0"/>
                     </a:p>
                   </a:txBody>
                   <a:tcPr>
@@ -38658,7 +36633,7 @@
                     <a:bodyPr/>
                     <a:lstStyle/>
                     <a:p>
-                      <a:endParaRPr lang="fr-FR" sz="1000" dirty="0"/>
+                      <a:endParaRPr lang="fr-FR" sz="900" dirty="0"/>
                     </a:p>
                   </a:txBody>
                   <a:tcPr>
@@ -38714,7 +36689,7 @@
                     <a:bodyPr/>
                     <a:lstStyle/>
                     <a:p>
-                      <a:endParaRPr lang="fr-FR" sz="1000" dirty="0"/>
+                      <a:endParaRPr lang="fr-FR" sz="900" dirty="0"/>
                     </a:p>
                   </a:txBody>
                   <a:tcPr>
@@ -38770,7 +36745,7 @@
                     <a:bodyPr/>
                     <a:lstStyle/>
                     <a:p>
-                      <a:endParaRPr lang="fr-FR" sz="1000" dirty="0"/>
+                      <a:endParaRPr lang="fr-FR" sz="900" dirty="0"/>
                     </a:p>
                   </a:txBody>
                   <a:tcPr>
@@ -38830,13 +36805,13 @@
                   </a:ext>
                 </a:extLst>
               </a:tr>
-              <a:tr h="252000">
+              <a:tr h="242203">
                 <a:tc>
                   <a:txBody>
                     <a:bodyPr/>
                     <a:lstStyle/>
                     <a:p>
-                      <a:endParaRPr lang="fr-FR" sz="1000" dirty="0"/>
+                      <a:endParaRPr lang="fr-FR" sz="900" dirty="0"/>
                     </a:p>
                   </a:txBody>
                   <a:tcPr>
@@ -38895,7 +36870,7 @@
                     <a:bodyPr/>
                     <a:lstStyle/>
                     <a:p>
-                      <a:endParaRPr lang="fr-FR" sz="1000" dirty="0"/>
+                      <a:endParaRPr lang="fr-FR" sz="900" dirty="0"/>
                     </a:p>
                   </a:txBody>
                   <a:tcPr>
@@ -38951,7 +36926,7 @@
                     <a:bodyPr/>
                     <a:lstStyle/>
                     <a:p>
-                      <a:endParaRPr lang="fr-FR" sz="1000" dirty="0"/>
+                      <a:endParaRPr lang="fr-FR" sz="900" dirty="0"/>
                     </a:p>
                   </a:txBody>
                   <a:tcPr>
@@ -39007,7 +36982,7 @@
                     <a:bodyPr/>
                     <a:lstStyle/>
                     <a:p>
-                      <a:endParaRPr lang="fr-FR" sz="1000" dirty="0"/>
+                      <a:endParaRPr lang="fr-FR" sz="900" dirty="0"/>
                     </a:p>
                   </a:txBody>
                   <a:tcPr>
@@ -39067,13 +37042,13 @@
                   </a:ext>
                 </a:extLst>
               </a:tr>
-              <a:tr h="252000">
+              <a:tr h="242203">
                 <a:tc>
                   <a:txBody>
                     <a:bodyPr/>
                     <a:lstStyle/>
                     <a:p>
-                      <a:endParaRPr lang="fr-FR" sz="1000" dirty="0"/>
+                      <a:endParaRPr lang="fr-FR" sz="900" dirty="0"/>
                     </a:p>
                   </a:txBody>
                   <a:tcPr>
@@ -39132,7 +37107,7 @@
                     <a:bodyPr/>
                     <a:lstStyle/>
                     <a:p>
-                      <a:endParaRPr lang="fr-FR" sz="1000" dirty="0"/>
+                      <a:endParaRPr lang="fr-FR" sz="900" dirty="0"/>
                     </a:p>
                   </a:txBody>
                   <a:tcPr>
@@ -39188,7 +37163,7 @@
                     <a:bodyPr/>
                     <a:lstStyle/>
                     <a:p>
-                      <a:endParaRPr lang="fr-FR" sz="1000" dirty="0"/>
+                      <a:endParaRPr lang="fr-FR" sz="900" dirty="0"/>
                     </a:p>
                   </a:txBody>
                   <a:tcPr>
@@ -39244,7 +37219,7 @@
                     <a:bodyPr/>
                     <a:lstStyle/>
                     <a:p>
-                      <a:endParaRPr lang="fr-FR" sz="1000" dirty="0"/>
+                      <a:endParaRPr lang="fr-FR" sz="900" dirty="0"/>
                     </a:p>
                   </a:txBody>
                   <a:tcPr>
@@ -39304,13 +37279,13 @@
                   </a:ext>
                 </a:extLst>
               </a:tr>
-              <a:tr h="252000">
+              <a:tr h="242203">
                 <a:tc>
                   <a:txBody>
                     <a:bodyPr/>
                     <a:lstStyle/>
                     <a:p>
-                      <a:endParaRPr lang="fr-FR" sz="1000" dirty="0"/>
+                      <a:endParaRPr lang="fr-FR" sz="900" dirty="0"/>
                     </a:p>
                   </a:txBody>
                   <a:tcPr>
@@ -39369,7 +37344,7 @@
                     <a:bodyPr/>
                     <a:lstStyle/>
                     <a:p>
-                      <a:endParaRPr lang="fr-FR" sz="1000" dirty="0"/>
+                      <a:endParaRPr lang="fr-FR" sz="900" dirty="0"/>
                     </a:p>
                   </a:txBody>
                   <a:tcPr>
@@ -39425,7 +37400,7 @@
                     <a:bodyPr/>
                     <a:lstStyle/>
                     <a:p>
-                      <a:endParaRPr lang="fr-FR" sz="1000" dirty="0"/>
+                      <a:endParaRPr lang="fr-FR" sz="900" dirty="0"/>
                     </a:p>
                   </a:txBody>
                   <a:tcPr>
@@ -39481,7 +37456,7 @@
                     <a:bodyPr/>
                     <a:lstStyle/>
                     <a:p>
-                      <a:endParaRPr lang="fr-FR" sz="1000" dirty="0"/>
+                      <a:endParaRPr lang="fr-FR" sz="900" dirty="0"/>
                     </a:p>
                   </a:txBody>
                   <a:tcPr>
@@ -39541,13 +37516,13 @@
                   </a:ext>
                 </a:extLst>
               </a:tr>
-              <a:tr h="252000">
+              <a:tr h="242203">
                 <a:tc>
                   <a:txBody>
                     <a:bodyPr/>
                     <a:lstStyle/>
                     <a:p>
-                      <a:endParaRPr lang="fr-FR" sz="1000" dirty="0"/>
+                      <a:endParaRPr lang="fr-FR" sz="900" dirty="0"/>
                     </a:p>
                   </a:txBody>
                   <a:tcPr>
@@ -39606,7 +37581,7 @@
                     <a:bodyPr/>
                     <a:lstStyle/>
                     <a:p>
-                      <a:endParaRPr lang="fr-FR" sz="1000" dirty="0"/>
+                      <a:endParaRPr lang="fr-FR" sz="900" dirty="0"/>
                     </a:p>
                   </a:txBody>
                   <a:tcPr>
@@ -39662,7 +37637,7 @@
                     <a:bodyPr/>
                     <a:lstStyle/>
                     <a:p>
-                      <a:endParaRPr lang="fr-FR" sz="1000" dirty="0"/>
+                      <a:endParaRPr lang="fr-FR" sz="900" dirty="0"/>
                     </a:p>
                   </a:txBody>
                   <a:tcPr>
@@ -39718,7 +37693,7 @@
                     <a:bodyPr/>
                     <a:lstStyle/>
                     <a:p>
-                      <a:endParaRPr lang="fr-FR" sz="1000" dirty="0"/>
+                      <a:endParaRPr lang="fr-FR" sz="900" dirty="0"/>
                     </a:p>
                   </a:txBody>
                   <a:tcPr>
@@ -39778,13 +37753,13 @@
                   </a:ext>
                 </a:extLst>
               </a:tr>
-              <a:tr h="252000">
+              <a:tr h="242203">
                 <a:tc>
                   <a:txBody>
                     <a:bodyPr/>
                     <a:lstStyle/>
                     <a:p>
-                      <a:endParaRPr lang="fr-FR" sz="1000" dirty="0"/>
+                      <a:endParaRPr lang="fr-FR" sz="900" dirty="0"/>
                     </a:p>
                   </a:txBody>
                   <a:tcPr>
@@ -39843,7 +37818,7 @@
                     <a:bodyPr/>
                     <a:lstStyle/>
                     <a:p>
-                      <a:endParaRPr lang="fr-FR" sz="1000" dirty="0"/>
+                      <a:endParaRPr lang="fr-FR" sz="900" dirty="0"/>
                     </a:p>
                   </a:txBody>
                   <a:tcPr>
@@ -39899,7 +37874,7 @@
                     <a:bodyPr/>
                     <a:lstStyle/>
                     <a:p>
-                      <a:endParaRPr lang="fr-FR" sz="1000" dirty="0"/>
+                      <a:endParaRPr lang="fr-FR" sz="900" dirty="0"/>
                     </a:p>
                   </a:txBody>
                   <a:tcPr>
@@ -39955,7 +37930,7 @@
                     <a:bodyPr/>
                     <a:lstStyle/>
                     <a:p>
-                      <a:endParaRPr lang="fr-FR" sz="1000" dirty="0"/>
+                      <a:endParaRPr lang="fr-FR" sz="900" dirty="0"/>
                     </a:p>
                   </a:txBody>
                   <a:tcPr>
@@ -40021,539 +37996,6 @@
       </p:graphicFrame>
       <p:grpSp>
         <p:nvGrpSpPr>
-          <p:cNvPr id="1104" name="Groupe 1103">
-            <a:extLst>
-              <a:ext uri="{FF2B5EF4-FFF2-40B4-BE49-F238E27FC236}">
-                <a16:creationId xmlns:a16="http://schemas.microsoft.com/office/drawing/2014/main" id="{B2A6D55E-6B13-50B5-4962-82E846F80278}"/>
-              </a:ext>
-            </a:extLst>
-          </p:cNvPr>
-          <p:cNvGrpSpPr/>
-          <p:nvPr/>
-        </p:nvGrpSpPr>
-        <p:grpSpPr>
-          <a:xfrm>
-            <a:off x="2556460" y="9706840"/>
-            <a:ext cx="6782611" cy="2883345"/>
-            <a:chOff x="2556460" y="9706840"/>
-            <a:chExt cx="6782611" cy="2883345"/>
-          </a:xfrm>
-        </p:grpSpPr>
-        <p:grpSp>
-          <p:nvGrpSpPr>
-            <p:cNvPr id="189" name="Groupe 188">
-              <a:extLst>
-                <a:ext uri="{FF2B5EF4-FFF2-40B4-BE49-F238E27FC236}">
-                  <a16:creationId xmlns:a16="http://schemas.microsoft.com/office/drawing/2014/main" id="{C109373E-EE79-4801-85EF-BA38032789EA}"/>
-                </a:ext>
-              </a:extLst>
-            </p:cNvPr>
-            <p:cNvGrpSpPr/>
-            <p:nvPr/>
-          </p:nvGrpSpPr>
-          <p:grpSpPr>
-            <a:xfrm>
-              <a:off x="2556460" y="9706840"/>
-              <a:ext cx="6782611" cy="2883345"/>
-              <a:chOff x="4012" y="0"/>
-              <a:chExt cx="2133599" cy="281354"/>
-            </a:xfrm>
-          </p:grpSpPr>
-          <p:sp>
-            <p:nvSpPr>
-              <p:cNvPr id="190" name="Rectangle : coins arrondis 189">
-                <a:extLst>
-                  <a:ext uri="{FF2B5EF4-FFF2-40B4-BE49-F238E27FC236}">
-                    <a16:creationId xmlns:a16="http://schemas.microsoft.com/office/drawing/2014/main" id="{25FB9533-30AB-4958-A99E-D717AA743EE3}"/>
-                  </a:ext>
-                </a:extLst>
-              </p:cNvPr>
-              <p:cNvSpPr/>
-              <p:nvPr/>
-            </p:nvSpPr>
-            <p:spPr>
-              <a:xfrm>
-                <a:off x="4012" y="0"/>
-                <a:ext cx="2133599" cy="281354"/>
-              </a:xfrm>
-              <a:prstGeom prst="roundRect">
-                <a:avLst/>
-              </a:prstGeom>
-              <a:solidFill>
-                <a:schemeClr val="bg1">
-                  <a:lumMod val="95000"/>
-                </a:schemeClr>
-              </a:solidFill>
-              <a:ln>
-                <a:solidFill>
-                  <a:schemeClr val="tx1">
-                    <a:lumMod val="75000"/>
-                    <a:lumOff val="25000"/>
-                  </a:schemeClr>
-                </a:solidFill>
-              </a:ln>
-            </p:spPr>
-            <p:style>
-              <a:lnRef idx="2">
-                <a:schemeClr val="accent1">
-                  <a:shade val="50000"/>
-                </a:schemeClr>
-              </a:lnRef>
-              <a:fillRef idx="1">
-                <a:schemeClr val="accent1"/>
-              </a:fillRef>
-              <a:effectRef idx="0">
-                <a:schemeClr val="accent1"/>
-              </a:effectRef>
-              <a:fontRef idx="minor">
-                <a:schemeClr val="lt1"/>
-              </a:fontRef>
-            </p:style>
-            <p:txBody>
-              <a:bodyPr rot="0" spcFirstLastPara="0" vert="horz" wrap="square" lIns="91440" tIns="45720" rIns="91440" bIns="45720" numCol="1" spcCol="0" rtlCol="0" fromWordArt="0" anchor="ctr" anchorCtr="0" forceAA="0" compatLnSpc="1">
-                <a:prstTxWarp prst="textNoShape">
-                  <a:avLst/>
-                </a:prstTxWarp>
-                <a:noAutofit/>
-              </a:bodyPr>
-              <a:lstStyle/>
-              <a:p>
-                <a:pPr>
-                  <a:lnSpc>
-                    <a:spcPct val="107000"/>
-                  </a:lnSpc>
-                  <a:spcAft>
-                    <a:spcPts val="800"/>
-                  </a:spcAft>
-                </a:pPr>
-                <a:r>
-                  <a:rPr lang="fr-FR" sz="400" dirty="0">
-                    <a:solidFill>
-                      <a:srgbClr val="00695C"/>
-                    </a:solidFill>
-                    <a:effectLst/>
-                    <a:latin typeface="Segoe UI" panose="020B0502040204020203" pitchFamily="34" charset="0"/>
-                    <a:ea typeface="Calibri" panose="020F0502020204030204" pitchFamily="34" charset="0"/>
-                    <a:cs typeface="Segoe UI" panose="020B0502040204020203" pitchFamily="34" charset="0"/>
-                  </a:rPr>
-                  <a:t> </a:t>
-                </a:r>
-                <a:endParaRPr lang="fr-FR" sz="1050" dirty="0">
-                  <a:effectLst/>
-                  <a:latin typeface="Segoe UI" panose="020B0502040204020203" pitchFamily="34" charset="0"/>
-                  <a:ea typeface="Calibri" panose="020F0502020204030204" pitchFamily="34" charset="0"/>
-                  <a:cs typeface="Segoe UI" panose="020B0502040204020203" pitchFamily="34" charset="0"/>
-                </a:endParaRPr>
-              </a:p>
-            </p:txBody>
-          </p:sp>
-          <p:sp>
-            <p:nvSpPr>
-              <p:cNvPr id="191" name="Zone de texte 26">
-                <a:extLst>
-                  <a:ext uri="{FF2B5EF4-FFF2-40B4-BE49-F238E27FC236}">
-                    <a16:creationId xmlns:a16="http://schemas.microsoft.com/office/drawing/2014/main" id="{D6169CE3-A8A9-4D48-BE74-CFAC5C2D4395}"/>
-                  </a:ext>
-                </a:extLst>
-              </p:cNvPr>
-              <p:cNvSpPr txBox="1"/>
-              <p:nvPr/>
-            </p:nvSpPr>
-            <p:spPr>
-              <a:xfrm>
-                <a:off x="20232" y="5456"/>
-                <a:ext cx="2114012" cy="27587"/>
-              </a:xfrm>
-              <a:prstGeom prst="rect">
-                <a:avLst/>
-              </a:prstGeom>
-              <a:noFill/>
-              <a:ln w="6350">
-                <a:noFill/>
-              </a:ln>
-            </p:spPr>
-            <p:txBody>
-              <a:bodyPr rot="0" spcFirstLastPara="0" vert="horz" wrap="square" lIns="91440" tIns="45720" rIns="91440" bIns="45720" numCol="1" spcCol="0" rtlCol="0" fromWordArt="0" anchor="t" anchorCtr="0" forceAA="0" compatLnSpc="1">
-                <a:prstTxWarp prst="textNoShape">
-                  <a:avLst/>
-                </a:prstTxWarp>
-                <a:noAutofit/>
-              </a:bodyPr>
-              <a:lstStyle/>
-              <a:p>
-                <a:pPr algn="ctr">
-                  <a:lnSpc>
-                    <a:spcPct val="107000"/>
-                  </a:lnSpc>
-                  <a:spcAft>
-                    <a:spcPts val="800"/>
-                  </a:spcAft>
-                </a:pPr>
-                <a:r>
-                  <a:rPr lang="fr-FR" sz="1200" dirty="0">
-                    <a:solidFill>
-                      <a:schemeClr val="bg1">
-                        <a:lumMod val="50000"/>
-                      </a:schemeClr>
-                    </a:solidFill>
-                    <a:effectLst/>
-                    <a:latin typeface="Segoe UI" panose="020B0502040204020203" pitchFamily="34" charset="0"/>
-                    <a:ea typeface="Calibri" panose="020F0502020204030204" pitchFamily="34" charset="0"/>
-                    <a:cs typeface="Segoe UI" panose="020B0502040204020203" pitchFamily="34" charset="0"/>
-                  </a:rPr>
-                  <a:t>Aptitudes et Capacités</a:t>
-                </a:r>
-              </a:p>
-            </p:txBody>
-          </p:sp>
-        </p:grpSp>
-        <p:cxnSp>
-          <p:nvCxnSpPr>
-            <p:cNvPr id="3" name="Connecteur droit 2">
-              <a:extLst>
-                <a:ext uri="{FF2B5EF4-FFF2-40B4-BE49-F238E27FC236}">
-                  <a16:creationId xmlns:a16="http://schemas.microsoft.com/office/drawing/2014/main" id="{3E198BB3-6155-D4AE-7110-D732AF517FF8}"/>
-                </a:ext>
-              </a:extLst>
-            </p:cNvPr>
-            <p:cNvCxnSpPr/>
-            <p:nvPr/>
-          </p:nvCxnSpPr>
-          <p:spPr>
-            <a:xfrm>
-              <a:off x="2742539" y="10300267"/>
-              <a:ext cx="6332881" cy="0"/>
-            </a:xfrm>
-            <a:prstGeom prst="line">
-              <a:avLst/>
-            </a:prstGeom>
-            <a:ln>
-              <a:solidFill>
-                <a:schemeClr val="bg1">
-                  <a:lumMod val="75000"/>
-                </a:schemeClr>
-              </a:solidFill>
-            </a:ln>
-          </p:spPr>
-          <p:style>
-            <a:lnRef idx="1">
-              <a:schemeClr val="dk1"/>
-            </a:lnRef>
-            <a:fillRef idx="0">
-              <a:schemeClr val="dk1"/>
-            </a:fillRef>
-            <a:effectRef idx="0">
-              <a:schemeClr val="dk1"/>
-            </a:effectRef>
-            <a:fontRef idx="minor">
-              <a:schemeClr val="tx1"/>
-            </a:fontRef>
-          </p:style>
-        </p:cxnSp>
-        <p:cxnSp>
-          <p:nvCxnSpPr>
-            <p:cNvPr id="4" name="Connecteur droit 3">
-              <a:extLst>
-                <a:ext uri="{FF2B5EF4-FFF2-40B4-BE49-F238E27FC236}">
-                  <a16:creationId xmlns:a16="http://schemas.microsoft.com/office/drawing/2014/main" id="{8C474E9A-71AA-11E6-9564-8A6EA4765395}"/>
-                </a:ext>
-              </a:extLst>
-            </p:cNvPr>
-            <p:cNvCxnSpPr/>
-            <p:nvPr/>
-          </p:nvCxnSpPr>
-          <p:spPr>
-            <a:xfrm>
-              <a:off x="2742539" y="10582207"/>
-              <a:ext cx="6332881" cy="0"/>
-            </a:xfrm>
-            <a:prstGeom prst="line">
-              <a:avLst/>
-            </a:prstGeom>
-            <a:ln>
-              <a:solidFill>
-                <a:schemeClr val="bg1">
-                  <a:lumMod val="75000"/>
-                </a:schemeClr>
-              </a:solidFill>
-            </a:ln>
-          </p:spPr>
-          <p:style>
-            <a:lnRef idx="1">
-              <a:schemeClr val="dk1"/>
-            </a:lnRef>
-            <a:fillRef idx="0">
-              <a:schemeClr val="dk1"/>
-            </a:fillRef>
-            <a:effectRef idx="0">
-              <a:schemeClr val="dk1"/>
-            </a:effectRef>
-            <a:fontRef idx="minor">
-              <a:schemeClr val="tx1"/>
-            </a:fontRef>
-          </p:style>
-        </p:cxnSp>
-        <p:cxnSp>
-          <p:nvCxnSpPr>
-            <p:cNvPr id="18" name="Connecteur droit 17">
-              <a:extLst>
-                <a:ext uri="{FF2B5EF4-FFF2-40B4-BE49-F238E27FC236}">
-                  <a16:creationId xmlns:a16="http://schemas.microsoft.com/office/drawing/2014/main" id="{65550DD6-91AD-93E0-D2A5-D95A27D1CDE8}"/>
-                </a:ext>
-              </a:extLst>
-            </p:cNvPr>
-            <p:cNvCxnSpPr/>
-            <p:nvPr/>
-          </p:nvCxnSpPr>
-          <p:spPr>
-            <a:xfrm>
-              <a:off x="2742539" y="10848907"/>
-              <a:ext cx="6332881" cy="0"/>
-            </a:xfrm>
-            <a:prstGeom prst="line">
-              <a:avLst/>
-            </a:prstGeom>
-            <a:ln>
-              <a:solidFill>
-                <a:schemeClr val="bg1">
-                  <a:lumMod val="75000"/>
-                </a:schemeClr>
-              </a:solidFill>
-            </a:ln>
-          </p:spPr>
-          <p:style>
-            <a:lnRef idx="1">
-              <a:schemeClr val="dk1"/>
-            </a:lnRef>
-            <a:fillRef idx="0">
-              <a:schemeClr val="dk1"/>
-            </a:fillRef>
-            <a:effectRef idx="0">
-              <a:schemeClr val="dk1"/>
-            </a:effectRef>
-            <a:fontRef idx="minor">
-              <a:schemeClr val="tx1"/>
-            </a:fontRef>
-          </p:style>
-        </p:cxnSp>
-        <p:cxnSp>
-          <p:nvCxnSpPr>
-            <p:cNvPr id="25" name="Connecteur droit 24">
-              <a:extLst>
-                <a:ext uri="{FF2B5EF4-FFF2-40B4-BE49-F238E27FC236}">
-                  <a16:creationId xmlns:a16="http://schemas.microsoft.com/office/drawing/2014/main" id="{23C34DA9-5A47-C17E-F7B0-AE3EB03EDC99}"/>
-                </a:ext>
-              </a:extLst>
-            </p:cNvPr>
-            <p:cNvCxnSpPr/>
-            <p:nvPr/>
-          </p:nvCxnSpPr>
-          <p:spPr>
-            <a:xfrm>
-              <a:off x="2742539" y="11130847"/>
-              <a:ext cx="6332881" cy="0"/>
-            </a:xfrm>
-            <a:prstGeom prst="line">
-              <a:avLst/>
-            </a:prstGeom>
-            <a:ln>
-              <a:solidFill>
-                <a:schemeClr val="bg1">
-                  <a:lumMod val="75000"/>
-                </a:schemeClr>
-              </a:solidFill>
-            </a:ln>
-          </p:spPr>
-          <p:style>
-            <a:lnRef idx="1">
-              <a:schemeClr val="dk1"/>
-            </a:lnRef>
-            <a:fillRef idx="0">
-              <a:schemeClr val="dk1"/>
-            </a:fillRef>
-            <a:effectRef idx="0">
-              <a:schemeClr val="dk1"/>
-            </a:effectRef>
-            <a:fontRef idx="minor">
-              <a:schemeClr val="tx1"/>
-            </a:fontRef>
-          </p:style>
-        </p:cxnSp>
-        <p:cxnSp>
-          <p:nvCxnSpPr>
-            <p:cNvPr id="26" name="Connecteur droit 25">
-              <a:extLst>
-                <a:ext uri="{FF2B5EF4-FFF2-40B4-BE49-F238E27FC236}">
-                  <a16:creationId xmlns:a16="http://schemas.microsoft.com/office/drawing/2014/main" id="{C982C949-BCD6-1E3A-B213-F645DAA8119A}"/>
-                </a:ext>
-              </a:extLst>
-            </p:cNvPr>
-            <p:cNvCxnSpPr/>
-            <p:nvPr/>
-          </p:nvCxnSpPr>
-          <p:spPr>
-            <a:xfrm>
-              <a:off x="2742539" y="11389927"/>
-              <a:ext cx="6332881" cy="0"/>
-            </a:xfrm>
-            <a:prstGeom prst="line">
-              <a:avLst/>
-            </a:prstGeom>
-            <a:ln>
-              <a:solidFill>
-                <a:schemeClr val="bg1">
-                  <a:lumMod val="75000"/>
-                </a:schemeClr>
-              </a:solidFill>
-            </a:ln>
-          </p:spPr>
-          <p:style>
-            <a:lnRef idx="1">
-              <a:schemeClr val="dk1"/>
-            </a:lnRef>
-            <a:fillRef idx="0">
-              <a:schemeClr val="dk1"/>
-            </a:fillRef>
-            <a:effectRef idx="0">
-              <a:schemeClr val="dk1"/>
-            </a:effectRef>
-            <a:fontRef idx="minor">
-              <a:schemeClr val="tx1"/>
-            </a:fontRef>
-          </p:style>
-        </p:cxnSp>
-        <p:cxnSp>
-          <p:nvCxnSpPr>
-            <p:cNvPr id="27" name="Connecteur droit 26">
-              <a:extLst>
-                <a:ext uri="{FF2B5EF4-FFF2-40B4-BE49-F238E27FC236}">
-                  <a16:creationId xmlns:a16="http://schemas.microsoft.com/office/drawing/2014/main" id="{69A9906B-A0B1-7860-FBCA-954D3957F804}"/>
-                </a:ext>
-              </a:extLst>
-            </p:cNvPr>
-            <p:cNvCxnSpPr/>
-            <p:nvPr/>
-          </p:nvCxnSpPr>
-          <p:spPr>
-            <a:xfrm>
-              <a:off x="2742539" y="11671867"/>
-              <a:ext cx="6332881" cy="0"/>
-            </a:xfrm>
-            <a:prstGeom prst="line">
-              <a:avLst/>
-            </a:prstGeom>
-            <a:ln>
-              <a:solidFill>
-                <a:schemeClr val="bg1">
-                  <a:lumMod val="75000"/>
-                </a:schemeClr>
-              </a:solidFill>
-            </a:ln>
-          </p:spPr>
-          <p:style>
-            <a:lnRef idx="1">
-              <a:schemeClr val="dk1"/>
-            </a:lnRef>
-            <a:fillRef idx="0">
-              <a:schemeClr val="dk1"/>
-            </a:fillRef>
-            <a:effectRef idx="0">
-              <a:schemeClr val="dk1"/>
-            </a:effectRef>
-            <a:fontRef idx="minor">
-              <a:schemeClr val="tx1"/>
-            </a:fontRef>
-          </p:style>
-        </p:cxnSp>
-        <p:cxnSp>
-          <p:nvCxnSpPr>
-            <p:cNvPr id="29" name="Connecteur droit 28">
-              <a:extLst>
-                <a:ext uri="{FF2B5EF4-FFF2-40B4-BE49-F238E27FC236}">
-                  <a16:creationId xmlns:a16="http://schemas.microsoft.com/office/drawing/2014/main" id="{FD5A48A1-6D83-6416-60A4-DDAD8C86BE1E}"/>
-                </a:ext>
-              </a:extLst>
-            </p:cNvPr>
-            <p:cNvCxnSpPr/>
-            <p:nvPr/>
-          </p:nvCxnSpPr>
-          <p:spPr>
-            <a:xfrm>
-              <a:off x="2742539" y="11938567"/>
-              <a:ext cx="6332881" cy="0"/>
-            </a:xfrm>
-            <a:prstGeom prst="line">
-              <a:avLst/>
-            </a:prstGeom>
-            <a:ln>
-              <a:solidFill>
-                <a:schemeClr val="bg1">
-                  <a:lumMod val="75000"/>
-                </a:schemeClr>
-              </a:solidFill>
-            </a:ln>
-          </p:spPr>
-          <p:style>
-            <a:lnRef idx="1">
-              <a:schemeClr val="dk1"/>
-            </a:lnRef>
-            <a:fillRef idx="0">
-              <a:schemeClr val="dk1"/>
-            </a:fillRef>
-            <a:effectRef idx="0">
-              <a:schemeClr val="dk1"/>
-            </a:effectRef>
-            <a:fontRef idx="minor">
-              <a:schemeClr val="tx1"/>
-            </a:fontRef>
-          </p:style>
-        </p:cxnSp>
-        <p:cxnSp>
-          <p:nvCxnSpPr>
-            <p:cNvPr id="34" name="Connecteur droit 33">
-              <a:extLst>
-                <a:ext uri="{FF2B5EF4-FFF2-40B4-BE49-F238E27FC236}">
-                  <a16:creationId xmlns:a16="http://schemas.microsoft.com/office/drawing/2014/main" id="{6293117D-DDCF-1353-9C68-1735BA3CFCD8}"/>
-                </a:ext>
-              </a:extLst>
-            </p:cNvPr>
-            <p:cNvCxnSpPr/>
-            <p:nvPr/>
-          </p:nvCxnSpPr>
-          <p:spPr>
-            <a:xfrm>
-              <a:off x="2742539" y="12220507"/>
-              <a:ext cx="6332881" cy="0"/>
-            </a:xfrm>
-            <a:prstGeom prst="line">
-              <a:avLst/>
-            </a:prstGeom>
-            <a:ln>
-              <a:solidFill>
-                <a:schemeClr val="bg1">
-                  <a:lumMod val="75000"/>
-                </a:schemeClr>
-              </a:solidFill>
-            </a:ln>
-          </p:spPr>
-          <p:style>
-            <a:lnRef idx="1">
-              <a:schemeClr val="dk1"/>
-            </a:lnRef>
-            <a:fillRef idx="0">
-              <a:schemeClr val="dk1"/>
-            </a:fillRef>
-            <a:effectRef idx="0">
-              <a:schemeClr val="dk1"/>
-            </a:effectRef>
-            <a:fontRef idx="minor">
-              <a:schemeClr val="tx1"/>
-            </a:fontRef>
-          </p:style>
-        </p:cxnSp>
-      </p:grpSp>
-      <p:grpSp>
-        <p:nvGrpSpPr>
           <p:cNvPr id="1103" name="Groupe 1102">
             <a:extLst>
               <a:ext uri="{FF2B5EF4-FFF2-40B4-BE49-F238E27FC236}">
@@ -40566,8 +38008,8 @@
         </p:nvGrpSpPr>
         <p:grpSpPr>
           <a:xfrm>
-            <a:off x="245777" y="6989767"/>
-            <a:ext cx="2089205" cy="4419916"/>
+            <a:off x="245777" y="7024491"/>
+            <a:ext cx="2089205" cy="4350645"/>
             <a:chOff x="245777" y="6989767"/>
             <a:chExt cx="2089205" cy="4419916"/>
           </a:xfrm>
@@ -41497,7 +38939,7 @@
                 <a:latin typeface="Segoe UI" panose="020B0502040204020203" pitchFamily="34" charset="0"/>
                 <a:cs typeface="Segoe UI" panose="020B0502040204020203" pitchFamily="34" charset="0"/>
               </a:rPr>
-              <a:t>Version fiche personnage 1.3</a:t>
+              <a:t>Version fiche personnage 1.5</a:t>
             </a:r>
             <a:endParaRPr lang="fr-FR" sz="900" dirty="0">
               <a:latin typeface="Segoe UI" panose="020B0502040204020203" pitchFamily="34" charset="0"/>
@@ -41520,7 +38962,7 @@
         </p:nvGrpSpPr>
         <p:grpSpPr>
           <a:xfrm>
-            <a:off x="4820117" y="4152987"/>
+            <a:off x="4808392" y="2214414"/>
             <a:ext cx="4518954" cy="2073585"/>
             <a:chOff x="4820117" y="4152987"/>
             <a:chExt cx="4518954" cy="2073585"/>
@@ -45396,128 +42838,2695 @@
           </p:sp>
         </p:grpSp>
       </p:grpSp>
-      <p:sp>
-        <p:nvSpPr>
-          <p:cNvPr id="155" name="Zone de texte 26">
+      <p:grpSp>
+        <p:nvGrpSpPr>
+          <p:cNvPr id="1064" name="Groupe 1063">
             <a:extLst>
               <a:ext uri="{FF2B5EF4-FFF2-40B4-BE49-F238E27FC236}">
-                <a16:creationId xmlns:a16="http://schemas.microsoft.com/office/drawing/2014/main" id="{EDE8D50F-E012-8AA2-7015-D90C7D15988C}"/>
+                <a16:creationId xmlns:a16="http://schemas.microsoft.com/office/drawing/2014/main" id="{0B91F21E-6F94-7076-982E-72588ED37DCD}"/>
               </a:ext>
             </a:extLst>
           </p:cNvPr>
-          <p:cNvSpPr txBox="1"/>
+          <p:cNvGrpSpPr/>
           <p:nvPr/>
-        </p:nvSpPr>
-        <p:spPr>
+        </p:nvGrpSpPr>
+        <p:grpSpPr>
           <a:xfrm>
-            <a:off x="6077781" y="10123839"/>
-            <a:ext cx="1412239" cy="282714"/>
+            <a:off x="2556460" y="10135104"/>
+            <a:ext cx="6782611" cy="2531466"/>
+            <a:chOff x="2556460" y="9706840"/>
+            <a:chExt cx="6782611" cy="2531466"/>
           </a:xfrm>
-          <a:prstGeom prst="rect">
-            <a:avLst/>
-          </a:prstGeom>
-          <a:solidFill>
-            <a:srgbClr val="F2F2F2"/>
-          </a:solidFill>
-          <a:ln w="6350">
-            <a:noFill/>
-          </a:ln>
-        </p:spPr>
-        <p:txBody>
-          <a:bodyPr rot="0" spcFirstLastPara="0" vert="horz" wrap="square" lIns="91440" tIns="45720" rIns="91440" bIns="45720" numCol="1" spcCol="0" rtlCol="0" fromWordArt="0" anchor="t" anchorCtr="0" forceAA="0" compatLnSpc="1">
-            <a:prstTxWarp prst="textNoShape">
-              <a:avLst/>
-            </a:prstTxWarp>
-            <a:noAutofit/>
-          </a:bodyPr>
-          <a:lstStyle/>
-          <a:p>
-            <a:pPr algn="r">
-              <a:lnSpc>
-                <a:spcPct val="107000"/>
-              </a:lnSpc>
-              <a:spcAft>
-                <a:spcPts val="800"/>
-              </a:spcAft>
-            </a:pPr>
-            <a:r>
-              <a:rPr lang="fr-FR" sz="1000" dirty="0">
+        </p:grpSpPr>
+        <p:grpSp>
+          <p:nvGrpSpPr>
+            <p:cNvPr id="1104" name="Groupe 1103">
+              <a:extLst>
+                <a:ext uri="{FF2B5EF4-FFF2-40B4-BE49-F238E27FC236}">
+                  <a16:creationId xmlns:a16="http://schemas.microsoft.com/office/drawing/2014/main" id="{B2A6D55E-6B13-50B5-4962-82E846F80278}"/>
+                </a:ext>
+              </a:extLst>
+            </p:cNvPr>
+            <p:cNvGrpSpPr/>
+            <p:nvPr/>
+          </p:nvGrpSpPr>
+          <p:grpSpPr>
+            <a:xfrm>
+              <a:off x="2556460" y="9706840"/>
+              <a:ext cx="6782611" cy="2531466"/>
+              <a:chOff x="2556460" y="9706840"/>
+              <a:chExt cx="6782611" cy="2531466"/>
+            </a:xfrm>
+          </p:grpSpPr>
+          <p:grpSp>
+            <p:nvGrpSpPr>
+              <p:cNvPr id="189" name="Groupe 188">
+                <a:extLst>
+                  <a:ext uri="{FF2B5EF4-FFF2-40B4-BE49-F238E27FC236}">
+                    <a16:creationId xmlns:a16="http://schemas.microsoft.com/office/drawing/2014/main" id="{C109373E-EE79-4801-85EF-BA38032789EA}"/>
+                  </a:ext>
+                </a:extLst>
+              </p:cNvPr>
+              <p:cNvGrpSpPr/>
+              <p:nvPr/>
+            </p:nvGrpSpPr>
+            <p:grpSpPr>
+              <a:xfrm>
+                <a:off x="2556460" y="9706840"/>
+                <a:ext cx="6782611" cy="2531466"/>
+                <a:chOff x="4012" y="0"/>
+                <a:chExt cx="2133599" cy="247018"/>
+              </a:xfrm>
+            </p:grpSpPr>
+            <p:sp>
+              <p:nvSpPr>
+                <p:cNvPr id="190" name="Rectangle : coins arrondis 189">
+                  <a:extLst>
+                    <a:ext uri="{FF2B5EF4-FFF2-40B4-BE49-F238E27FC236}">
+                      <a16:creationId xmlns:a16="http://schemas.microsoft.com/office/drawing/2014/main" id="{25FB9533-30AB-4958-A99E-D717AA743EE3}"/>
+                    </a:ext>
+                  </a:extLst>
+                </p:cNvPr>
+                <p:cNvSpPr/>
+                <p:nvPr/>
+              </p:nvSpPr>
+              <p:spPr>
+                <a:xfrm>
+                  <a:off x="4012" y="0"/>
+                  <a:ext cx="2133599" cy="247018"/>
+                </a:xfrm>
+                <a:prstGeom prst="roundRect">
+                  <a:avLst/>
+                </a:prstGeom>
                 <a:solidFill>
                   <a:schemeClr val="bg1">
-                    <a:lumMod val="50000"/>
+                    <a:lumMod val="95000"/>
                   </a:schemeClr>
                 </a:solidFill>
-                <a:effectLst/>
-                <a:latin typeface="Segoe UI" panose="020B0502040204020203" pitchFamily="34" charset="0"/>
-                <a:ea typeface="Calibri" panose="020F0502020204030204" pitchFamily="34" charset="0"/>
-                <a:cs typeface="Segoe UI" panose="020B0502040204020203" pitchFamily="34" charset="0"/>
-              </a:rPr>
-              <a:t>Métier de récolte :</a:t>
-            </a:r>
-          </a:p>
-        </p:txBody>
-      </p:sp>
-      <p:sp>
-        <p:nvSpPr>
-          <p:cNvPr id="156" name="Zone de texte 26">
+                <a:ln>
+                  <a:solidFill>
+                    <a:schemeClr val="tx1">
+                      <a:lumMod val="75000"/>
+                      <a:lumOff val="25000"/>
+                    </a:schemeClr>
+                  </a:solidFill>
+                </a:ln>
+              </p:spPr>
+              <p:style>
+                <a:lnRef idx="2">
+                  <a:schemeClr val="accent1">
+                    <a:shade val="50000"/>
+                  </a:schemeClr>
+                </a:lnRef>
+                <a:fillRef idx="1">
+                  <a:schemeClr val="accent1"/>
+                </a:fillRef>
+                <a:effectRef idx="0">
+                  <a:schemeClr val="accent1"/>
+                </a:effectRef>
+                <a:fontRef idx="minor">
+                  <a:schemeClr val="lt1"/>
+                </a:fontRef>
+              </p:style>
+              <p:txBody>
+                <a:bodyPr rot="0" spcFirstLastPara="0" vert="horz" wrap="square" lIns="91440" tIns="45720" rIns="91440" bIns="45720" numCol="1" spcCol="0" rtlCol="0" fromWordArt="0" anchor="ctr" anchorCtr="0" forceAA="0" compatLnSpc="1">
+                  <a:prstTxWarp prst="textNoShape">
+                    <a:avLst/>
+                  </a:prstTxWarp>
+                  <a:noAutofit/>
+                </a:bodyPr>
+                <a:lstStyle/>
+                <a:p>
+                  <a:pPr>
+                    <a:lnSpc>
+                      <a:spcPct val="107000"/>
+                    </a:lnSpc>
+                    <a:spcAft>
+                      <a:spcPts val="800"/>
+                    </a:spcAft>
+                  </a:pPr>
+                  <a:r>
+                    <a:rPr lang="fr-FR" sz="400" dirty="0">
+                      <a:solidFill>
+                        <a:srgbClr val="00695C"/>
+                      </a:solidFill>
+                      <a:effectLst/>
+                      <a:latin typeface="Segoe UI" panose="020B0502040204020203" pitchFamily="34" charset="0"/>
+                      <a:ea typeface="Calibri" panose="020F0502020204030204" pitchFamily="34" charset="0"/>
+                      <a:cs typeface="Segoe UI" panose="020B0502040204020203" pitchFamily="34" charset="0"/>
+                    </a:rPr>
+                    <a:t> </a:t>
+                  </a:r>
+                  <a:endParaRPr lang="fr-FR" sz="1050" dirty="0">
+                    <a:effectLst/>
+                    <a:latin typeface="Segoe UI" panose="020B0502040204020203" pitchFamily="34" charset="0"/>
+                    <a:ea typeface="Calibri" panose="020F0502020204030204" pitchFamily="34" charset="0"/>
+                    <a:cs typeface="Segoe UI" panose="020B0502040204020203" pitchFamily="34" charset="0"/>
+                  </a:endParaRPr>
+                </a:p>
+              </p:txBody>
+            </p:sp>
+            <p:sp>
+              <p:nvSpPr>
+                <p:cNvPr id="191" name="Zone de texte 26">
+                  <a:extLst>
+                    <a:ext uri="{FF2B5EF4-FFF2-40B4-BE49-F238E27FC236}">
+                      <a16:creationId xmlns:a16="http://schemas.microsoft.com/office/drawing/2014/main" id="{D6169CE3-A8A9-4D48-BE74-CFAC5C2D4395}"/>
+                    </a:ext>
+                  </a:extLst>
+                </p:cNvPr>
+                <p:cNvSpPr txBox="1"/>
+                <p:nvPr/>
+              </p:nvSpPr>
+              <p:spPr>
+                <a:xfrm>
+                  <a:off x="20232" y="5456"/>
+                  <a:ext cx="2114012" cy="27587"/>
+                </a:xfrm>
+                <a:prstGeom prst="rect">
+                  <a:avLst/>
+                </a:prstGeom>
+                <a:noFill/>
+                <a:ln w="6350">
+                  <a:noFill/>
+                </a:ln>
+              </p:spPr>
+              <p:txBody>
+                <a:bodyPr rot="0" spcFirstLastPara="0" vert="horz" wrap="square" lIns="91440" tIns="45720" rIns="91440" bIns="45720" numCol="1" spcCol="0" rtlCol="0" fromWordArt="0" anchor="t" anchorCtr="0" forceAA="0" compatLnSpc="1">
+                  <a:prstTxWarp prst="textNoShape">
+                    <a:avLst/>
+                  </a:prstTxWarp>
+                  <a:noAutofit/>
+                </a:bodyPr>
+                <a:lstStyle/>
+                <a:p>
+                  <a:pPr algn="ctr">
+                    <a:lnSpc>
+                      <a:spcPct val="107000"/>
+                    </a:lnSpc>
+                    <a:spcAft>
+                      <a:spcPts val="800"/>
+                    </a:spcAft>
+                  </a:pPr>
+                  <a:r>
+                    <a:rPr lang="fr-FR" sz="1200" dirty="0">
+                      <a:solidFill>
+                        <a:schemeClr val="bg1">
+                          <a:lumMod val="50000"/>
+                        </a:schemeClr>
+                      </a:solidFill>
+                      <a:effectLst/>
+                      <a:latin typeface="Segoe UI" panose="020B0502040204020203" pitchFamily="34" charset="0"/>
+                      <a:ea typeface="Calibri" panose="020F0502020204030204" pitchFamily="34" charset="0"/>
+                      <a:cs typeface="Segoe UI" panose="020B0502040204020203" pitchFamily="34" charset="0"/>
+                    </a:rPr>
+                    <a:t>Aptitudes et Capacités</a:t>
+                  </a:r>
+                </a:p>
+              </p:txBody>
+            </p:sp>
+          </p:grpSp>
+          <p:cxnSp>
+            <p:nvCxnSpPr>
+              <p:cNvPr id="3" name="Connecteur droit 2">
+                <a:extLst>
+                  <a:ext uri="{FF2B5EF4-FFF2-40B4-BE49-F238E27FC236}">
+                    <a16:creationId xmlns:a16="http://schemas.microsoft.com/office/drawing/2014/main" id="{3E198BB3-6155-D4AE-7110-D732AF517FF8}"/>
+                  </a:ext>
+                </a:extLst>
+              </p:cNvPr>
+              <p:cNvCxnSpPr/>
+              <p:nvPr/>
+            </p:nvCxnSpPr>
+            <p:spPr>
+              <a:xfrm>
+                <a:off x="2742539" y="10300267"/>
+                <a:ext cx="6332881" cy="0"/>
+              </a:xfrm>
+              <a:prstGeom prst="line">
+                <a:avLst/>
+              </a:prstGeom>
+              <a:ln>
+                <a:solidFill>
+                  <a:schemeClr val="bg1">
+                    <a:lumMod val="75000"/>
+                  </a:schemeClr>
+                </a:solidFill>
+              </a:ln>
+            </p:spPr>
+            <p:style>
+              <a:lnRef idx="1">
+                <a:schemeClr val="dk1"/>
+              </a:lnRef>
+              <a:fillRef idx="0">
+                <a:schemeClr val="dk1"/>
+              </a:fillRef>
+              <a:effectRef idx="0">
+                <a:schemeClr val="dk1"/>
+              </a:effectRef>
+              <a:fontRef idx="minor">
+                <a:schemeClr val="tx1"/>
+              </a:fontRef>
+            </p:style>
+          </p:cxnSp>
+          <p:cxnSp>
+            <p:nvCxnSpPr>
+              <p:cNvPr id="4" name="Connecteur droit 3">
+                <a:extLst>
+                  <a:ext uri="{FF2B5EF4-FFF2-40B4-BE49-F238E27FC236}">
+                    <a16:creationId xmlns:a16="http://schemas.microsoft.com/office/drawing/2014/main" id="{8C474E9A-71AA-11E6-9564-8A6EA4765395}"/>
+                  </a:ext>
+                </a:extLst>
+              </p:cNvPr>
+              <p:cNvCxnSpPr/>
+              <p:nvPr/>
+            </p:nvCxnSpPr>
+            <p:spPr>
+              <a:xfrm>
+                <a:off x="2742539" y="10582207"/>
+                <a:ext cx="6332881" cy="0"/>
+              </a:xfrm>
+              <a:prstGeom prst="line">
+                <a:avLst/>
+              </a:prstGeom>
+              <a:ln>
+                <a:solidFill>
+                  <a:schemeClr val="bg1">
+                    <a:lumMod val="75000"/>
+                  </a:schemeClr>
+                </a:solidFill>
+              </a:ln>
+            </p:spPr>
+            <p:style>
+              <a:lnRef idx="1">
+                <a:schemeClr val="dk1"/>
+              </a:lnRef>
+              <a:fillRef idx="0">
+                <a:schemeClr val="dk1"/>
+              </a:fillRef>
+              <a:effectRef idx="0">
+                <a:schemeClr val="dk1"/>
+              </a:effectRef>
+              <a:fontRef idx="minor">
+                <a:schemeClr val="tx1"/>
+              </a:fontRef>
+            </p:style>
+          </p:cxnSp>
+          <p:cxnSp>
+            <p:nvCxnSpPr>
+              <p:cNvPr id="18" name="Connecteur droit 17">
+                <a:extLst>
+                  <a:ext uri="{FF2B5EF4-FFF2-40B4-BE49-F238E27FC236}">
+                    <a16:creationId xmlns:a16="http://schemas.microsoft.com/office/drawing/2014/main" id="{65550DD6-91AD-93E0-D2A5-D95A27D1CDE8}"/>
+                  </a:ext>
+                </a:extLst>
+              </p:cNvPr>
+              <p:cNvCxnSpPr/>
+              <p:nvPr/>
+            </p:nvCxnSpPr>
+            <p:spPr>
+              <a:xfrm>
+                <a:off x="2742539" y="10848907"/>
+                <a:ext cx="6332881" cy="0"/>
+              </a:xfrm>
+              <a:prstGeom prst="line">
+                <a:avLst/>
+              </a:prstGeom>
+              <a:ln>
+                <a:solidFill>
+                  <a:schemeClr val="bg1">
+                    <a:lumMod val="75000"/>
+                  </a:schemeClr>
+                </a:solidFill>
+              </a:ln>
+            </p:spPr>
+            <p:style>
+              <a:lnRef idx="1">
+                <a:schemeClr val="dk1"/>
+              </a:lnRef>
+              <a:fillRef idx="0">
+                <a:schemeClr val="dk1"/>
+              </a:fillRef>
+              <a:effectRef idx="0">
+                <a:schemeClr val="dk1"/>
+              </a:effectRef>
+              <a:fontRef idx="minor">
+                <a:schemeClr val="tx1"/>
+              </a:fontRef>
+            </p:style>
+          </p:cxnSp>
+          <p:cxnSp>
+            <p:nvCxnSpPr>
+              <p:cNvPr id="25" name="Connecteur droit 24">
+                <a:extLst>
+                  <a:ext uri="{FF2B5EF4-FFF2-40B4-BE49-F238E27FC236}">
+                    <a16:creationId xmlns:a16="http://schemas.microsoft.com/office/drawing/2014/main" id="{23C34DA9-5A47-C17E-F7B0-AE3EB03EDC99}"/>
+                  </a:ext>
+                </a:extLst>
+              </p:cNvPr>
+              <p:cNvCxnSpPr/>
+              <p:nvPr/>
+            </p:nvCxnSpPr>
+            <p:spPr>
+              <a:xfrm>
+                <a:off x="2742539" y="11130847"/>
+                <a:ext cx="6332881" cy="0"/>
+              </a:xfrm>
+              <a:prstGeom prst="line">
+                <a:avLst/>
+              </a:prstGeom>
+              <a:ln>
+                <a:solidFill>
+                  <a:schemeClr val="bg1">
+                    <a:lumMod val="75000"/>
+                  </a:schemeClr>
+                </a:solidFill>
+              </a:ln>
+            </p:spPr>
+            <p:style>
+              <a:lnRef idx="1">
+                <a:schemeClr val="dk1"/>
+              </a:lnRef>
+              <a:fillRef idx="0">
+                <a:schemeClr val="dk1"/>
+              </a:fillRef>
+              <a:effectRef idx="0">
+                <a:schemeClr val="dk1"/>
+              </a:effectRef>
+              <a:fontRef idx="minor">
+                <a:schemeClr val="tx1"/>
+              </a:fontRef>
+            </p:style>
+          </p:cxnSp>
+          <p:cxnSp>
+            <p:nvCxnSpPr>
+              <p:cNvPr id="26" name="Connecteur droit 25">
+                <a:extLst>
+                  <a:ext uri="{FF2B5EF4-FFF2-40B4-BE49-F238E27FC236}">
+                    <a16:creationId xmlns:a16="http://schemas.microsoft.com/office/drawing/2014/main" id="{C982C949-BCD6-1E3A-B213-F645DAA8119A}"/>
+                  </a:ext>
+                </a:extLst>
+              </p:cNvPr>
+              <p:cNvCxnSpPr/>
+              <p:nvPr/>
+            </p:nvCxnSpPr>
+            <p:spPr>
+              <a:xfrm>
+                <a:off x="2742539" y="11389927"/>
+                <a:ext cx="6332881" cy="0"/>
+              </a:xfrm>
+              <a:prstGeom prst="line">
+                <a:avLst/>
+              </a:prstGeom>
+              <a:ln>
+                <a:solidFill>
+                  <a:schemeClr val="bg1">
+                    <a:lumMod val="75000"/>
+                  </a:schemeClr>
+                </a:solidFill>
+              </a:ln>
+            </p:spPr>
+            <p:style>
+              <a:lnRef idx="1">
+                <a:schemeClr val="dk1"/>
+              </a:lnRef>
+              <a:fillRef idx="0">
+                <a:schemeClr val="dk1"/>
+              </a:fillRef>
+              <a:effectRef idx="0">
+                <a:schemeClr val="dk1"/>
+              </a:effectRef>
+              <a:fontRef idx="minor">
+                <a:schemeClr val="tx1"/>
+              </a:fontRef>
+            </p:style>
+          </p:cxnSp>
+          <p:cxnSp>
+            <p:nvCxnSpPr>
+              <p:cNvPr id="27" name="Connecteur droit 26">
+                <a:extLst>
+                  <a:ext uri="{FF2B5EF4-FFF2-40B4-BE49-F238E27FC236}">
+                    <a16:creationId xmlns:a16="http://schemas.microsoft.com/office/drawing/2014/main" id="{69A9906B-A0B1-7860-FBCA-954D3957F804}"/>
+                  </a:ext>
+                </a:extLst>
+              </p:cNvPr>
+              <p:cNvCxnSpPr/>
+              <p:nvPr/>
+            </p:nvCxnSpPr>
+            <p:spPr>
+              <a:xfrm>
+                <a:off x="2742539" y="11671867"/>
+                <a:ext cx="6332881" cy="0"/>
+              </a:xfrm>
+              <a:prstGeom prst="line">
+                <a:avLst/>
+              </a:prstGeom>
+              <a:ln>
+                <a:solidFill>
+                  <a:schemeClr val="bg1">
+                    <a:lumMod val="75000"/>
+                  </a:schemeClr>
+                </a:solidFill>
+              </a:ln>
+            </p:spPr>
+            <p:style>
+              <a:lnRef idx="1">
+                <a:schemeClr val="dk1"/>
+              </a:lnRef>
+              <a:fillRef idx="0">
+                <a:schemeClr val="dk1"/>
+              </a:fillRef>
+              <a:effectRef idx="0">
+                <a:schemeClr val="dk1"/>
+              </a:effectRef>
+              <a:fontRef idx="minor">
+                <a:schemeClr val="tx1"/>
+              </a:fontRef>
+            </p:style>
+          </p:cxnSp>
+          <p:cxnSp>
+            <p:nvCxnSpPr>
+              <p:cNvPr id="29" name="Connecteur droit 28">
+                <a:extLst>
+                  <a:ext uri="{FF2B5EF4-FFF2-40B4-BE49-F238E27FC236}">
+                    <a16:creationId xmlns:a16="http://schemas.microsoft.com/office/drawing/2014/main" id="{FD5A48A1-6D83-6416-60A4-DDAD8C86BE1E}"/>
+                  </a:ext>
+                </a:extLst>
+              </p:cNvPr>
+              <p:cNvCxnSpPr/>
+              <p:nvPr/>
+            </p:nvCxnSpPr>
+            <p:spPr>
+              <a:xfrm>
+                <a:off x="2742539" y="11938567"/>
+                <a:ext cx="6332881" cy="0"/>
+              </a:xfrm>
+              <a:prstGeom prst="line">
+                <a:avLst/>
+              </a:prstGeom>
+              <a:ln>
+                <a:solidFill>
+                  <a:schemeClr val="bg1">
+                    <a:lumMod val="75000"/>
+                  </a:schemeClr>
+                </a:solidFill>
+              </a:ln>
+            </p:spPr>
+            <p:style>
+              <a:lnRef idx="1">
+                <a:schemeClr val="dk1"/>
+              </a:lnRef>
+              <a:fillRef idx="0">
+                <a:schemeClr val="dk1"/>
+              </a:fillRef>
+              <a:effectRef idx="0">
+                <a:schemeClr val="dk1"/>
+              </a:effectRef>
+              <a:fontRef idx="minor">
+                <a:schemeClr val="tx1"/>
+              </a:fontRef>
+            </p:style>
+          </p:cxnSp>
+        </p:grpSp>
+        <p:sp>
+          <p:nvSpPr>
+            <p:cNvPr id="155" name="Zone de texte 26">
+              <a:extLst>
+                <a:ext uri="{FF2B5EF4-FFF2-40B4-BE49-F238E27FC236}">
+                  <a16:creationId xmlns:a16="http://schemas.microsoft.com/office/drawing/2014/main" id="{EDE8D50F-E012-8AA2-7015-D90C7D15988C}"/>
+                </a:ext>
+              </a:extLst>
+            </p:cNvPr>
+            <p:cNvSpPr txBox="1"/>
+            <p:nvPr/>
+          </p:nvSpPr>
+          <p:spPr>
+            <a:xfrm>
+              <a:off x="6077781" y="10123839"/>
+              <a:ext cx="1412239" cy="282714"/>
+            </a:xfrm>
+            <a:prstGeom prst="rect">
+              <a:avLst/>
+            </a:prstGeom>
+            <a:solidFill>
+              <a:srgbClr val="F2F2F2"/>
+            </a:solidFill>
+            <a:ln w="6350">
+              <a:noFill/>
+            </a:ln>
+          </p:spPr>
+          <p:txBody>
+            <a:bodyPr rot="0" spcFirstLastPara="0" vert="horz" wrap="square" lIns="91440" tIns="45720" rIns="91440" bIns="45720" numCol="1" spcCol="0" rtlCol="0" fromWordArt="0" anchor="t" anchorCtr="0" forceAA="0" compatLnSpc="1">
+              <a:prstTxWarp prst="textNoShape">
+                <a:avLst/>
+              </a:prstTxWarp>
+              <a:noAutofit/>
+            </a:bodyPr>
+            <a:lstStyle/>
+            <a:p>
+              <a:pPr algn="r">
+                <a:lnSpc>
+                  <a:spcPct val="107000"/>
+                </a:lnSpc>
+                <a:spcAft>
+                  <a:spcPts val="800"/>
+                </a:spcAft>
+              </a:pPr>
+              <a:r>
+                <a:rPr lang="fr-FR" sz="1000" dirty="0">
+                  <a:solidFill>
+                    <a:schemeClr val="bg1">
+                      <a:lumMod val="50000"/>
+                    </a:schemeClr>
+                  </a:solidFill>
+                  <a:effectLst/>
+                  <a:latin typeface="Segoe UI" panose="020B0502040204020203" pitchFamily="34" charset="0"/>
+                  <a:ea typeface="Calibri" panose="020F0502020204030204" pitchFamily="34" charset="0"/>
+                  <a:cs typeface="Segoe UI" panose="020B0502040204020203" pitchFamily="34" charset="0"/>
+                </a:rPr>
+                <a:t>Métier de récolte :</a:t>
+              </a:r>
+            </a:p>
+          </p:txBody>
+        </p:sp>
+        <p:sp>
+          <p:nvSpPr>
+            <p:cNvPr id="156" name="Zone de texte 26">
+              <a:extLst>
+                <a:ext uri="{FF2B5EF4-FFF2-40B4-BE49-F238E27FC236}">
+                  <a16:creationId xmlns:a16="http://schemas.microsoft.com/office/drawing/2014/main" id="{320FBB99-076B-D0C4-3C83-495AB50B7865}"/>
+                </a:ext>
+              </a:extLst>
+            </p:cNvPr>
+            <p:cNvSpPr txBox="1"/>
+            <p:nvPr/>
+          </p:nvSpPr>
+          <p:spPr>
+            <a:xfrm>
+              <a:off x="6089429" y="10407453"/>
+              <a:ext cx="1412239" cy="282714"/>
+            </a:xfrm>
+            <a:prstGeom prst="rect">
+              <a:avLst/>
+            </a:prstGeom>
+            <a:solidFill>
+              <a:srgbClr val="F2F2F2"/>
+            </a:solidFill>
+            <a:ln w="6350">
+              <a:noFill/>
+            </a:ln>
+          </p:spPr>
+          <p:txBody>
+            <a:bodyPr rot="0" spcFirstLastPara="0" vert="horz" wrap="square" lIns="91440" tIns="45720" rIns="91440" bIns="45720" numCol="1" spcCol="0" rtlCol="0" fromWordArt="0" anchor="t" anchorCtr="0" forceAA="0" compatLnSpc="1">
+              <a:prstTxWarp prst="textNoShape">
+                <a:avLst/>
+              </a:prstTxWarp>
+              <a:noAutofit/>
+            </a:bodyPr>
+            <a:lstStyle/>
+            <a:p>
+              <a:pPr algn="r">
+                <a:lnSpc>
+                  <a:spcPct val="107000"/>
+                </a:lnSpc>
+                <a:spcAft>
+                  <a:spcPts val="800"/>
+                </a:spcAft>
+              </a:pPr>
+              <a:r>
+                <a:rPr lang="fr-FR" sz="1000" dirty="0">
+                  <a:solidFill>
+                    <a:schemeClr val="bg1">
+                      <a:lumMod val="50000"/>
+                    </a:schemeClr>
+                  </a:solidFill>
+                  <a:effectLst/>
+                  <a:latin typeface="Segoe UI" panose="020B0502040204020203" pitchFamily="34" charset="0"/>
+                  <a:ea typeface="Calibri" panose="020F0502020204030204" pitchFamily="34" charset="0"/>
+                  <a:cs typeface="Segoe UI" panose="020B0502040204020203" pitchFamily="34" charset="0"/>
+                </a:rPr>
+                <a:t>Métier d’artisanat :</a:t>
+              </a:r>
+            </a:p>
+          </p:txBody>
+        </p:sp>
+      </p:grpSp>
+      <p:grpSp>
+        <p:nvGrpSpPr>
+          <p:cNvPr id="1116" name="Groupe 1115">
             <a:extLst>
               <a:ext uri="{FF2B5EF4-FFF2-40B4-BE49-F238E27FC236}">
-                <a16:creationId xmlns:a16="http://schemas.microsoft.com/office/drawing/2014/main" id="{320FBB99-076B-D0C4-3C83-495AB50B7865}"/>
+                <a16:creationId xmlns:a16="http://schemas.microsoft.com/office/drawing/2014/main" id="{E60D296B-38EC-A149-E1FA-B9C754C7D527}"/>
               </a:ext>
             </a:extLst>
           </p:cNvPr>
-          <p:cNvSpPr txBox="1"/>
+          <p:cNvGrpSpPr/>
           <p:nvPr/>
-        </p:nvSpPr>
-        <p:spPr>
+        </p:nvGrpSpPr>
+        <p:grpSpPr>
           <a:xfrm>
-            <a:off x="6089429" y="10407453"/>
-            <a:ext cx="1412239" cy="282714"/>
+            <a:off x="245778" y="4535327"/>
+            <a:ext cx="9093293" cy="2277701"/>
+            <a:chOff x="245778" y="4581047"/>
+            <a:chExt cx="9093293" cy="2277701"/>
           </a:xfrm>
-          <a:prstGeom prst="rect">
-            <a:avLst/>
-          </a:prstGeom>
-          <a:solidFill>
-            <a:srgbClr val="F2F2F2"/>
-          </a:solidFill>
-          <a:ln w="6350">
+        </p:grpSpPr>
+        <p:grpSp>
+          <p:nvGrpSpPr>
+            <p:cNvPr id="1089" name="Groupe 1088">
+              <a:extLst>
+                <a:ext uri="{FF2B5EF4-FFF2-40B4-BE49-F238E27FC236}">
+                  <a16:creationId xmlns:a16="http://schemas.microsoft.com/office/drawing/2014/main" id="{2C65E50D-1A4B-A350-6261-DEFD0FF07085}"/>
+                </a:ext>
+              </a:extLst>
+            </p:cNvPr>
+            <p:cNvGrpSpPr/>
+            <p:nvPr/>
+          </p:nvGrpSpPr>
+          <p:grpSpPr>
+            <a:xfrm>
+              <a:off x="245778" y="4581047"/>
+              <a:ext cx="9093293" cy="2277701"/>
+              <a:chOff x="245778" y="4581047"/>
+              <a:chExt cx="9093293" cy="2277701"/>
+            </a:xfrm>
+          </p:grpSpPr>
+          <p:sp>
+            <p:nvSpPr>
+              <p:cNvPr id="174" name="Rectangle : coins arrondis 173">
+                <a:extLst>
+                  <a:ext uri="{FF2B5EF4-FFF2-40B4-BE49-F238E27FC236}">
+                    <a16:creationId xmlns:a16="http://schemas.microsoft.com/office/drawing/2014/main" id="{7002AC54-F6CB-4F8B-5CD0-4D29C6B9C9F0}"/>
+                  </a:ext>
+                </a:extLst>
+              </p:cNvPr>
+              <p:cNvSpPr/>
+              <p:nvPr/>
+            </p:nvSpPr>
+            <p:spPr>
+              <a:xfrm>
+                <a:off x="245778" y="4754683"/>
+                <a:ext cx="9093293" cy="2104065"/>
+              </a:xfrm>
+              <a:prstGeom prst="roundRect">
+                <a:avLst/>
+              </a:prstGeom>
+              <a:solidFill>
+                <a:schemeClr val="bg1"/>
+              </a:solidFill>
+              <a:ln>
+                <a:solidFill>
+                  <a:schemeClr val="tx1">
+                    <a:lumMod val="75000"/>
+                    <a:lumOff val="25000"/>
+                  </a:schemeClr>
+                </a:solidFill>
+              </a:ln>
+            </p:spPr>
+            <p:style>
+              <a:lnRef idx="2">
+                <a:schemeClr val="accent1">
+                  <a:shade val="15000"/>
+                </a:schemeClr>
+              </a:lnRef>
+              <a:fillRef idx="1">
+                <a:schemeClr val="accent1"/>
+              </a:fillRef>
+              <a:effectRef idx="0">
+                <a:schemeClr val="accent1"/>
+              </a:effectRef>
+              <a:fontRef idx="minor">
+                <a:schemeClr val="lt1"/>
+              </a:fontRef>
+            </p:style>
+            <p:txBody>
+              <a:bodyPr rtlCol="0" anchor="ctr"/>
+              <a:lstStyle/>
+              <a:p>
+                <a:pPr algn="ctr"/>
+                <a:endParaRPr lang="fr-FR"/>
+              </a:p>
+            </p:txBody>
+          </p:sp>
+          <p:sp>
+            <p:nvSpPr>
+              <p:cNvPr id="1081" name="ZoneTexte 1080">
+                <a:extLst>
+                  <a:ext uri="{FF2B5EF4-FFF2-40B4-BE49-F238E27FC236}">
+                    <a16:creationId xmlns:a16="http://schemas.microsoft.com/office/drawing/2014/main" id="{DD62548B-4C65-5808-C729-E7416954F42E}"/>
+                  </a:ext>
+                </a:extLst>
+              </p:cNvPr>
+              <p:cNvSpPr txBox="1"/>
+              <p:nvPr/>
+            </p:nvSpPr>
+            <p:spPr>
+              <a:xfrm>
+                <a:off x="4127952" y="4581047"/>
+                <a:ext cx="1345296" cy="307777"/>
+              </a:xfrm>
+              <a:prstGeom prst="rect">
+                <a:avLst/>
+              </a:prstGeom>
+              <a:solidFill>
+                <a:schemeClr val="bg1"/>
+              </a:solidFill>
+            </p:spPr>
+            <p:txBody>
+              <a:bodyPr wrap="square" rtlCol="0">
+                <a:spAutoFit/>
+              </a:bodyPr>
+              <a:lstStyle/>
+              <a:p>
+                <a:pPr algn="ctr"/>
+                <a:r>
+                  <a:rPr lang="fr-FR" sz="1400" dirty="0">
+                    <a:latin typeface="Segoe UI Semilight" panose="020B0402040204020203" pitchFamily="34" charset="0"/>
+                    <a:cs typeface="Segoe UI Semilight" panose="020B0402040204020203" pitchFamily="34" charset="0"/>
+                  </a:rPr>
+                  <a:t>Sorts</a:t>
+                </a:r>
+                <a:endParaRPr lang="fr-FR" dirty="0">
+                  <a:latin typeface="Segoe UI Semilight" panose="020B0402040204020203" pitchFamily="34" charset="0"/>
+                  <a:cs typeface="Segoe UI Semilight" panose="020B0402040204020203" pitchFamily="34" charset="0"/>
+                </a:endParaRPr>
+              </a:p>
+            </p:txBody>
+          </p:sp>
+        </p:grpSp>
+        <p:sp>
+          <p:nvSpPr>
+            <p:cNvPr id="1093" name="ZoneTexte 1092">
+              <a:extLst>
+                <a:ext uri="{FF2B5EF4-FFF2-40B4-BE49-F238E27FC236}">
+                  <a16:creationId xmlns:a16="http://schemas.microsoft.com/office/drawing/2014/main" id="{B1691083-33CA-F6D1-A17E-853473F33CD3}"/>
+                </a:ext>
+              </a:extLst>
+            </p:cNvPr>
+            <p:cNvSpPr txBox="1"/>
+            <p:nvPr/>
+          </p:nvSpPr>
+          <p:spPr>
+            <a:xfrm>
+              <a:off x="370864" y="4750290"/>
+              <a:ext cx="465881" cy="215444"/>
+            </a:xfrm>
+            <a:prstGeom prst="rect">
+              <a:avLst/>
+            </a:prstGeom>
             <a:noFill/>
-          </a:ln>
-        </p:spPr>
-        <p:txBody>
-          <a:bodyPr rot="0" spcFirstLastPara="0" vert="horz" wrap="square" lIns="91440" tIns="45720" rIns="91440" bIns="45720" numCol="1" spcCol="0" rtlCol="0" fromWordArt="0" anchor="t" anchorCtr="0" forceAA="0" compatLnSpc="1">
-            <a:prstTxWarp prst="textNoShape">
-              <a:avLst/>
-            </a:prstTxWarp>
-            <a:noAutofit/>
-          </a:bodyPr>
-          <a:lstStyle/>
-          <a:p>
-            <a:pPr algn="r">
-              <a:lnSpc>
-                <a:spcPct val="107000"/>
-              </a:lnSpc>
-              <a:spcAft>
-                <a:spcPts val="800"/>
-              </a:spcAft>
-            </a:pPr>
-            <a:r>
-              <a:rPr lang="fr-FR" sz="1000" dirty="0">
+          </p:spPr>
+          <p:txBody>
+            <a:bodyPr wrap="square" rtlCol="0">
+              <a:spAutoFit/>
+            </a:bodyPr>
+            <a:lstStyle/>
+            <a:p>
+              <a:r>
+                <a:rPr lang="fr-FR" sz="800" dirty="0" err="1">
+                  <a:solidFill>
+                    <a:schemeClr val="bg1">
+                      <a:lumMod val="65000"/>
+                    </a:schemeClr>
+                  </a:solidFill>
+                  <a:latin typeface="Segoe UI" panose="020B0502040204020203" pitchFamily="34" charset="0"/>
+                  <a:cs typeface="Segoe UI" panose="020B0502040204020203" pitchFamily="34" charset="0"/>
+                </a:rPr>
+                <a:t>Niv</a:t>
+              </a:r>
+              <a:r>
+                <a:rPr lang="fr-FR" sz="800" dirty="0">
+                  <a:solidFill>
+                    <a:schemeClr val="bg1">
+                      <a:lumMod val="65000"/>
+                    </a:schemeClr>
+                  </a:solidFill>
+                  <a:latin typeface="Segoe UI" panose="020B0502040204020203" pitchFamily="34" charset="0"/>
+                  <a:cs typeface="Segoe UI" panose="020B0502040204020203" pitchFamily="34" charset="0"/>
+                </a:rPr>
+                <a:t>. 1</a:t>
+              </a:r>
+              <a:endParaRPr lang="fr-FR" dirty="0">
                 <a:solidFill>
                   <a:schemeClr val="bg1">
-                    <a:lumMod val="50000"/>
+                    <a:lumMod val="65000"/>
                   </a:schemeClr>
                 </a:solidFill>
-                <a:effectLst/>
                 <a:latin typeface="Segoe UI" panose="020B0502040204020203" pitchFamily="34" charset="0"/>
-                <a:ea typeface="Calibri" panose="020F0502020204030204" pitchFamily="34" charset="0"/>
                 <a:cs typeface="Segoe UI" panose="020B0502040204020203" pitchFamily="34" charset="0"/>
-              </a:rPr>
-              <a:t>Métier d’artisanat :</a:t>
-            </a:r>
-          </a:p>
-        </p:txBody>
-      </p:sp>
+              </a:endParaRPr>
+            </a:p>
+          </p:txBody>
+        </p:sp>
+        <p:sp>
+          <p:nvSpPr>
+            <p:cNvPr id="1094" name="ZoneTexte 1093">
+              <a:extLst>
+                <a:ext uri="{FF2B5EF4-FFF2-40B4-BE49-F238E27FC236}">
+                  <a16:creationId xmlns:a16="http://schemas.microsoft.com/office/drawing/2014/main" id="{8E39348E-55CD-F3A1-0BEC-46E3865D3955}"/>
+                </a:ext>
+              </a:extLst>
+            </p:cNvPr>
+            <p:cNvSpPr txBox="1"/>
+            <p:nvPr/>
+          </p:nvSpPr>
+          <p:spPr>
+            <a:xfrm>
+              <a:off x="3354067" y="4757702"/>
+              <a:ext cx="465881" cy="215444"/>
+            </a:xfrm>
+            <a:prstGeom prst="rect">
+              <a:avLst/>
+            </a:prstGeom>
+            <a:noFill/>
+          </p:spPr>
+          <p:txBody>
+            <a:bodyPr wrap="square" rtlCol="0">
+              <a:spAutoFit/>
+            </a:bodyPr>
+            <a:lstStyle/>
+            <a:p>
+              <a:r>
+                <a:rPr lang="fr-FR" sz="800" dirty="0" err="1">
+                  <a:solidFill>
+                    <a:schemeClr val="bg1">
+                      <a:lumMod val="65000"/>
+                    </a:schemeClr>
+                  </a:solidFill>
+                  <a:latin typeface="Segoe UI" panose="020B0502040204020203" pitchFamily="34" charset="0"/>
+                  <a:cs typeface="Segoe UI" panose="020B0502040204020203" pitchFamily="34" charset="0"/>
+                </a:rPr>
+                <a:t>Niv</a:t>
+              </a:r>
+              <a:r>
+                <a:rPr lang="fr-FR" sz="800" dirty="0">
+                  <a:solidFill>
+                    <a:schemeClr val="bg1">
+                      <a:lumMod val="65000"/>
+                    </a:schemeClr>
+                  </a:solidFill>
+                  <a:latin typeface="Segoe UI" panose="020B0502040204020203" pitchFamily="34" charset="0"/>
+                  <a:cs typeface="Segoe UI" panose="020B0502040204020203" pitchFamily="34" charset="0"/>
+                </a:rPr>
+                <a:t>. 1</a:t>
+              </a:r>
+              <a:endParaRPr lang="fr-FR" dirty="0">
+                <a:solidFill>
+                  <a:schemeClr val="bg1">
+                    <a:lumMod val="65000"/>
+                  </a:schemeClr>
+                </a:solidFill>
+                <a:latin typeface="Segoe UI" panose="020B0502040204020203" pitchFamily="34" charset="0"/>
+                <a:cs typeface="Segoe UI" panose="020B0502040204020203" pitchFamily="34" charset="0"/>
+              </a:endParaRPr>
+            </a:p>
+          </p:txBody>
+        </p:sp>
+        <p:sp>
+          <p:nvSpPr>
+            <p:cNvPr id="1101" name="ZoneTexte 1100">
+              <a:extLst>
+                <a:ext uri="{FF2B5EF4-FFF2-40B4-BE49-F238E27FC236}">
+                  <a16:creationId xmlns:a16="http://schemas.microsoft.com/office/drawing/2014/main" id="{6FEBF6E5-F927-4A16-EAB6-72F9B2852395}"/>
+                </a:ext>
+              </a:extLst>
+            </p:cNvPr>
+            <p:cNvSpPr txBox="1"/>
+            <p:nvPr/>
+          </p:nvSpPr>
+          <p:spPr>
+            <a:xfrm>
+              <a:off x="6321728" y="4766127"/>
+              <a:ext cx="465881" cy="215444"/>
+            </a:xfrm>
+            <a:prstGeom prst="rect">
+              <a:avLst/>
+            </a:prstGeom>
+            <a:noFill/>
+          </p:spPr>
+          <p:txBody>
+            <a:bodyPr wrap="square" rtlCol="0">
+              <a:spAutoFit/>
+            </a:bodyPr>
+            <a:lstStyle/>
+            <a:p>
+              <a:r>
+                <a:rPr lang="fr-FR" sz="800" dirty="0" err="1">
+                  <a:solidFill>
+                    <a:schemeClr val="bg1">
+                      <a:lumMod val="65000"/>
+                    </a:schemeClr>
+                  </a:solidFill>
+                  <a:latin typeface="Segoe UI" panose="020B0502040204020203" pitchFamily="34" charset="0"/>
+                  <a:cs typeface="Segoe UI" panose="020B0502040204020203" pitchFamily="34" charset="0"/>
+                </a:rPr>
+                <a:t>Niv</a:t>
+              </a:r>
+              <a:r>
+                <a:rPr lang="fr-FR" sz="800" dirty="0">
+                  <a:solidFill>
+                    <a:schemeClr val="bg1">
+                      <a:lumMod val="65000"/>
+                    </a:schemeClr>
+                  </a:solidFill>
+                  <a:latin typeface="Segoe UI" panose="020B0502040204020203" pitchFamily="34" charset="0"/>
+                  <a:cs typeface="Segoe UI" panose="020B0502040204020203" pitchFamily="34" charset="0"/>
+                </a:rPr>
+                <a:t>. 1</a:t>
+              </a:r>
+              <a:endParaRPr lang="fr-FR" dirty="0">
+                <a:solidFill>
+                  <a:schemeClr val="bg1">
+                    <a:lumMod val="65000"/>
+                  </a:schemeClr>
+                </a:solidFill>
+                <a:latin typeface="Segoe UI" panose="020B0502040204020203" pitchFamily="34" charset="0"/>
+                <a:cs typeface="Segoe UI" panose="020B0502040204020203" pitchFamily="34" charset="0"/>
+              </a:endParaRPr>
+            </a:p>
+          </p:txBody>
+        </p:sp>
+        <p:sp>
+          <p:nvSpPr>
+            <p:cNvPr id="1102" name="ZoneTexte 1101">
+              <a:extLst>
+                <a:ext uri="{FF2B5EF4-FFF2-40B4-BE49-F238E27FC236}">
+                  <a16:creationId xmlns:a16="http://schemas.microsoft.com/office/drawing/2014/main" id="{FB3FB297-2488-932D-4219-6825FFFF8DA1}"/>
+                </a:ext>
+              </a:extLst>
+            </p:cNvPr>
+            <p:cNvSpPr txBox="1"/>
+            <p:nvPr/>
+          </p:nvSpPr>
+          <p:spPr>
+            <a:xfrm>
+              <a:off x="3354066" y="5204716"/>
+              <a:ext cx="465881" cy="215444"/>
+            </a:xfrm>
+            <a:prstGeom prst="rect">
+              <a:avLst/>
+            </a:prstGeom>
+            <a:noFill/>
+          </p:spPr>
+          <p:txBody>
+            <a:bodyPr wrap="square" rtlCol="0">
+              <a:spAutoFit/>
+            </a:bodyPr>
+            <a:lstStyle/>
+            <a:p>
+              <a:r>
+                <a:rPr lang="fr-FR" sz="800" dirty="0" err="1">
+                  <a:solidFill>
+                    <a:schemeClr val="bg1">
+                      <a:lumMod val="65000"/>
+                    </a:schemeClr>
+                  </a:solidFill>
+                  <a:latin typeface="Segoe UI" panose="020B0502040204020203" pitchFamily="34" charset="0"/>
+                  <a:cs typeface="Segoe UI" panose="020B0502040204020203" pitchFamily="34" charset="0"/>
+                </a:rPr>
+                <a:t>Niv</a:t>
+              </a:r>
+              <a:r>
+                <a:rPr lang="fr-FR" sz="800" dirty="0">
+                  <a:solidFill>
+                    <a:schemeClr val="bg1">
+                      <a:lumMod val="65000"/>
+                    </a:schemeClr>
+                  </a:solidFill>
+                  <a:latin typeface="Segoe UI" panose="020B0502040204020203" pitchFamily="34" charset="0"/>
+                  <a:cs typeface="Segoe UI" panose="020B0502040204020203" pitchFamily="34" charset="0"/>
+                </a:rPr>
+                <a:t>. 5</a:t>
+              </a:r>
+              <a:endParaRPr lang="fr-FR" dirty="0">
+                <a:solidFill>
+                  <a:schemeClr val="bg1">
+                    <a:lumMod val="65000"/>
+                  </a:schemeClr>
+                </a:solidFill>
+                <a:latin typeface="Segoe UI" panose="020B0502040204020203" pitchFamily="34" charset="0"/>
+                <a:cs typeface="Segoe UI" panose="020B0502040204020203" pitchFamily="34" charset="0"/>
+              </a:endParaRPr>
+            </a:p>
+          </p:txBody>
+        </p:sp>
+        <p:sp>
+          <p:nvSpPr>
+            <p:cNvPr id="1105" name="ZoneTexte 1104">
+              <a:extLst>
+                <a:ext uri="{FF2B5EF4-FFF2-40B4-BE49-F238E27FC236}">
+                  <a16:creationId xmlns:a16="http://schemas.microsoft.com/office/drawing/2014/main" id="{538A4808-AFA8-6710-8088-3E9099E95BC0}"/>
+                </a:ext>
+              </a:extLst>
+            </p:cNvPr>
+            <p:cNvSpPr txBox="1"/>
+            <p:nvPr/>
+          </p:nvSpPr>
+          <p:spPr>
+            <a:xfrm>
+              <a:off x="3347196" y="5621791"/>
+              <a:ext cx="546624" cy="215444"/>
+            </a:xfrm>
+            <a:prstGeom prst="rect">
+              <a:avLst/>
+            </a:prstGeom>
+            <a:noFill/>
+          </p:spPr>
+          <p:txBody>
+            <a:bodyPr wrap="square" rtlCol="0">
+              <a:spAutoFit/>
+            </a:bodyPr>
+            <a:lstStyle/>
+            <a:p>
+              <a:r>
+                <a:rPr lang="fr-FR" sz="800" dirty="0" err="1">
+                  <a:solidFill>
+                    <a:schemeClr val="bg1">
+                      <a:lumMod val="65000"/>
+                    </a:schemeClr>
+                  </a:solidFill>
+                  <a:latin typeface="Segoe UI" panose="020B0502040204020203" pitchFamily="34" charset="0"/>
+                  <a:cs typeface="Segoe UI" panose="020B0502040204020203" pitchFamily="34" charset="0"/>
+                </a:rPr>
+                <a:t>Niv</a:t>
+              </a:r>
+              <a:r>
+                <a:rPr lang="fr-FR" sz="800" dirty="0">
+                  <a:solidFill>
+                    <a:schemeClr val="bg1">
+                      <a:lumMod val="65000"/>
+                    </a:schemeClr>
+                  </a:solidFill>
+                  <a:latin typeface="Segoe UI" panose="020B0502040204020203" pitchFamily="34" charset="0"/>
+                  <a:cs typeface="Segoe UI" panose="020B0502040204020203" pitchFamily="34" charset="0"/>
+                </a:rPr>
+                <a:t>. 11</a:t>
+              </a:r>
+              <a:endParaRPr lang="fr-FR" dirty="0">
+                <a:solidFill>
+                  <a:schemeClr val="bg1">
+                    <a:lumMod val="65000"/>
+                  </a:schemeClr>
+                </a:solidFill>
+                <a:latin typeface="Segoe UI" panose="020B0502040204020203" pitchFamily="34" charset="0"/>
+                <a:cs typeface="Segoe UI" panose="020B0502040204020203" pitchFamily="34" charset="0"/>
+              </a:endParaRPr>
+            </a:p>
+          </p:txBody>
+        </p:sp>
+        <p:sp>
+          <p:nvSpPr>
+            <p:cNvPr id="1106" name="ZoneTexte 1105">
+              <a:extLst>
+                <a:ext uri="{FF2B5EF4-FFF2-40B4-BE49-F238E27FC236}">
+                  <a16:creationId xmlns:a16="http://schemas.microsoft.com/office/drawing/2014/main" id="{5553D5C2-4A3A-33B6-7028-9278D9E5B9E9}"/>
+                </a:ext>
+              </a:extLst>
+            </p:cNvPr>
+            <p:cNvSpPr txBox="1"/>
+            <p:nvPr/>
+          </p:nvSpPr>
+          <p:spPr>
+            <a:xfrm>
+              <a:off x="3347195" y="6028882"/>
+              <a:ext cx="533579" cy="215444"/>
+            </a:xfrm>
+            <a:prstGeom prst="rect">
+              <a:avLst/>
+            </a:prstGeom>
+            <a:noFill/>
+          </p:spPr>
+          <p:txBody>
+            <a:bodyPr wrap="square" rtlCol="0">
+              <a:spAutoFit/>
+            </a:bodyPr>
+            <a:lstStyle/>
+            <a:p>
+              <a:r>
+                <a:rPr lang="fr-FR" sz="800" dirty="0" err="1">
+                  <a:solidFill>
+                    <a:schemeClr val="bg1">
+                      <a:lumMod val="65000"/>
+                    </a:schemeClr>
+                  </a:solidFill>
+                  <a:latin typeface="Segoe UI" panose="020B0502040204020203" pitchFamily="34" charset="0"/>
+                  <a:cs typeface="Segoe UI" panose="020B0502040204020203" pitchFamily="34" charset="0"/>
+                </a:rPr>
+                <a:t>Niv</a:t>
+              </a:r>
+              <a:r>
+                <a:rPr lang="fr-FR" sz="800" dirty="0">
+                  <a:solidFill>
+                    <a:schemeClr val="bg1">
+                      <a:lumMod val="65000"/>
+                    </a:schemeClr>
+                  </a:solidFill>
+                  <a:latin typeface="Segoe UI" panose="020B0502040204020203" pitchFamily="34" charset="0"/>
+                  <a:cs typeface="Segoe UI" panose="020B0502040204020203" pitchFamily="34" charset="0"/>
+                </a:rPr>
+                <a:t>. 17</a:t>
+              </a:r>
+              <a:endParaRPr lang="fr-FR" dirty="0">
+                <a:solidFill>
+                  <a:schemeClr val="bg1">
+                    <a:lumMod val="65000"/>
+                  </a:schemeClr>
+                </a:solidFill>
+                <a:latin typeface="Segoe UI" panose="020B0502040204020203" pitchFamily="34" charset="0"/>
+                <a:cs typeface="Segoe UI" panose="020B0502040204020203" pitchFamily="34" charset="0"/>
+              </a:endParaRPr>
+            </a:p>
+          </p:txBody>
+        </p:sp>
+        <p:sp>
+          <p:nvSpPr>
+            <p:cNvPr id="1107" name="ZoneTexte 1106">
+              <a:extLst>
+                <a:ext uri="{FF2B5EF4-FFF2-40B4-BE49-F238E27FC236}">
+                  <a16:creationId xmlns:a16="http://schemas.microsoft.com/office/drawing/2014/main" id="{015A4307-7844-3229-AF4B-94C56E0E2971}"/>
+                </a:ext>
+              </a:extLst>
+            </p:cNvPr>
+            <p:cNvSpPr txBox="1"/>
+            <p:nvPr/>
+          </p:nvSpPr>
+          <p:spPr>
+            <a:xfrm>
+              <a:off x="6315906" y="6018869"/>
+              <a:ext cx="533579" cy="215444"/>
+            </a:xfrm>
+            <a:prstGeom prst="rect">
+              <a:avLst/>
+            </a:prstGeom>
+            <a:noFill/>
+          </p:spPr>
+          <p:txBody>
+            <a:bodyPr wrap="square" rtlCol="0">
+              <a:spAutoFit/>
+            </a:bodyPr>
+            <a:lstStyle/>
+            <a:p>
+              <a:r>
+                <a:rPr lang="fr-FR" sz="800" dirty="0" err="1">
+                  <a:solidFill>
+                    <a:schemeClr val="bg1">
+                      <a:lumMod val="65000"/>
+                    </a:schemeClr>
+                  </a:solidFill>
+                  <a:latin typeface="Segoe UI" panose="020B0502040204020203" pitchFamily="34" charset="0"/>
+                  <a:cs typeface="Segoe UI" panose="020B0502040204020203" pitchFamily="34" charset="0"/>
+                </a:rPr>
+                <a:t>Niv</a:t>
+              </a:r>
+              <a:r>
+                <a:rPr lang="fr-FR" sz="800" dirty="0">
+                  <a:solidFill>
+                    <a:schemeClr val="bg1">
+                      <a:lumMod val="65000"/>
+                    </a:schemeClr>
+                  </a:solidFill>
+                  <a:latin typeface="Segoe UI" panose="020B0502040204020203" pitchFamily="34" charset="0"/>
+                  <a:cs typeface="Segoe UI" panose="020B0502040204020203" pitchFamily="34" charset="0"/>
+                </a:rPr>
+                <a:t>. 19</a:t>
+              </a:r>
+              <a:endParaRPr lang="fr-FR" dirty="0">
+                <a:solidFill>
+                  <a:schemeClr val="bg1">
+                    <a:lumMod val="65000"/>
+                  </a:schemeClr>
+                </a:solidFill>
+                <a:latin typeface="Segoe UI" panose="020B0502040204020203" pitchFamily="34" charset="0"/>
+                <a:cs typeface="Segoe UI" panose="020B0502040204020203" pitchFamily="34" charset="0"/>
+              </a:endParaRPr>
+            </a:p>
+          </p:txBody>
+        </p:sp>
+        <p:sp>
+          <p:nvSpPr>
+            <p:cNvPr id="1108" name="ZoneTexte 1107">
+              <a:extLst>
+                <a:ext uri="{FF2B5EF4-FFF2-40B4-BE49-F238E27FC236}">
+                  <a16:creationId xmlns:a16="http://schemas.microsoft.com/office/drawing/2014/main" id="{C055DC59-0670-AC68-655F-9BB1EE51ECEC}"/>
+                </a:ext>
+              </a:extLst>
+            </p:cNvPr>
+            <p:cNvSpPr txBox="1"/>
+            <p:nvPr/>
+          </p:nvSpPr>
+          <p:spPr>
+            <a:xfrm>
+              <a:off x="6315905" y="5613968"/>
+              <a:ext cx="597833" cy="215444"/>
+            </a:xfrm>
+            <a:prstGeom prst="rect">
+              <a:avLst/>
+            </a:prstGeom>
+            <a:noFill/>
+          </p:spPr>
+          <p:txBody>
+            <a:bodyPr wrap="square" rtlCol="0">
+              <a:spAutoFit/>
+            </a:bodyPr>
+            <a:lstStyle/>
+            <a:p>
+              <a:r>
+                <a:rPr lang="fr-FR" sz="800" dirty="0" err="1">
+                  <a:solidFill>
+                    <a:schemeClr val="bg1">
+                      <a:lumMod val="65000"/>
+                    </a:schemeClr>
+                  </a:solidFill>
+                  <a:latin typeface="Segoe UI" panose="020B0502040204020203" pitchFamily="34" charset="0"/>
+                  <a:cs typeface="Segoe UI" panose="020B0502040204020203" pitchFamily="34" charset="0"/>
+                </a:rPr>
+                <a:t>Niv</a:t>
+              </a:r>
+              <a:r>
+                <a:rPr lang="fr-FR" sz="800" dirty="0">
+                  <a:solidFill>
+                    <a:schemeClr val="bg1">
+                      <a:lumMod val="65000"/>
+                    </a:schemeClr>
+                  </a:solidFill>
+                  <a:latin typeface="Segoe UI" panose="020B0502040204020203" pitchFamily="34" charset="0"/>
+                  <a:cs typeface="Segoe UI" panose="020B0502040204020203" pitchFamily="34" charset="0"/>
+                </a:rPr>
+                <a:t>. 13</a:t>
+              </a:r>
+              <a:endParaRPr lang="fr-FR" dirty="0">
+                <a:solidFill>
+                  <a:schemeClr val="bg1">
+                    <a:lumMod val="65000"/>
+                  </a:schemeClr>
+                </a:solidFill>
+                <a:latin typeface="Segoe UI" panose="020B0502040204020203" pitchFamily="34" charset="0"/>
+                <a:cs typeface="Segoe UI" panose="020B0502040204020203" pitchFamily="34" charset="0"/>
+              </a:endParaRPr>
+            </a:p>
+          </p:txBody>
+        </p:sp>
+        <p:sp>
+          <p:nvSpPr>
+            <p:cNvPr id="1109" name="ZoneTexte 1108">
+              <a:extLst>
+                <a:ext uri="{FF2B5EF4-FFF2-40B4-BE49-F238E27FC236}">
+                  <a16:creationId xmlns:a16="http://schemas.microsoft.com/office/drawing/2014/main" id="{9B8DE399-A862-D730-1CD9-776E360152F3}"/>
+                </a:ext>
+              </a:extLst>
+            </p:cNvPr>
+            <p:cNvSpPr txBox="1"/>
+            <p:nvPr/>
+          </p:nvSpPr>
+          <p:spPr>
+            <a:xfrm>
+              <a:off x="6323525" y="5215281"/>
+              <a:ext cx="465881" cy="215444"/>
+            </a:xfrm>
+            <a:prstGeom prst="rect">
+              <a:avLst/>
+            </a:prstGeom>
+            <a:noFill/>
+          </p:spPr>
+          <p:txBody>
+            <a:bodyPr wrap="square" rtlCol="0">
+              <a:spAutoFit/>
+            </a:bodyPr>
+            <a:lstStyle/>
+            <a:p>
+              <a:r>
+                <a:rPr lang="fr-FR" sz="800" dirty="0" err="1">
+                  <a:solidFill>
+                    <a:schemeClr val="bg1">
+                      <a:lumMod val="65000"/>
+                    </a:schemeClr>
+                  </a:solidFill>
+                  <a:latin typeface="Segoe UI" panose="020B0502040204020203" pitchFamily="34" charset="0"/>
+                  <a:cs typeface="Segoe UI" panose="020B0502040204020203" pitchFamily="34" charset="0"/>
+                </a:rPr>
+                <a:t>Niv</a:t>
+              </a:r>
+              <a:r>
+                <a:rPr lang="fr-FR" sz="800" dirty="0">
+                  <a:solidFill>
+                    <a:schemeClr val="bg1">
+                      <a:lumMod val="65000"/>
+                    </a:schemeClr>
+                  </a:solidFill>
+                  <a:latin typeface="Segoe UI" panose="020B0502040204020203" pitchFamily="34" charset="0"/>
+                  <a:cs typeface="Segoe UI" panose="020B0502040204020203" pitchFamily="34" charset="0"/>
+                </a:rPr>
+                <a:t>. 7</a:t>
+              </a:r>
+              <a:endParaRPr lang="fr-FR" dirty="0">
+                <a:solidFill>
+                  <a:schemeClr val="bg1">
+                    <a:lumMod val="65000"/>
+                  </a:schemeClr>
+                </a:solidFill>
+                <a:latin typeface="Segoe UI" panose="020B0502040204020203" pitchFamily="34" charset="0"/>
+                <a:cs typeface="Segoe UI" panose="020B0502040204020203" pitchFamily="34" charset="0"/>
+              </a:endParaRPr>
+            </a:p>
+          </p:txBody>
+        </p:sp>
+        <p:sp>
+          <p:nvSpPr>
+            <p:cNvPr id="1110" name="ZoneTexte 1109">
+              <a:extLst>
+                <a:ext uri="{FF2B5EF4-FFF2-40B4-BE49-F238E27FC236}">
+                  <a16:creationId xmlns:a16="http://schemas.microsoft.com/office/drawing/2014/main" id="{421FE6BB-EDA8-11BA-91D0-1CFE97E1A093}"/>
+                </a:ext>
+              </a:extLst>
+            </p:cNvPr>
+            <p:cNvSpPr txBox="1"/>
+            <p:nvPr/>
+          </p:nvSpPr>
+          <p:spPr>
+            <a:xfrm>
+              <a:off x="377736" y="5204716"/>
+              <a:ext cx="465881" cy="215444"/>
+            </a:xfrm>
+            <a:prstGeom prst="rect">
+              <a:avLst/>
+            </a:prstGeom>
+            <a:noFill/>
+          </p:spPr>
+          <p:txBody>
+            <a:bodyPr wrap="square" rtlCol="0">
+              <a:spAutoFit/>
+            </a:bodyPr>
+            <a:lstStyle/>
+            <a:p>
+              <a:r>
+                <a:rPr lang="fr-FR" sz="800" dirty="0" err="1">
+                  <a:solidFill>
+                    <a:schemeClr val="bg1">
+                      <a:lumMod val="65000"/>
+                    </a:schemeClr>
+                  </a:solidFill>
+                  <a:latin typeface="Segoe UI" panose="020B0502040204020203" pitchFamily="34" charset="0"/>
+                  <a:cs typeface="Segoe UI" panose="020B0502040204020203" pitchFamily="34" charset="0"/>
+                </a:rPr>
+                <a:t>Niv</a:t>
+              </a:r>
+              <a:r>
+                <a:rPr lang="fr-FR" sz="800" dirty="0">
+                  <a:solidFill>
+                    <a:schemeClr val="bg1">
+                      <a:lumMod val="65000"/>
+                    </a:schemeClr>
+                  </a:solidFill>
+                  <a:latin typeface="Segoe UI" panose="020B0502040204020203" pitchFamily="34" charset="0"/>
+                  <a:cs typeface="Segoe UI" panose="020B0502040204020203" pitchFamily="34" charset="0"/>
+                </a:rPr>
+                <a:t>. 3</a:t>
+              </a:r>
+              <a:endParaRPr lang="fr-FR" dirty="0">
+                <a:solidFill>
+                  <a:schemeClr val="bg1">
+                    <a:lumMod val="65000"/>
+                  </a:schemeClr>
+                </a:solidFill>
+                <a:latin typeface="Segoe UI" panose="020B0502040204020203" pitchFamily="34" charset="0"/>
+                <a:cs typeface="Segoe UI" panose="020B0502040204020203" pitchFamily="34" charset="0"/>
+              </a:endParaRPr>
+            </a:p>
+          </p:txBody>
+        </p:sp>
+        <p:sp>
+          <p:nvSpPr>
+            <p:cNvPr id="1111" name="ZoneTexte 1110">
+              <a:extLst>
+                <a:ext uri="{FF2B5EF4-FFF2-40B4-BE49-F238E27FC236}">
+                  <a16:creationId xmlns:a16="http://schemas.microsoft.com/office/drawing/2014/main" id="{936C4980-98D8-7D4B-F0B3-F275B9AE2179}"/>
+                </a:ext>
+              </a:extLst>
+            </p:cNvPr>
+            <p:cNvSpPr txBox="1"/>
+            <p:nvPr/>
+          </p:nvSpPr>
+          <p:spPr>
+            <a:xfrm>
+              <a:off x="370866" y="5621791"/>
+              <a:ext cx="465881" cy="215444"/>
+            </a:xfrm>
+            <a:prstGeom prst="rect">
+              <a:avLst/>
+            </a:prstGeom>
+            <a:noFill/>
+          </p:spPr>
+          <p:txBody>
+            <a:bodyPr wrap="square" rtlCol="0">
+              <a:spAutoFit/>
+            </a:bodyPr>
+            <a:lstStyle/>
+            <a:p>
+              <a:r>
+                <a:rPr lang="fr-FR" sz="800" dirty="0" err="1">
+                  <a:solidFill>
+                    <a:schemeClr val="bg1">
+                      <a:lumMod val="65000"/>
+                    </a:schemeClr>
+                  </a:solidFill>
+                  <a:latin typeface="Segoe UI" panose="020B0502040204020203" pitchFamily="34" charset="0"/>
+                  <a:cs typeface="Segoe UI" panose="020B0502040204020203" pitchFamily="34" charset="0"/>
+                </a:rPr>
+                <a:t>Niv</a:t>
+              </a:r>
+              <a:r>
+                <a:rPr lang="fr-FR" sz="800" dirty="0">
+                  <a:solidFill>
+                    <a:schemeClr val="bg1">
+                      <a:lumMod val="65000"/>
+                    </a:schemeClr>
+                  </a:solidFill>
+                  <a:latin typeface="Segoe UI" panose="020B0502040204020203" pitchFamily="34" charset="0"/>
+                  <a:cs typeface="Segoe UI" panose="020B0502040204020203" pitchFamily="34" charset="0"/>
+                </a:rPr>
+                <a:t>. 9</a:t>
+              </a:r>
+              <a:endParaRPr lang="fr-FR" dirty="0">
+                <a:solidFill>
+                  <a:schemeClr val="bg1">
+                    <a:lumMod val="65000"/>
+                  </a:schemeClr>
+                </a:solidFill>
+                <a:latin typeface="Segoe UI" panose="020B0502040204020203" pitchFamily="34" charset="0"/>
+                <a:cs typeface="Segoe UI" panose="020B0502040204020203" pitchFamily="34" charset="0"/>
+              </a:endParaRPr>
+            </a:p>
+          </p:txBody>
+        </p:sp>
+        <p:sp>
+          <p:nvSpPr>
+            <p:cNvPr id="1112" name="ZoneTexte 1111">
+              <a:extLst>
+                <a:ext uri="{FF2B5EF4-FFF2-40B4-BE49-F238E27FC236}">
+                  <a16:creationId xmlns:a16="http://schemas.microsoft.com/office/drawing/2014/main" id="{84BC75ED-216B-3A3E-8BE7-655163CB8273}"/>
+                </a:ext>
+              </a:extLst>
+            </p:cNvPr>
+            <p:cNvSpPr txBox="1"/>
+            <p:nvPr/>
+          </p:nvSpPr>
+          <p:spPr>
+            <a:xfrm>
+              <a:off x="370865" y="6028882"/>
+              <a:ext cx="533579" cy="215444"/>
+            </a:xfrm>
+            <a:prstGeom prst="rect">
+              <a:avLst/>
+            </a:prstGeom>
+            <a:noFill/>
+          </p:spPr>
+          <p:txBody>
+            <a:bodyPr wrap="square" rtlCol="0">
+              <a:spAutoFit/>
+            </a:bodyPr>
+            <a:lstStyle/>
+            <a:p>
+              <a:r>
+                <a:rPr lang="fr-FR" sz="800" dirty="0" err="1">
+                  <a:solidFill>
+                    <a:schemeClr val="bg1">
+                      <a:lumMod val="65000"/>
+                    </a:schemeClr>
+                  </a:solidFill>
+                  <a:latin typeface="Segoe UI" panose="020B0502040204020203" pitchFamily="34" charset="0"/>
+                  <a:cs typeface="Segoe UI" panose="020B0502040204020203" pitchFamily="34" charset="0"/>
+                </a:rPr>
+                <a:t>Niv</a:t>
+              </a:r>
+              <a:r>
+                <a:rPr lang="fr-FR" sz="800" dirty="0">
+                  <a:solidFill>
+                    <a:schemeClr val="bg1">
+                      <a:lumMod val="65000"/>
+                    </a:schemeClr>
+                  </a:solidFill>
+                  <a:latin typeface="Segoe UI" panose="020B0502040204020203" pitchFamily="34" charset="0"/>
+                  <a:cs typeface="Segoe UI" panose="020B0502040204020203" pitchFamily="34" charset="0"/>
+                </a:rPr>
+                <a:t>. 15</a:t>
+              </a:r>
+              <a:endParaRPr lang="fr-FR" dirty="0">
+                <a:solidFill>
+                  <a:schemeClr val="bg1">
+                    <a:lumMod val="65000"/>
+                  </a:schemeClr>
+                </a:solidFill>
+                <a:latin typeface="Segoe UI" panose="020B0502040204020203" pitchFamily="34" charset="0"/>
+                <a:cs typeface="Segoe UI" panose="020B0502040204020203" pitchFamily="34" charset="0"/>
+              </a:endParaRPr>
+            </a:p>
+          </p:txBody>
+        </p:sp>
+        <p:sp>
+          <p:nvSpPr>
+            <p:cNvPr id="1113" name="ZoneTexte 1112">
+              <a:extLst>
+                <a:ext uri="{FF2B5EF4-FFF2-40B4-BE49-F238E27FC236}">
+                  <a16:creationId xmlns:a16="http://schemas.microsoft.com/office/drawing/2014/main" id="{F0A01836-4BBC-6AD2-CC1D-386FD2DB48F2}"/>
+                </a:ext>
+              </a:extLst>
+            </p:cNvPr>
+            <p:cNvSpPr txBox="1"/>
+            <p:nvPr/>
+          </p:nvSpPr>
+          <p:spPr>
+            <a:xfrm>
+              <a:off x="3347195" y="6417962"/>
+              <a:ext cx="533579" cy="215444"/>
+            </a:xfrm>
+            <a:prstGeom prst="rect">
+              <a:avLst/>
+            </a:prstGeom>
+            <a:noFill/>
+          </p:spPr>
+          <p:txBody>
+            <a:bodyPr wrap="square" rtlCol="0">
+              <a:spAutoFit/>
+            </a:bodyPr>
+            <a:lstStyle/>
+            <a:p>
+              <a:r>
+                <a:rPr lang="fr-FR" sz="800" dirty="0">
+                  <a:solidFill>
+                    <a:schemeClr val="bg1">
+                      <a:lumMod val="65000"/>
+                    </a:schemeClr>
+                  </a:solidFill>
+                  <a:latin typeface="Segoe UI" panose="020B0502040204020203" pitchFamily="34" charset="0"/>
+                  <a:cs typeface="Segoe UI" panose="020B0502040204020203" pitchFamily="34" charset="0"/>
+                </a:rPr>
+                <a:t>Autre</a:t>
+              </a:r>
+              <a:endParaRPr lang="fr-FR" dirty="0">
+                <a:solidFill>
+                  <a:schemeClr val="bg1">
+                    <a:lumMod val="65000"/>
+                  </a:schemeClr>
+                </a:solidFill>
+                <a:latin typeface="Segoe UI" panose="020B0502040204020203" pitchFamily="34" charset="0"/>
+                <a:cs typeface="Segoe UI" panose="020B0502040204020203" pitchFamily="34" charset="0"/>
+              </a:endParaRPr>
+            </a:p>
+          </p:txBody>
+        </p:sp>
+        <p:sp>
+          <p:nvSpPr>
+            <p:cNvPr id="1114" name="ZoneTexte 1113">
+              <a:extLst>
+                <a:ext uri="{FF2B5EF4-FFF2-40B4-BE49-F238E27FC236}">
+                  <a16:creationId xmlns:a16="http://schemas.microsoft.com/office/drawing/2014/main" id="{F3E70971-C2F0-B4A7-8190-8579852EC939}"/>
+                </a:ext>
+              </a:extLst>
+            </p:cNvPr>
+            <p:cNvSpPr txBox="1"/>
+            <p:nvPr/>
+          </p:nvSpPr>
+          <p:spPr>
+            <a:xfrm>
+              <a:off x="6315906" y="6407949"/>
+              <a:ext cx="533579" cy="215444"/>
+            </a:xfrm>
+            <a:prstGeom prst="rect">
+              <a:avLst/>
+            </a:prstGeom>
+            <a:noFill/>
+          </p:spPr>
+          <p:txBody>
+            <a:bodyPr wrap="square" rtlCol="0">
+              <a:spAutoFit/>
+            </a:bodyPr>
+            <a:lstStyle/>
+            <a:p>
+              <a:r>
+                <a:rPr lang="fr-FR" sz="800" dirty="0">
+                  <a:solidFill>
+                    <a:schemeClr val="bg1">
+                      <a:lumMod val="65000"/>
+                    </a:schemeClr>
+                  </a:solidFill>
+                  <a:latin typeface="Segoe UI" panose="020B0502040204020203" pitchFamily="34" charset="0"/>
+                  <a:cs typeface="Segoe UI" panose="020B0502040204020203" pitchFamily="34" charset="0"/>
+                </a:rPr>
+                <a:t>Autre</a:t>
+              </a:r>
+              <a:endParaRPr lang="fr-FR" dirty="0">
+                <a:solidFill>
+                  <a:schemeClr val="bg1">
+                    <a:lumMod val="65000"/>
+                  </a:schemeClr>
+                </a:solidFill>
+                <a:latin typeface="Segoe UI" panose="020B0502040204020203" pitchFamily="34" charset="0"/>
+                <a:cs typeface="Segoe UI" panose="020B0502040204020203" pitchFamily="34" charset="0"/>
+              </a:endParaRPr>
+            </a:p>
+          </p:txBody>
+        </p:sp>
+        <p:sp>
+          <p:nvSpPr>
+            <p:cNvPr id="1115" name="ZoneTexte 1114">
+              <a:extLst>
+                <a:ext uri="{FF2B5EF4-FFF2-40B4-BE49-F238E27FC236}">
+                  <a16:creationId xmlns:a16="http://schemas.microsoft.com/office/drawing/2014/main" id="{D13A3421-6C93-987A-AD5D-CCC341CA8277}"/>
+                </a:ext>
+              </a:extLst>
+            </p:cNvPr>
+            <p:cNvSpPr txBox="1"/>
+            <p:nvPr/>
+          </p:nvSpPr>
+          <p:spPr>
+            <a:xfrm>
+              <a:off x="370865" y="6417962"/>
+              <a:ext cx="533579" cy="215444"/>
+            </a:xfrm>
+            <a:prstGeom prst="rect">
+              <a:avLst/>
+            </a:prstGeom>
+            <a:noFill/>
+          </p:spPr>
+          <p:txBody>
+            <a:bodyPr wrap="square" rtlCol="0">
+              <a:spAutoFit/>
+            </a:bodyPr>
+            <a:lstStyle/>
+            <a:p>
+              <a:r>
+                <a:rPr lang="fr-FR" sz="800" dirty="0">
+                  <a:solidFill>
+                    <a:schemeClr val="bg1">
+                      <a:lumMod val="65000"/>
+                    </a:schemeClr>
+                  </a:solidFill>
+                  <a:latin typeface="Segoe UI" panose="020B0502040204020203" pitchFamily="34" charset="0"/>
+                  <a:cs typeface="Segoe UI" panose="020B0502040204020203" pitchFamily="34" charset="0"/>
+                </a:rPr>
+                <a:t>Autre</a:t>
+              </a:r>
+              <a:endParaRPr lang="fr-FR" dirty="0">
+                <a:solidFill>
+                  <a:schemeClr val="bg1">
+                    <a:lumMod val="65000"/>
+                  </a:schemeClr>
+                </a:solidFill>
+                <a:latin typeface="Segoe UI" panose="020B0502040204020203" pitchFamily="34" charset="0"/>
+                <a:cs typeface="Segoe UI" panose="020B0502040204020203" pitchFamily="34" charset="0"/>
+              </a:endParaRPr>
+            </a:p>
+          </p:txBody>
+        </p:sp>
+      </p:grpSp>
+      <p:graphicFrame>
+        <p:nvGraphicFramePr>
+          <p:cNvPr id="173" name="Tableau 173">
+            <a:extLst>
+              <a:ext uri="{FF2B5EF4-FFF2-40B4-BE49-F238E27FC236}">
+                <a16:creationId xmlns:a16="http://schemas.microsoft.com/office/drawing/2014/main" id="{3E9E79C7-3B5D-46FF-A211-9B199B9FC064}"/>
+              </a:ext>
+            </a:extLst>
+          </p:cNvPr>
+          <p:cNvGraphicFramePr>
+            <a:graphicFrameLocks noGrp="1"/>
+          </p:cNvGraphicFramePr>
+          <p:nvPr>
+            <p:extLst>
+              <p:ext uri="{D42A27DB-BD31-4B8C-83A1-F6EECF244321}">
+                <p14:modId xmlns:p14="http://schemas.microsoft.com/office/powerpoint/2010/main" val="1384143352"/>
+              </p:ext>
+            </p:extLst>
+          </p:nvPr>
+        </p:nvGraphicFramePr>
+        <p:xfrm>
+          <a:off x="365425" y="4779724"/>
+          <a:ext cx="8919192" cy="1981885"/>
+        </p:xfrm>
+        <a:graphic>
+          <a:graphicData uri="http://schemas.openxmlformats.org/drawingml/2006/table">
+            <a:tbl>
+              <a:tblPr firstRow="1" bandRow="1">
+                <a:tableStyleId>{5C22544A-7EE6-4342-B048-85BDC9FD1C3A}</a:tableStyleId>
+              </a:tblPr>
+              <a:tblGrid>
+                <a:gridCol w="2973064">
+                  <a:extLst>
+                    <a:ext uri="{9D8B030D-6E8A-4147-A177-3AD203B41FA5}">
+                      <a16:colId xmlns:a16="http://schemas.microsoft.com/office/drawing/2014/main" val="1314404740"/>
+                    </a:ext>
+                  </a:extLst>
+                </a:gridCol>
+                <a:gridCol w="2973064">
+                  <a:extLst>
+                    <a:ext uri="{9D8B030D-6E8A-4147-A177-3AD203B41FA5}">
+                      <a16:colId xmlns:a16="http://schemas.microsoft.com/office/drawing/2014/main" val="1915220611"/>
+                    </a:ext>
+                  </a:extLst>
+                </a:gridCol>
+                <a:gridCol w="2973064">
+                  <a:extLst>
+                    <a:ext uri="{9D8B030D-6E8A-4147-A177-3AD203B41FA5}">
+                      <a16:colId xmlns:a16="http://schemas.microsoft.com/office/drawing/2014/main" val="2579101607"/>
+                    </a:ext>
+                  </a:extLst>
+                </a:gridCol>
+              </a:tblGrid>
+              <a:tr h="396377">
+                <a:tc>
+                  <a:txBody>
+                    <a:bodyPr/>
+                    <a:lstStyle/>
+                    <a:p>
+                      <a:endParaRPr lang="fr-FR" dirty="0"/>
+                    </a:p>
+                  </a:txBody>
+                  <a:tcPr>
+                    <a:lnL w="12700" cap="flat" cmpd="sng" algn="ctr">
+                      <a:noFill/>
+                      <a:prstDash val="solid"/>
+                      <a:round/>
+                      <a:headEnd type="none" w="med" len="med"/>
+                      <a:tailEnd type="none" w="med" len="med"/>
+                    </a:lnL>
+                    <a:lnR w="12700" cap="flat" cmpd="sng" algn="ctr">
+                      <a:solidFill>
+                        <a:schemeClr val="bg1">
+                          <a:lumMod val="75000"/>
+                        </a:schemeClr>
+                      </a:solidFill>
+                      <a:prstDash val="solid"/>
+                      <a:round/>
+                      <a:headEnd type="none" w="med" len="med"/>
+                      <a:tailEnd type="none" w="med" len="med"/>
+                    </a:lnR>
+                    <a:lnT w="12700" cap="flat" cmpd="sng" algn="ctr">
+                      <a:noFill/>
+                      <a:prstDash val="solid"/>
+                      <a:round/>
+                      <a:headEnd type="none" w="med" len="med"/>
+                      <a:tailEnd type="none" w="med" len="med"/>
+                    </a:lnT>
+                    <a:lnB w="12700" cap="flat" cmpd="sng" algn="ctr">
+                      <a:solidFill>
+                        <a:schemeClr val="bg1">
+                          <a:lumMod val="75000"/>
+                        </a:schemeClr>
+                      </a:solidFill>
+                      <a:prstDash val="solid"/>
+                      <a:round/>
+                      <a:headEnd type="none" w="med" len="med"/>
+                      <a:tailEnd type="none" w="med" len="med"/>
+                    </a:lnB>
+                    <a:lnTlToBr w="12700" cmpd="sng">
+                      <a:noFill/>
+                      <a:prstDash val="solid"/>
+                    </a:lnTlToBr>
+                    <a:lnBlToTr w="12700" cmpd="sng">
+                      <a:noFill/>
+                      <a:prstDash val="solid"/>
+                    </a:lnBlToTr>
+                    <a:noFill/>
+                  </a:tcPr>
+                </a:tc>
+                <a:tc>
+                  <a:txBody>
+                    <a:bodyPr/>
+                    <a:lstStyle/>
+                    <a:p>
+                      <a:endParaRPr lang="fr-FR" dirty="0"/>
+                    </a:p>
+                  </a:txBody>
+                  <a:tcPr>
+                    <a:lnL w="12700" cap="flat" cmpd="sng" algn="ctr">
+                      <a:solidFill>
+                        <a:schemeClr val="bg1">
+                          <a:lumMod val="75000"/>
+                        </a:schemeClr>
+                      </a:solidFill>
+                      <a:prstDash val="solid"/>
+                      <a:round/>
+                      <a:headEnd type="none" w="med" len="med"/>
+                      <a:tailEnd type="none" w="med" len="med"/>
+                    </a:lnL>
+                    <a:lnR w="12700" cap="flat" cmpd="sng" algn="ctr">
+                      <a:solidFill>
+                        <a:schemeClr val="bg1">
+                          <a:lumMod val="75000"/>
+                        </a:schemeClr>
+                      </a:solidFill>
+                      <a:prstDash val="solid"/>
+                      <a:round/>
+                      <a:headEnd type="none" w="med" len="med"/>
+                      <a:tailEnd type="none" w="med" len="med"/>
+                    </a:lnR>
+                    <a:lnT w="12700" cap="flat" cmpd="sng" algn="ctr">
+                      <a:noFill/>
+                      <a:prstDash val="solid"/>
+                      <a:round/>
+                      <a:headEnd type="none" w="med" len="med"/>
+                      <a:tailEnd type="none" w="med" len="med"/>
+                    </a:lnT>
+                    <a:lnB w="12700" cap="flat" cmpd="sng" algn="ctr">
+                      <a:solidFill>
+                        <a:schemeClr val="bg1">
+                          <a:lumMod val="75000"/>
+                        </a:schemeClr>
+                      </a:solidFill>
+                      <a:prstDash val="solid"/>
+                      <a:round/>
+                      <a:headEnd type="none" w="med" len="med"/>
+                      <a:tailEnd type="none" w="med" len="med"/>
+                    </a:lnB>
+                    <a:lnTlToBr w="12700" cmpd="sng">
+                      <a:noFill/>
+                      <a:prstDash val="solid"/>
+                    </a:lnTlToBr>
+                    <a:lnBlToTr w="12700" cmpd="sng">
+                      <a:noFill/>
+                      <a:prstDash val="solid"/>
+                    </a:lnBlToTr>
+                    <a:noFill/>
+                  </a:tcPr>
+                </a:tc>
+                <a:tc>
+                  <a:txBody>
+                    <a:bodyPr/>
+                    <a:lstStyle/>
+                    <a:p>
+                      <a:endParaRPr lang="fr-FR" dirty="0"/>
+                    </a:p>
+                  </a:txBody>
+                  <a:tcPr>
+                    <a:lnL w="12700" cap="flat" cmpd="sng" algn="ctr">
+                      <a:solidFill>
+                        <a:schemeClr val="bg1">
+                          <a:lumMod val="75000"/>
+                        </a:schemeClr>
+                      </a:solidFill>
+                      <a:prstDash val="solid"/>
+                      <a:round/>
+                      <a:headEnd type="none" w="med" len="med"/>
+                      <a:tailEnd type="none" w="med" len="med"/>
+                    </a:lnL>
+                    <a:lnR w="12700" cap="flat" cmpd="sng" algn="ctr">
+                      <a:noFill/>
+                      <a:prstDash val="solid"/>
+                      <a:round/>
+                      <a:headEnd type="none" w="med" len="med"/>
+                      <a:tailEnd type="none" w="med" len="med"/>
+                    </a:lnR>
+                    <a:lnT w="12700" cap="flat" cmpd="sng" algn="ctr">
+                      <a:noFill/>
+                      <a:prstDash val="solid"/>
+                      <a:round/>
+                      <a:headEnd type="none" w="med" len="med"/>
+                      <a:tailEnd type="none" w="med" len="med"/>
+                    </a:lnT>
+                    <a:lnB w="12700" cap="flat" cmpd="sng" algn="ctr">
+                      <a:solidFill>
+                        <a:schemeClr val="bg1">
+                          <a:lumMod val="75000"/>
+                        </a:schemeClr>
+                      </a:solidFill>
+                      <a:prstDash val="solid"/>
+                      <a:round/>
+                      <a:headEnd type="none" w="med" len="med"/>
+                      <a:tailEnd type="none" w="med" len="med"/>
+                    </a:lnB>
+                    <a:lnTlToBr w="12700" cmpd="sng">
+                      <a:noFill/>
+                      <a:prstDash val="solid"/>
+                    </a:lnTlToBr>
+                    <a:lnBlToTr w="12700" cmpd="sng">
+                      <a:noFill/>
+                      <a:prstDash val="solid"/>
+                    </a:lnBlToTr>
+                    <a:noFill/>
+                  </a:tcPr>
+                </a:tc>
+                <a:extLst>
+                  <a:ext uri="{0D108BD9-81ED-4DB2-BD59-A6C34878D82A}">
+                    <a16:rowId xmlns:a16="http://schemas.microsoft.com/office/drawing/2014/main" val="988079770"/>
+                  </a:ext>
+                </a:extLst>
+              </a:tr>
+              <a:tr h="396377">
+                <a:tc>
+                  <a:txBody>
+                    <a:bodyPr/>
+                    <a:lstStyle/>
+                    <a:p>
+                      <a:endParaRPr lang="fr-FR" dirty="0"/>
+                    </a:p>
+                  </a:txBody>
+                  <a:tcPr>
+                    <a:lnL w="12700" cap="flat" cmpd="sng" algn="ctr">
+                      <a:noFill/>
+                      <a:prstDash val="solid"/>
+                      <a:round/>
+                      <a:headEnd type="none" w="med" len="med"/>
+                      <a:tailEnd type="none" w="med" len="med"/>
+                    </a:lnL>
+                    <a:lnR w="12700" cap="flat" cmpd="sng" algn="ctr">
+                      <a:solidFill>
+                        <a:schemeClr val="bg1">
+                          <a:lumMod val="75000"/>
+                        </a:schemeClr>
+                      </a:solidFill>
+                      <a:prstDash val="solid"/>
+                      <a:round/>
+                      <a:headEnd type="none" w="med" len="med"/>
+                      <a:tailEnd type="none" w="med" len="med"/>
+                    </a:lnR>
+                    <a:lnT w="12700" cap="flat" cmpd="sng" algn="ctr">
+                      <a:solidFill>
+                        <a:schemeClr val="bg1">
+                          <a:lumMod val="75000"/>
+                        </a:schemeClr>
+                      </a:solidFill>
+                      <a:prstDash val="solid"/>
+                      <a:round/>
+                      <a:headEnd type="none" w="med" len="med"/>
+                      <a:tailEnd type="none" w="med" len="med"/>
+                    </a:lnT>
+                    <a:lnB w="12700" cap="flat" cmpd="sng" algn="ctr">
+                      <a:solidFill>
+                        <a:schemeClr val="bg1">
+                          <a:lumMod val="75000"/>
+                        </a:schemeClr>
+                      </a:solidFill>
+                      <a:prstDash val="solid"/>
+                      <a:round/>
+                      <a:headEnd type="none" w="med" len="med"/>
+                      <a:tailEnd type="none" w="med" len="med"/>
+                    </a:lnB>
+                    <a:lnTlToBr w="12700" cmpd="sng">
+                      <a:noFill/>
+                      <a:prstDash val="solid"/>
+                    </a:lnTlToBr>
+                    <a:lnBlToTr w="12700" cmpd="sng">
+                      <a:noFill/>
+                      <a:prstDash val="solid"/>
+                    </a:lnBlToTr>
+                    <a:noFill/>
+                  </a:tcPr>
+                </a:tc>
+                <a:tc>
+                  <a:txBody>
+                    <a:bodyPr/>
+                    <a:lstStyle/>
+                    <a:p>
+                      <a:endParaRPr lang="fr-FR" dirty="0"/>
+                    </a:p>
+                  </a:txBody>
+                  <a:tcPr>
+                    <a:lnL w="12700" cap="flat" cmpd="sng" algn="ctr">
+                      <a:solidFill>
+                        <a:schemeClr val="bg1">
+                          <a:lumMod val="75000"/>
+                        </a:schemeClr>
+                      </a:solidFill>
+                      <a:prstDash val="solid"/>
+                      <a:round/>
+                      <a:headEnd type="none" w="med" len="med"/>
+                      <a:tailEnd type="none" w="med" len="med"/>
+                    </a:lnL>
+                    <a:lnR w="12700" cap="flat" cmpd="sng" algn="ctr">
+                      <a:solidFill>
+                        <a:schemeClr val="bg1">
+                          <a:lumMod val="75000"/>
+                        </a:schemeClr>
+                      </a:solidFill>
+                      <a:prstDash val="solid"/>
+                      <a:round/>
+                      <a:headEnd type="none" w="med" len="med"/>
+                      <a:tailEnd type="none" w="med" len="med"/>
+                    </a:lnR>
+                    <a:lnT w="12700" cap="flat" cmpd="sng" algn="ctr">
+                      <a:solidFill>
+                        <a:schemeClr val="bg1">
+                          <a:lumMod val="75000"/>
+                        </a:schemeClr>
+                      </a:solidFill>
+                      <a:prstDash val="solid"/>
+                      <a:round/>
+                      <a:headEnd type="none" w="med" len="med"/>
+                      <a:tailEnd type="none" w="med" len="med"/>
+                    </a:lnT>
+                    <a:lnB w="12700" cap="flat" cmpd="sng" algn="ctr">
+                      <a:solidFill>
+                        <a:schemeClr val="bg1">
+                          <a:lumMod val="75000"/>
+                        </a:schemeClr>
+                      </a:solidFill>
+                      <a:prstDash val="solid"/>
+                      <a:round/>
+                      <a:headEnd type="none" w="med" len="med"/>
+                      <a:tailEnd type="none" w="med" len="med"/>
+                    </a:lnB>
+                    <a:lnTlToBr w="12700" cmpd="sng">
+                      <a:noFill/>
+                      <a:prstDash val="solid"/>
+                    </a:lnTlToBr>
+                    <a:lnBlToTr w="12700" cmpd="sng">
+                      <a:noFill/>
+                      <a:prstDash val="solid"/>
+                    </a:lnBlToTr>
+                    <a:noFill/>
+                  </a:tcPr>
+                </a:tc>
+                <a:tc>
+                  <a:txBody>
+                    <a:bodyPr/>
+                    <a:lstStyle/>
+                    <a:p>
+                      <a:endParaRPr lang="fr-FR" dirty="0"/>
+                    </a:p>
+                  </a:txBody>
+                  <a:tcPr>
+                    <a:lnL w="12700" cap="flat" cmpd="sng" algn="ctr">
+                      <a:solidFill>
+                        <a:schemeClr val="bg1">
+                          <a:lumMod val="75000"/>
+                        </a:schemeClr>
+                      </a:solidFill>
+                      <a:prstDash val="solid"/>
+                      <a:round/>
+                      <a:headEnd type="none" w="med" len="med"/>
+                      <a:tailEnd type="none" w="med" len="med"/>
+                    </a:lnL>
+                    <a:lnR w="12700" cap="flat" cmpd="sng" algn="ctr">
+                      <a:noFill/>
+                      <a:prstDash val="solid"/>
+                      <a:round/>
+                      <a:headEnd type="none" w="med" len="med"/>
+                      <a:tailEnd type="none" w="med" len="med"/>
+                    </a:lnR>
+                    <a:lnT w="12700" cap="flat" cmpd="sng" algn="ctr">
+                      <a:solidFill>
+                        <a:schemeClr val="bg1">
+                          <a:lumMod val="75000"/>
+                        </a:schemeClr>
+                      </a:solidFill>
+                      <a:prstDash val="solid"/>
+                      <a:round/>
+                      <a:headEnd type="none" w="med" len="med"/>
+                      <a:tailEnd type="none" w="med" len="med"/>
+                    </a:lnT>
+                    <a:lnB w="12700" cap="flat" cmpd="sng" algn="ctr">
+                      <a:solidFill>
+                        <a:schemeClr val="bg1">
+                          <a:lumMod val="75000"/>
+                        </a:schemeClr>
+                      </a:solidFill>
+                      <a:prstDash val="solid"/>
+                      <a:round/>
+                      <a:headEnd type="none" w="med" len="med"/>
+                      <a:tailEnd type="none" w="med" len="med"/>
+                    </a:lnB>
+                    <a:lnTlToBr w="12700" cmpd="sng">
+                      <a:noFill/>
+                      <a:prstDash val="solid"/>
+                    </a:lnTlToBr>
+                    <a:lnBlToTr w="12700" cmpd="sng">
+                      <a:noFill/>
+                      <a:prstDash val="solid"/>
+                    </a:lnBlToTr>
+                    <a:noFill/>
+                  </a:tcPr>
+                </a:tc>
+                <a:extLst>
+                  <a:ext uri="{0D108BD9-81ED-4DB2-BD59-A6C34878D82A}">
+                    <a16:rowId xmlns:a16="http://schemas.microsoft.com/office/drawing/2014/main" val="2853441312"/>
+                  </a:ext>
+                </a:extLst>
+              </a:tr>
+              <a:tr h="396377">
+                <a:tc>
+                  <a:txBody>
+                    <a:bodyPr/>
+                    <a:lstStyle/>
+                    <a:p>
+                      <a:endParaRPr lang="fr-FR" dirty="0"/>
+                    </a:p>
+                  </a:txBody>
+                  <a:tcPr>
+                    <a:lnL w="12700" cap="flat" cmpd="sng" algn="ctr">
+                      <a:noFill/>
+                      <a:prstDash val="solid"/>
+                      <a:round/>
+                      <a:headEnd type="none" w="med" len="med"/>
+                      <a:tailEnd type="none" w="med" len="med"/>
+                    </a:lnL>
+                    <a:lnR w="12700" cap="flat" cmpd="sng" algn="ctr">
+                      <a:solidFill>
+                        <a:schemeClr val="bg1">
+                          <a:lumMod val="75000"/>
+                        </a:schemeClr>
+                      </a:solidFill>
+                      <a:prstDash val="solid"/>
+                      <a:round/>
+                      <a:headEnd type="none" w="med" len="med"/>
+                      <a:tailEnd type="none" w="med" len="med"/>
+                    </a:lnR>
+                    <a:lnT w="12700" cap="flat" cmpd="sng" algn="ctr">
+                      <a:solidFill>
+                        <a:schemeClr val="bg1">
+                          <a:lumMod val="75000"/>
+                        </a:schemeClr>
+                      </a:solidFill>
+                      <a:prstDash val="solid"/>
+                      <a:round/>
+                      <a:headEnd type="none" w="med" len="med"/>
+                      <a:tailEnd type="none" w="med" len="med"/>
+                    </a:lnT>
+                    <a:lnB w="12700" cap="flat" cmpd="sng" algn="ctr">
+                      <a:solidFill>
+                        <a:schemeClr val="bg1">
+                          <a:lumMod val="75000"/>
+                        </a:schemeClr>
+                      </a:solidFill>
+                      <a:prstDash val="solid"/>
+                      <a:round/>
+                      <a:headEnd type="none" w="med" len="med"/>
+                      <a:tailEnd type="none" w="med" len="med"/>
+                    </a:lnB>
+                    <a:lnTlToBr w="12700" cmpd="sng">
+                      <a:noFill/>
+                      <a:prstDash val="solid"/>
+                    </a:lnTlToBr>
+                    <a:lnBlToTr w="12700" cmpd="sng">
+                      <a:noFill/>
+                      <a:prstDash val="solid"/>
+                    </a:lnBlToTr>
+                    <a:noFill/>
+                  </a:tcPr>
+                </a:tc>
+                <a:tc>
+                  <a:txBody>
+                    <a:bodyPr/>
+                    <a:lstStyle/>
+                    <a:p>
+                      <a:endParaRPr lang="fr-FR" dirty="0"/>
+                    </a:p>
+                  </a:txBody>
+                  <a:tcPr>
+                    <a:lnL w="12700" cap="flat" cmpd="sng" algn="ctr">
+                      <a:solidFill>
+                        <a:schemeClr val="bg1">
+                          <a:lumMod val="75000"/>
+                        </a:schemeClr>
+                      </a:solidFill>
+                      <a:prstDash val="solid"/>
+                      <a:round/>
+                      <a:headEnd type="none" w="med" len="med"/>
+                      <a:tailEnd type="none" w="med" len="med"/>
+                    </a:lnL>
+                    <a:lnR w="12700" cap="flat" cmpd="sng" algn="ctr">
+                      <a:solidFill>
+                        <a:schemeClr val="bg1">
+                          <a:lumMod val="75000"/>
+                        </a:schemeClr>
+                      </a:solidFill>
+                      <a:prstDash val="solid"/>
+                      <a:round/>
+                      <a:headEnd type="none" w="med" len="med"/>
+                      <a:tailEnd type="none" w="med" len="med"/>
+                    </a:lnR>
+                    <a:lnT w="12700" cap="flat" cmpd="sng" algn="ctr">
+                      <a:solidFill>
+                        <a:schemeClr val="bg1">
+                          <a:lumMod val="75000"/>
+                        </a:schemeClr>
+                      </a:solidFill>
+                      <a:prstDash val="solid"/>
+                      <a:round/>
+                      <a:headEnd type="none" w="med" len="med"/>
+                      <a:tailEnd type="none" w="med" len="med"/>
+                    </a:lnT>
+                    <a:lnB w="12700" cap="flat" cmpd="sng" algn="ctr">
+                      <a:solidFill>
+                        <a:schemeClr val="bg1">
+                          <a:lumMod val="75000"/>
+                        </a:schemeClr>
+                      </a:solidFill>
+                      <a:prstDash val="solid"/>
+                      <a:round/>
+                      <a:headEnd type="none" w="med" len="med"/>
+                      <a:tailEnd type="none" w="med" len="med"/>
+                    </a:lnB>
+                    <a:lnTlToBr w="12700" cmpd="sng">
+                      <a:noFill/>
+                      <a:prstDash val="solid"/>
+                    </a:lnTlToBr>
+                    <a:lnBlToTr w="12700" cmpd="sng">
+                      <a:noFill/>
+                      <a:prstDash val="solid"/>
+                    </a:lnBlToTr>
+                    <a:noFill/>
+                  </a:tcPr>
+                </a:tc>
+                <a:tc>
+                  <a:txBody>
+                    <a:bodyPr/>
+                    <a:lstStyle/>
+                    <a:p>
+                      <a:endParaRPr lang="fr-FR" dirty="0"/>
+                    </a:p>
+                  </a:txBody>
+                  <a:tcPr>
+                    <a:lnL w="12700" cap="flat" cmpd="sng" algn="ctr">
+                      <a:solidFill>
+                        <a:schemeClr val="bg1">
+                          <a:lumMod val="75000"/>
+                        </a:schemeClr>
+                      </a:solidFill>
+                      <a:prstDash val="solid"/>
+                      <a:round/>
+                      <a:headEnd type="none" w="med" len="med"/>
+                      <a:tailEnd type="none" w="med" len="med"/>
+                    </a:lnL>
+                    <a:lnR w="12700" cap="flat" cmpd="sng" algn="ctr">
+                      <a:noFill/>
+                      <a:prstDash val="solid"/>
+                      <a:round/>
+                      <a:headEnd type="none" w="med" len="med"/>
+                      <a:tailEnd type="none" w="med" len="med"/>
+                    </a:lnR>
+                    <a:lnT w="12700" cap="flat" cmpd="sng" algn="ctr">
+                      <a:solidFill>
+                        <a:schemeClr val="bg1">
+                          <a:lumMod val="75000"/>
+                        </a:schemeClr>
+                      </a:solidFill>
+                      <a:prstDash val="solid"/>
+                      <a:round/>
+                      <a:headEnd type="none" w="med" len="med"/>
+                      <a:tailEnd type="none" w="med" len="med"/>
+                    </a:lnT>
+                    <a:lnB w="12700" cap="flat" cmpd="sng" algn="ctr">
+                      <a:solidFill>
+                        <a:schemeClr val="bg1">
+                          <a:lumMod val="75000"/>
+                        </a:schemeClr>
+                      </a:solidFill>
+                      <a:prstDash val="solid"/>
+                      <a:round/>
+                      <a:headEnd type="none" w="med" len="med"/>
+                      <a:tailEnd type="none" w="med" len="med"/>
+                    </a:lnB>
+                    <a:lnTlToBr w="12700" cmpd="sng">
+                      <a:noFill/>
+                      <a:prstDash val="solid"/>
+                    </a:lnTlToBr>
+                    <a:lnBlToTr w="12700" cmpd="sng">
+                      <a:noFill/>
+                      <a:prstDash val="solid"/>
+                    </a:lnBlToTr>
+                    <a:noFill/>
+                  </a:tcPr>
+                </a:tc>
+                <a:extLst>
+                  <a:ext uri="{0D108BD9-81ED-4DB2-BD59-A6C34878D82A}">
+                    <a16:rowId xmlns:a16="http://schemas.microsoft.com/office/drawing/2014/main" val="85983913"/>
+                  </a:ext>
+                </a:extLst>
+              </a:tr>
+              <a:tr h="396377">
+                <a:tc>
+                  <a:txBody>
+                    <a:bodyPr/>
+                    <a:lstStyle/>
+                    <a:p>
+                      <a:endParaRPr lang="fr-FR" dirty="0"/>
+                    </a:p>
+                  </a:txBody>
+                  <a:tcPr>
+                    <a:lnL w="12700" cap="flat" cmpd="sng" algn="ctr">
+                      <a:noFill/>
+                      <a:prstDash val="solid"/>
+                      <a:round/>
+                      <a:headEnd type="none" w="med" len="med"/>
+                      <a:tailEnd type="none" w="med" len="med"/>
+                    </a:lnL>
+                    <a:lnR w="12700" cap="flat" cmpd="sng" algn="ctr">
+                      <a:solidFill>
+                        <a:schemeClr val="bg1">
+                          <a:lumMod val="75000"/>
+                        </a:schemeClr>
+                      </a:solidFill>
+                      <a:prstDash val="solid"/>
+                      <a:round/>
+                      <a:headEnd type="none" w="med" len="med"/>
+                      <a:tailEnd type="none" w="med" len="med"/>
+                    </a:lnR>
+                    <a:lnT w="12700" cap="flat" cmpd="sng" algn="ctr">
+                      <a:solidFill>
+                        <a:schemeClr val="bg1">
+                          <a:lumMod val="75000"/>
+                        </a:schemeClr>
+                      </a:solidFill>
+                      <a:prstDash val="solid"/>
+                      <a:round/>
+                      <a:headEnd type="none" w="med" len="med"/>
+                      <a:tailEnd type="none" w="med" len="med"/>
+                    </a:lnT>
+                    <a:lnB w="12700" cap="flat" cmpd="sng" algn="ctr">
+                      <a:solidFill>
+                        <a:schemeClr val="bg1">
+                          <a:lumMod val="75000"/>
+                        </a:schemeClr>
+                      </a:solidFill>
+                      <a:prstDash val="solid"/>
+                      <a:round/>
+                      <a:headEnd type="none" w="med" len="med"/>
+                      <a:tailEnd type="none" w="med" len="med"/>
+                    </a:lnB>
+                    <a:lnTlToBr w="12700" cmpd="sng">
+                      <a:noFill/>
+                      <a:prstDash val="solid"/>
+                    </a:lnTlToBr>
+                    <a:lnBlToTr w="12700" cmpd="sng">
+                      <a:noFill/>
+                      <a:prstDash val="solid"/>
+                    </a:lnBlToTr>
+                    <a:noFill/>
+                  </a:tcPr>
+                </a:tc>
+                <a:tc>
+                  <a:txBody>
+                    <a:bodyPr/>
+                    <a:lstStyle/>
+                    <a:p>
+                      <a:endParaRPr lang="fr-FR" dirty="0"/>
+                    </a:p>
+                  </a:txBody>
+                  <a:tcPr>
+                    <a:lnL w="12700" cap="flat" cmpd="sng" algn="ctr">
+                      <a:solidFill>
+                        <a:schemeClr val="bg1">
+                          <a:lumMod val="75000"/>
+                        </a:schemeClr>
+                      </a:solidFill>
+                      <a:prstDash val="solid"/>
+                      <a:round/>
+                      <a:headEnd type="none" w="med" len="med"/>
+                      <a:tailEnd type="none" w="med" len="med"/>
+                    </a:lnL>
+                    <a:lnR w="12700" cap="flat" cmpd="sng" algn="ctr">
+                      <a:solidFill>
+                        <a:schemeClr val="bg1">
+                          <a:lumMod val="75000"/>
+                        </a:schemeClr>
+                      </a:solidFill>
+                      <a:prstDash val="solid"/>
+                      <a:round/>
+                      <a:headEnd type="none" w="med" len="med"/>
+                      <a:tailEnd type="none" w="med" len="med"/>
+                    </a:lnR>
+                    <a:lnT w="12700" cap="flat" cmpd="sng" algn="ctr">
+                      <a:solidFill>
+                        <a:schemeClr val="bg1">
+                          <a:lumMod val="75000"/>
+                        </a:schemeClr>
+                      </a:solidFill>
+                      <a:prstDash val="solid"/>
+                      <a:round/>
+                      <a:headEnd type="none" w="med" len="med"/>
+                      <a:tailEnd type="none" w="med" len="med"/>
+                    </a:lnT>
+                    <a:lnB w="12700" cap="flat" cmpd="sng" algn="ctr">
+                      <a:solidFill>
+                        <a:schemeClr val="bg1">
+                          <a:lumMod val="75000"/>
+                        </a:schemeClr>
+                      </a:solidFill>
+                      <a:prstDash val="solid"/>
+                      <a:round/>
+                      <a:headEnd type="none" w="med" len="med"/>
+                      <a:tailEnd type="none" w="med" len="med"/>
+                    </a:lnB>
+                    <a:lnTlToBr w="12700" cmpd="sng">
+                      <a:noFill/>
+                      <a:prstDash val="solid"/>
+                    </a:lnTlToBr>
+                    <a:lnBlToTr w="12700" cmpd="sng">
+                      <a:noFill/>
+                      <a:prstDash val="solid"/>
+                    </a:lnBlToTr>
+                    <a:noFill/>
+                  </a:tcPr>
+                </a:tc>
+                <a:tc>
+                  <a:txBody>
+                    <a:bodyPr/>
+                    <a:lstStyle/>
+                    <a:p>
+                      <a:endParaRPr lang="fr-FR" dirty="0"/>
+                    </a:p>
+                  </a:txBody>
+                  <a:tcPr>
+                    <a:lnL w="12700" cap="flat" cmpd="sng" algn="ctr">
+                      <a:solidFill>
+                        <a:schemeClr val="bg1">
+                          <a:lumMod val="75000"/>
+                        </a:schemeClr>
+                      </a:solidFill>
+                      <a:prstDash val="solid"/>
+                      <a:round/>
+                      <a:headEnd type="none" w="med" len="med"/>
+                      <a:tailEnd type="none" w="med" len="med"/>
+                    </a:lnL>
+                    <a:lnR w="12700" cap="flat" cmpd="sng" algn="ctr">
+                      <a:noFill/>
+                      <a:prstDash val="solid"/>
+                      <a:round/>
+                      <a:headEnd type="none" w="med" len="med"/>
+                      <a:tailEnd type="none" w="med" len="med"/>
+                    </a:lnR>
+                    <a:lnT w="12700" cap="flat" cmpd="sng" algn="ctr">
+                      <a:solidFill>
+                        <a:schemeClr val="bg1">
+                          <a:lumMod val="75000"/>
+                        </a:schemeClr>
+                      </a:solidFill>
+                      <a:prstDash val="solid"/>
+                      <a:round/>
+                      <a:headEnd type="none" w="med" len="med"/>
+                      <a:tailEnd type="none" w="med" len="med"/>
+                    </a:lnT>
+                    <a:lnB w="12700" cap="flat" cmpd="sng" algn="ctr">
+                      <a:solidFill>
+                        <a:schemeClr val="bg1">
+                          <a:lumMod val="75000"/>
+                        </a:schemeClr>
+                      </a:solidFill>
+                      <a:prstDash val="solid"/>
+                      <a:round/>
+                      <a:headEnd type="none" w="med" len="med"/>
+                      <a:tailEnd type="none" w="med" len="med"/>
+                    </a:lnB>
+                    <a:lnTlToBr w="12700" cmpd="sng">
+                      <a:noFill/>
+                      <a:prstDash val="solid"/>
+                    </a:lnTlToBr>
+                    <a:lnBlToTr w="12700" cmpd="sng">
+                      <a:noFill/>
+                      <a:prstDash val="solid"/>
+                    </a:lnBlToTr>
+                    <a:noFill/>
+                  </a:tcPr>
+                </a:tc>
+                <a:extLst>
+                  <a:ext uri="{0D108BD9-81ED-4DB2-BD59-A6C34878D82A}">
+                    <a16:rowId xmlns:a16="http://schemas.microsoft.com/office/drawing/2014/main" val="1395456715"/>
+                  </a:ext>
+                </a:extLst>
+              </a:tr>
+              <a:tr h="396377">
+                <a:tc>
+                  <a:txBody>
+                    <a:bodyPr/>
+                    <a:lstStyle/>
+                    <a:p>
+                      <a:endParaRPr lang="fr-FR" dirty="0"/>
+                    </a:p>
+                  </a:txBody>
+                  <a:tcPr>
+                    <a:lnL w="12700" cap="flat" cmpd="sng" algn="ctr">
+                      <a:noFill/>
+                      <a:prstDash val="solid"/>
+                      <a:round/>
+                      <a:headEnd type="none" w="med" len="med"/>
+                      <a:tailEnd type="none" w="med" len="med"/>
+                    </a:lnL>
+                    <a:lnR w="12700" cap="flat" cmpd="sng" algn="ctr">
+                      <a:solidFill>
+                        <a:schemeClr val="bg1">
+                          <a:lumMod val="75000"/>
+                        </a:schemeClr>
+                      </a:solidFill>
+                      <a:prstDash val="solid"/>
+                      <a:round/>
+                      <a:headEnd type="none" w="med" len="med"/>
+                      <a:tailEnd type="none" w="med" len="med"/>
+                    </a:lnR>
+                    <a:lnT w="12700" cap="flat" cmpd="sng" algn="ctr">
+                      <a:solidFill>
+                        <a:schemeClr val="bg1">
+                          <a:lumMod val="75000"/>
+                        </a:schemeClr>
+                      </a:solidFill>
+                      <a:prstDash val="solid"/>
+                      <a:round/>
+                      <a:headEnd type="none" w="med" len="med"/>
+                      <a:tailEnd type="none" w="med" len="med"/>
+                    </a:lnT>
+                    <a:lnB w="12700" cap="flat" cmpd="sng" algn="ctr">
+                      <a:noFill/>
+                      <a:prstDash val="solid"/>
+                      <a:round/>
+                      <a:headEnd type="none" w="med" len="med"/>
+                      <a:tailEnd type="none" w="med" len="med"/>
+                    </a:lnB>
+                    <a:lnTlToBr w="12700" cmpd="sng">
+                      <a:noFill/>
+                      <a:prstDash val="solid"/>
+                    </a:lnTlToBr>
+                    <a:lnBlToTr w="12700" cmpd="sng">
+                      <a:noFill/>
+                      <a:prstDash val="solid"/>
+                    </a:lnBlToTr>
+                    <a:noFill/>
+                  </a:tcPr>
+                </a:tc>
+                <a:tc>
+                  <a:txBody>
+                    <a:bodyPr/>
+                    <a:lstStyle/>
+                    <a:p>
+                      <a:endParaRPr lang="fr-FR" dirty="0"/>
+                    </a:p>
+                  </a:txBody>
+                  <a:tcPr>
+                    <a:lnL w="12700" cap="flat" cmpd="sng" algn="ctr">
+                      <a:solidFill>
+                        <a:schemeClr val="bg1">
+                          <a:lumMod val="75000"/>
+                        </a:schemeClr>
+                      </a:solidFill>
+                      <a:prstDash val="solid"/>
+                      <a:round/>
+                      <a:headEnd type="none" w="med" len="med"/>
+                      <a:tailEnd type="none" w="med" len="med"/>
+                    </a:lnL>
+                    <a:lnR w="12700" cap="flat" cmpd="sng" algn="ctr">
+                      <a:solidFill>
+                        <a:schemeClr val="bg1">
+                          <a:lumMod val="75000"/>
+                        </a:schemeClr>
+                      </a:solidFill>
+                      <a:prstDash val="solid"/>
+                      <a:round/>
+                      <a:headEnd type="none" w="med" len="med"/>
+                      <a:tailEnd type="none" w="med" len="med"/>
+                    </a:lnR>
+                    <a:lnT w="12700" cap="flat" cmpd="sng" algn="ctr">
+                      <a:solidFill>
+                        <a:schemeClr val="bg1">
+                          <a:lumMod val="75000"/>
+                        </a:schemeClr>
+                      </a:solidFill>
+                      <a:prstDash val="solid"/>
+                      <a:round/>
+                      <a:headEnd type="none" w="med" len="med"/>
+                      <a:tailEnd type="none" w="med" len="med"/>
+                    </a:lnT>
+                    <a:lnB w="12700" cap="flat" cmpd="sng" algn="ctr">
+                      <a:noFill/>
+                      <a:prstDash val="solid"/>
+                      <a:round/>
+                      <a:headEnd type="none" w="med" len="med"/>
+                      <a:tailEnd type="none" w="med" len="med"/>
+                    </a:lnB>
+                    <a:lnTlToBr w="12700" cmpd="sng">
+                      <a:noFill/>
+                      <a:prstDash val="solid"/>
+                    </a:lnTlToBr>
+                    <a:lnBlToTr w="12700" cmpd="sng">
+                      <a:noFill/>
+                      <a:prstDash val="solid"/>
+                    </a:lnBlToTr>
+                    <a:noFill/>
+                  </a:tcPr>
+                </a:tc>
+                <a:tc>
+                  <a:txBody>
+                    <a:bodyPr/>
+                    <a:lstStyle/>
+                    <a:p>
+                      <a:endParaRPr lang="fr-FR" dirty="0"/>
+                    </a:p>
+                  </a:txBody>
+                  <a:tcPr>
+                    <a:lnL w="12700" cap="flat" cmpd="sng" algn="ctr">
+                      <a:solidFill>
+                        <a:schemeClr val="bg1">
+                          <a:lumMod val="75000"/>
+                        </a:schemeClr>
+                      </a:solidFill>
+                      <a:prstDash val="solid"/>
+                      <a:round/>
+                      <a:headEnd type="none" w="med" len="med"/>
+                      <a:tailEnd type="none" w="med" len="med"/>
+                    </a:lnL>
+                    <a:lnR w="12700" cap="flat" cmpd="sng" algn="ctr">
+                      <a:noFill/>
+                      <a:prstDash val="solid"/>
+                      <a:round/>
+                      <a:headEnd type="none" w="med" len="med"/>
+                      <a:tailEnd type="none" w="med" len="med"/>
+                    </a:lnR>
+                    <a:lnT w="12700" cap="flat" cmpd="sng" algn="ctr">
+                      <a:solidFill>
+                        <a:schemeClr val="bg1">
+                          <a:lumMod val="75000"/>
+                        </a:schemeClr>
+                      </a:solidFill>
+                      <a:prstDash val="solid"/>
+                      <a:round/>
+                      <a:headEnd type="none" w="med" len="med"/>
+                      <a:tailEnd type="none" w="med" len="med"/>
+                    </a:lnT>
+                    <a:lnB w="12700" cap="flat" cmpd="sng" algn="ctr">
+                      <a:noFill/>
+                      <a:prstDash val="solid"/>
+                      <a:round/>
+                      <a:headEnd type="none" w="med" len="med"/>
+                      <a:tailEnd type="none" w="med" len="med"/>
+                    </a:lnB>
+                    <a:lnTlToBr w="12700" cmpd="sng">
+                      <a:noFill/>
+                      <a:prstDash val="solid"/>
+                    </a:lnTlToBr>
+                    <a:lnBlToTr w="12700" cmpd="sng">
+                      <a:noFill/>
+                      <a:prstDash val="solid"/>
+                    </a:lnBlToTr>
+                    <a:noFill/>
+                  </a:tcPr>
+                </a:tc>
+                <a:extLst>
+                  <a:ext uri="{0D108BD9-81ED-4DB2-BD59-A6C34878D82A}">
+                    <a16:rowId xmlns:a16="http://schemas.microsoft.com/office/drawing/2014/main" val="3370907342"/>
+                  </a:ext>
+                </a:extLst>
+              </a:tr>
+            </a:tbl>
+          </a:graphicData>
+        </a:graphic>
+      </p:graphicFrame>
     </p:spTree>
     <p:extLst>
       <p:ext uri="{BB962C8B-B14F-4D97-AF65-F5344CB8AC3E}">

--- a/medias/files/fiche_perso.pptx
+++ b/medias/files/fiche_perso.pptx
@@ -107,7 +107,18 @@
   </p:defaultTextStyle>
   <p:extLst>
     <p:ext uri="{EFAFB233-063F-42B5-8137-9DF3F51BA10A}">
-      <p15:sldGuideLst xmlns:p15="http://schemas.microsoft.com/office/powerpoint/2012/main"/>
+      <p15:sldGuideLst xmlns:p15="http://schemas.microsoft.com/office/powerpoint/2012/main">
+        <p15:guide id="1" orient="horz" pos="4032" userDrawn="1">
+          <p15:clr>
+            <a:srgbClr val="A4A3A4"/>
+          </p15:clr>
+        </p15:guide>
+        <p15:guide id="2" pos="3024" userDrawn="1">
+          <p15:clr>
+            <a:srgbClr val="A4A3A4"/>
+          </p15:clr>
+        </p15:guide>
+      </p15:sldGuideLst>
     </p:ext>
   </p:extLst>
 </p:presentation>
@@ -244,7 +255,7 @@
           <a:p>
             <a:fld id="{73F300BA-884B-492F-9DA2-6FBA3E12B197}" type="datetimeFigureOut">
               <a:rPr lang="fr-FR" smtClean="0"/>
-              <a:t>03/07/2023</a:t>
+              <a:t>23/08/2023</a:t>
             </a:fld>
             <a:endParaRPr lang="fr-FR"/>
           </a:p>
@@ -414,7 +425,7 @@
           <a:p>
             <a:fld id="{73F300BA-884B-492F-9DA2-6FBA3E12B197}" type="datetimeFigureOut">
               <a:rPr lang="fr-FR" smtClean="0"/>
-              <a:t>03/07/2023</a:t>
+              <a:t>23/08/2023</a:t>
             </a:fld>
             <a:endParaRPr lang="fr-FR"/>
           </a:p>
@@ -594,7 +605,7 @@
           <a:p>
             <a:fld id="{73F300BA-884B-492F-9DA2-6FBA3E12B197}" type="datetimeFigureOut">
               <a:rPr lang="fr-FR" smtClean="0"/>
-              <a:t>03/07/2023</a:t>
+              <a:t>23/08/2023</a:t>
             </a:fld>
             <a:endParaRPr lang="fr-FR"/>
           </a:p>
@@ -764,7 +775,7 @@
           <a:p>
             <a:fld id="{73F300BA-884B-492F-9DA2-6FBA3E12B197}" type="datetimeFigureOut">
               <a:rPr lang="fr-FR" smtClean="0"/>
-              <a:t>03/07/2023</a:t>
+              <a:t>23/08/2023</a:t>
             </a:fld>
             <a:endParaRPr lang="fr-FR"/>
           </a:p>
@@ -1008,7 +1019,7 @@
           <a:p>
             <a:fld id="{73F300BA-884B-492F-9DA2-6FBA3E12B197}" type="datetimeFigureOut">
               <a:rPr lang="fr-FR" smtClean="0"/>
-              <a:t>03/07/2023</a:t>
+              <a:t>23/08/2023</a:t>
             </a:fld>
             <a:endParaRPr lang="fr-FR"/>
           </a:p>
@@ -1240,7 +1251,7 @@
           <a:p>
             <a:fld id="{73F300BA-884B-492F-9DA2-6FBA3E12B197}" type="datetimeFigureOut">
               <a:rPr lang="fr-FR" smtClean="0"/>
-              <a:t>03/07/2023</a:t>
+              <a:t>23/08/2023</a:t>
             </a:fld>
             <a:endParaRPr lang="fr-FR"/>
           </a:p>
@@ -1607,7 +1618,7 @@
           <a:p>
             <a:fld id="{73F300BA-884B-492F-9DA2-6FBA3E12B197}" type="datetimeFigureOut">
               <a:rPr lang="fr-FR" smtClean="0"/>
-              <a:t>03/07/2023</a:t>
+              <a:t>23/08/2023</a:t>
             </a:fld>
             <a:endParaRPr lang="fr-FR"/>
           </a:p>
@@ -1725,7 +1736,7 @@
           <a:p>
             <a:fld id="{73F300BA-884B-492F-9DA2-6FBA3E12B197}" type="datetimeFigureOut">
               <a:rPr lang="fr-FR" smtClean="0"/>
-              <a:t>03/07/2023</a:t>
+              <a:t>23/08/2023</a:t>
             </a:fld>
             <a:endParaRPr lang="fr-FR"/>
           </a:p>
@@ -1820,7 +1831,7 @@
           <a:p>
             <a:fld id="{73F300BA-884B-492F-9DA2-6FBA3E12B197}" type="datetimeFigureOut">
               <a:rPr lang="fr-FR" smtClean="0"/>
-              <a:t>03/07/2023</a:t>
+              <a:t>23/08/2023</a:t>
             </a:fld>
             <a:endParaRPr lang="fr-FR"/>
           </a:p>
@@ -2097,7 +2108,7 @@
           <a:p>
             <a:fld id="{73F300BA-884B-492F-9DA2-6FBA3E12B197}" type="datetimeFigureOut">
               <a:rPr lang="fr-FR" smtClean="0"/>
-              <a:t>03/07/2023</a:t>
+              <a:t>23/08/2023</a:t>
             </a:fld>
             <a:endParaRPr lang="fr-FR"/>
           </a:p>
@@ -2354,7 +2365,7 @@
           <a:p>
             <a:fld id="{73F300BA-884B-492F-9DA2-6FBA3E12B197}" type="datetimeFigureOut">
               <a:rPr lang="fr-FR" smtClean="0"/>
-              <a:t>03/07/2023</a:t>
+              <a:t>23/08/2023</a:t>
             </a:fld>
             <a:endParaRPr lang="fr-FR"/>
           </a:p>
@@ -2567,7 +2578,7 @@
           <a:p>
             <a:fld id="{73F300BA-884B-492F-9DA2-6FBA3E12B197}" type="datetimeFigureOut">
               <a:rPr lang="fr-FR" smtClean="0"/>
-              <a:t>03/07/2023</a:t>
+              <a:t>23/08/2023</a:t>
             </a:fld>
             <a:endParaRPr lang="fr-FR"/>
           </a:p>
@@ -6215,7 +6226,7 @@
         </p:nvGrpSpPr>
         <p:grpSpPr>
           <a:xfrm>
-            <a:off x="232741" y="2115356"/>
+            <a:off x="269582" y="2107571"/>
             <a:ext cx="7394787" cy="1944917"/>
             <a:chOff x="4012" y="0"/>
             <a:chExt cx="2133599" cy="281354"/>
@@ -19364,7 +19375,7 @@
         </p:nvGrpSpPr>
         <p:grpSpPr>
           <a:xfrm>
-            <a:off x="1043179" y="4124292"/>
+            <a:off x="1283981" y="4195243"/>
             <a:ext cx="1091118" cy="1339981"/>
             <a:chOff x="1043179" y="4124292"/>
             <a:chExt cx="1091118" cy="1339981"/>
@@ -29484,10 +29495,10 @@
       </p:grpSp>
       <p:grpSp>
         <p:nvGrpSpPr>
-          <p:cNvPr id="453" name="Groupe 452">
+          <p:cNvPr id="410" name="Groupe 409">
             <a:extLst>
               <a:ext uri="{FF2B5EF4-FFF2-40B4-BE49-F238E27FC236}">
-                <a16:creationId xmlns:a16="http://schemas.microsoft.com/office/drawing/2014/main" id="{F252A15F-87DB-CD80-607B-9222A87B5C79}"/>
+                <a16:creationId xmlns:a16="http://schemas.microsoft.com/office/drawing/2014/main" id="{53717814-9553-7786-A7B1-3DE21EC87E05}"/>
               </a:ext>
             </a:extLst>
           </p:cNvPr>
@@ -29496,285 +29507,863 @@
         </p:nvGrpSpPr>
         <p:grpSpPr>
           <a:xfrm>
-            <a:off x="110547" y="4126602"/>
-            <a:ext cx="874720" cy="998683"/>
-            <a:chOff x="673982" y="3956707"/>
-            <a:chExt cx="874720" cy="998683"/>
+            <a:off x="58959" y="4096484"/>
+            <a:ext cx="1290115" cy="1125873"/>
+            <a:chOff x="28715" y="4126602"/>
+            <a:chExt cx="1290115" cy="1125873"/>
           </a:xfrm>
         </p:grpSpPr>
-        <p:sp>
-          <p:nvSpPr>
-            <p:cNvPr id="459" name="Rectangle : coins arrondis 458">
+        <p:grpSp>
+          <p:nvGrpSpPr>
+            <p:cNvPr id="403" name="Groupe 402">
               <a:extLst>
                 <a:ext uri="{FF2B5EF4-FFF2-40B4-BE49-F238E27FC236}">
-                  <a16:creationId xmlns:a16="http://schemas.microsoft.com/office/drawing/2014/main" id="{6DD32927-D962-9D13-D2EC-6BE5FFF319FD}"/>
+                  <a16:creationId xmlns:a16="http://schemas.microsoft.com/office/drawing/2014/main" id="{A6AC2C17-DE02-EFD0-FAEB-D1A5A73A8E68}"/>
                 </a:ext>
               </a:extLst>
             </p:cNvPr>
-            <p:cNvSpPr/>
+            <p:cNvGrpSpPr/>
             <p:nvPr/>
-          </p:nvSpPr>
-          <p:spPr>
+          </p:nvGrpSpPr>
+          <p:grpSpPr>
             <a:xfrm>
-              <a:off x="747131" y="4427805"/>
-              <a:ext cx="718577" cy="360052"/>
+              <a:off x="28715" y="4486692"/>
+              <a:ext cx="1290115" cy="607587"/>
+              <a:chOff x="28715" y="4486692"/>
+              <a:chExt cx="1290115" cy="607587"/>
             </a:xfrm>
-            <a:prstGeom prst="roundRect">
-              <a:avLst/>
-            </a:prstGeom>
-            <a:solidFill>
-              <a:schemeClr val="bg2">
-                <a:lumMod val="90000"/>
-              </a:schemeClr>
-            </a:solidFill>
-            <a:ln>
-              <a:solidFill>
-                <a:schemeClr val="bg2">
-                  <a:lumMod val="25000"/>
-                </a:schemeClr>
-              </a:solidFill>
-            </a:ln>
-          </p:spPr>
-          <p:style>
-            <a:lnRef idx="2">
-              <a:schemeClr val="accent1">
-                <a:shade val="50000"/>
-              </a:schemeClr>
-            </a:lnRef>
-            <a:fillRef idx="1">
-              <a:schemeClr val="accent1"/>
-            </a:fillRef>
-            <a:effectRef idx="0">
-              <a:schemeClr val="accent1"/>
-            </a:effectRef>
-            <a:fontRef idx="minor">
-              <a:schemeClr val="lt1"/>
-            </a:fontRef>
-          </p:style>
-          <p:txBody>
-            <a:bodyPr rot="0" spcFirstLastPara="0" vert="horz" wrap="square" lIns="91440" tIns="45720" rIns="91440" bIns="45720" numCol="1" spcCol="0" rtlCol="0" fromWordArt="0" anchor="ctr" anchorCtr="0" forceAA="0" compatLnSpc="1">
-              <a:prstTxWarp prst="textNoShape">
-                <a:avLst/>
-              </a:prstTxWarp>
-              <a:noAutofit/>
-            </a:bodyPr>
-            <a:lstStyle/>
-            <a:p>
-              <a:pPr algn="ctr">
-                <a:lnSpc>
-                  <a:spcPct val="107000"/>
-                </a:lnSpc>
-                <a:spcAft>
-                  <a:spcPts val="800"/>
-                </a:spcAft>
-              </a:pPr>
-              <a:endParaRPr lang="fr-FR" sz="1200" b="1" dirty="0">
+          </p:grpSpPr>
+          <p:grpSp>
+            <p:nvGrpSpPr>
+              <p:cNvPr id="395" name="Groupe 394">
+                <a:extLst>
+                  <a:ext uri="{FF2B5EF4-FFF2-40B4-BE49-F238E27FC236}">
+                    <a16:creationId xmlns:a16="http://schemas.microsoft.com/office/drawing/2014/main" id="{6D10C8CE-1DD3-7DC8-36F8-363B2DA77D89}"/>
+                  </a:ext>
+                </a:extLst>
+              </p:cNvPr>
+              <p:cNvGrpSpPr/>
+              <p:nvPr/>
+            </p:nvGrpSpPr>
+            <p:grpSpPr>
+              <a:xfrm>
+                <a:off x="79422" y="4527230"/>
+                <a:ext cx="1188000" cy="544360"/>
+                <a:chOff x="79422" y="4527230"/>
+                <a:chExt cx="1188000" cy="544360"/>
+              </a:xfrm>
+            </p:grpSpPr>
+            <p:sp>
+              <p:nvSpPr>
+                <p:cNvPr id="278" name="Rectangle : coins arrondis 277">
+                  <a:extLst>
+                    <a:ext uri="{FF2B5EF4-FFF2-40B4-BE49-F238E27FC236}">
+                      <a16:creationId xmlns:a16="http://schemas.microsoft.com/office/drawing/2014/main" id="{D2F20978-50F2-6F37-3E80-0BD39B41EFCB}"/>
+                    </a:ext>
+                  </a:extLst>
+                </p:cNvPr>
+                <p:cNvSpPr/>
+                <p:nvPr/>
+              </p:nvSpPr>
+              <p:spPr>
+                <a:xfrm>
+                  <a:off x="79422" y="4530022"/>
+                  <a:ext cx="1188000" cy="540000"/>
+                </a:xfrm>
+                <a:prstGeom prst="roundRect">
+                  <a:avLst/>
+                </a:prstGeom>
                 <a:solidFill>
-                  <a:schemeClr val="tx1">
-                    <a:lumMod val="85000"/>
-                    <a:lumOff val="15000"/>
+                  <a:schemeClr val="bg1">
+                    <a:lumMod val="95000"/>
                   </a:schemeClr>
                 </a:solidFill>
-                <a:effectLst/>
-                <a:latin typeface="Segoe UI" panose="020B0502040204020203" pitchFamily="34" charset="0"/>
-                <a:ea typeface="Calibri" panose="020F0502020204030204" pitchFamily="34" charset="0"/>
-                <a:cs typeface="Segoe UI" panose="020B0502040204020203" pitchFamily="34" charset="0"/>
-              </a:endParaRPr>
-            </a:p>
-          </p:txBody>
-        </p:sp>
-        <p:sp>
-          <p:nvSpPr>
-            <p:cNvPr id="460" name="ZoneTexte 459">
+                <a:ln>
+                  <a:solidFill>
+                    <a:schemeClr val="tx1">
+                      <a:lumMod val="50000"/>
+                      <a:lumOff val="50000"/>
+                    </a:schemeClr>
+                  </a:solidFill>
+                </a:ln>
+              </p:spPr>
+              <p:style>
+                <a:lnRef idx="2">
+                  <a:schemeClr val="accent1">
+                    <a:shade val="15000"/>
+                  </a:schemeClr>
+                </a:lnRef>
+                <a:fillRef idx="1">
+                  <a:schemeClr val="accent1"/>
+                </a:fillRef>
+                <a:effectRef idx="0">
+                  <a:schemeClr val="accent1"/>
+                </a:effectRef>
+                <a:fontRef idx="minor">
+                  <a:schemeClr val="lt1"/>
+                </a:fontRef>
+              </p:style>
+              <p:txBody>
+                <a:bodyPr rtlCol="0" anchor="ctr"/>
+                <a:lstStyle/>
+                <a:p>
+                  <a:pPr algn="ctr"/>
+                  <a:endParaRPr lang="fr-FR" b="1"/>
+                </a:p>
+              </p:txBody>
+            </p:sp>
+            <p:cxnSp>
+              <p:nvCxnSpPr>
+                <p:cNvPr id="281" name="Connecteur droit 280">
+                  <a:extLst>
+                    <a:ext uri="{FF2B5EF4-FFF2-40B4-BE49-F238E27FC236}">
+                      <a16:creationId xmlns:a16="http://schemas.microsoft.com/office/drawing/2014/main" id="{AAA7AEA9-F6B5-8AE8-4FFC-A50EEEEBFADC}"/>
+                    </a:ext>
+                  </a:extLst>
+                </p:cNvPr>
+                <p:cNvCxnSpPr/>
+                <p:nvPr/>
+              </p:nvCxnSpPr>
+              <p:spPr>
+                <a:xfrm>
+                  <a:off x="468000" y="4527230"/>
+                  <a:ext cx="0" cy="544360"/>
+                </a:xfrm>
+                <a:prstGeom prst="line">
+                  <a:avLst/>
+                </a:prstGeom>
+                <a:ln>
+                  <a:solidFill>
+                    <a:schemeClr val="tx1">
+                      <a:lumMod val="50000"/>
+                      <a:lumOff val="50000"/>
+                    </a:schemeClr>
+                  </a:solidFill>
+                </a:ln>
+              </p:spPr>
+              <p:style>
+                <a:lnRef idx="1">
+                  <a:schemeClr val="accent1"/>
+                </a:lnRef>
+                <a:fillRef idx="0">
+                  <a:schemeClr val="accent1"/>
+                </a:fillRef>
+                <a:effectRef idx="0">
+                  <a:schemeClr val="accent1"/>
+                </a:effectRef>
+                <a:fontRef idx="minor">
+                  <a:schemeClr val="tx1"/>
+                </a:fontRef>
+              </p:style>
+            </p:cxnSp>
+            <p:cxnSp>
+              <p:nvCxnSpPr>
+                <p:cNvPr id="306" name="Connecteur droit 305">
+                  <a:extLst>
+                    <a:ext uri="{FF2B5EF4-FFF2-40B4-BE49-F238E27FC236}">
+                      <a16:creationId xmlns:a16="http://schemas.microsoft.com/office/drawing/2014/main" id="{B54F2A60-FA5A-DD09-B5F4-4D2C8F303D5E}"/>
+                    </a:ext>
+                  </a:extLst>
+                </p:cNvPr>
+                <p:cNvCxnSpPr/>
+                <p:nvPr/>
+              </p:nvCxnSpPr>
+              <p:spPr>
+                <a:xfrm>
+                  <a:off x="900000" y="4527230"/>
+                  <a:ext cx="0" cy="544360"/>
+                </a:xfrm>
+                <a:prstGeom prst="line">
+                  <a:avLst/>
+                </a:prstGeom>
+                <a:ln>
+                  <a:solidFill>
+                    <a:schemeClr val="tx1">
+                      <a:lumMod val="50000"/>
+                      <a:lumOff val="50000"/>
+                    </a:schemeClr>
+                  </a:solidFill>
+                </a:ln>
+              </p:spPr>
+              <p:style>
+                <a:lnRef idx="1">
+                  <a:schemeClr val="accent1"/>
+                </a:lnRef>
+                <a:fillRef idx="0">
+                  <a:schemeClr val="accent1"/>
+                </a:fillRef>
+                <a:effectRef idx="0">
+                  <a:schemeClr val="accent1"/>
+                </a:effectRef>
+                <a:fontRef idx="minor">
+                  <a:schemeClr val="tx1"/>
+                </a:fontRef>
+              </p:style>
+            </p:cxnSp>
+            <p:cxnSp>
+              <p:nvCxnSpPr>
+                <p:cNvPr id="307" name="Connecteur droit 306">
+                  <a:extLst>
+                    <a:ext uri="{FF2B5EF4-FFF2-40B4-BE49-F238E27FC236}">
+                      <a16:creationId xmlns:a16="http://schemas.microsoft.com/office/drawing/2014/main" id="{8CC0EA1A-3697-67DF-D198-0E7813F0EB95}"/>
+                    </a:ext>
+                  </a:extLst>
+                </p:cNvPr>
+                <p:cNvCxnSpPr>
+                  <a:cxnSpLocks/>
+                  <a:stCxn id="278" idx="3"/>
+                  <a:endCxn id="278" idx="1"/>
+                </p:cNvCxnSpPr>
+                <p:nvPr/>
+              </p:nvCxnSpPr>
+              <p:spPr>
+                <a:xfrm flipH="1">
+                  <a:off x="79422" y="4800022"/>
+                  <a:ext cx="1188000" cy="0"/>
+                </a:xfrm>
+                <a:prstGeom prst="line">
+                  <a:avLst/>
+                </a:prstGeom>
+                <a:ln>
+                  <a:solidFill>
+                    <a:schemeClr val="tx1">
+                      <a:lumMod val="50000"/>
+                      <a:lumOff val="50000"/>
+                    </a:schemeClr>
+                  </a:solidFill>
+                </a:ln>
+              </p:spPr>
+              <p:style>
+                <a:lnRef idx="1">
+                  <a:schemeClr val="accent1"/>
+                </a:lnRef>
+                <a:fillRef idx="0">
+                  <a:schemeClr val="accent1"/>
+                </a:fillRef>
+                <a:effectRef idx="0">
+                  <a:schemeClr val="accent1"/>
+                </a:effectRef>
+                <a:fontRef idx="minor">
+                  <a:schemeClr val="tx1"/>
+                </a:fontRef>
+              </p:style>
+            </p:cxnSp>
+          </p:grpSp>
+          <p:grpSp>
+            <p:nvGrpSpPr>
+              <p:cNvPr id="383" name="Groupe 382">
+                <a:extLst>
+                  <a:ext uri="{FF2B5EF4-FFF2-40B4-BE49-F238E27FC236}">
+                    <a16:creationId xmlns:a16="http://schemas.microsoft.com/office/drawing/2014/main" id="{238C47DE-B841-A77C-7FC4-C4536BC5DBDC}"/>
+                  </a:ext>
+                </a:extLst>
+              </p:cNvPr>
+              <p:cNvGrpSpPr/>
+              <p:nvPr/>
+            </p:nvGrpSpPr>
+            <p:grpSpPr>
+              <a:xfrm>
+                <a:off x="28715" y="4486692"/>
+                <a:ext cx="1290115" cy="607587"/>
+                <a:chOff x="28715" y="4486692"/>
+                <a:chExt cx="1290115" cy="607587"/>
+              </a:xfrm>
+            </p:grpSpPr>
+            <p:sp>
+              <p:nvSpPr>
+                <p:cNvPr id="376" name="ZoneTexte 375">
+                  <a:extLst>
+                    <a:ext uri="{FF2B5EF4-FFF2-40B4-BE49-F238E27FC236}">
+                      <a16:creationId xmlns:a16="http://schemas.microsoft.com/office/drawing/2014/main" id="{C82D9EC6-2FFA-3349-8495-306560791B5C}"/>
+                    </a:ext>
+                  </a:extLst>
+                </p:cNvPr>
+                <p:cNvSpPr txBox="1"/>
+                <p:nvPr/>
+              </p:nvSpPr>
+              <p:spPr>
+                <a:xfrm>
+                  <a:off x="65693" y="4491462"/>
+                  <a:ext cx="411440" cy="336750"/>
+                </a:xfrm>
+                <a:prstGeom prst="rect">
+                  <a:avLst/>
+                </a:prstGeom>
+                <a:noFill/>
+              </p:spPr>
+              <p:txBody>
+                <a:bodyPr wrap="square">
+                  <a:spAutoFit/>
+                </a:bodyPr>
+                <a:lstStyle/>
+                <a:p>
+                  <a:pPr algn="ctr"/>
+                  <a:r>
+                    <a:rPr lang="fr-FR" sz="900" b="1" dirty="0">
+                      <a:solidFill>
+                        <a:schemeClr val="bg2">
+                          <a:lumMod val="25000"/>
+                        </a:schemeClr>
+                      </a:solidFill>
+                      <a:latin typeface="Segoe UI" panose="020B0502040204020203" pitchFamily="34" charset="0"/>
+                      <a:cs typeface="Segoe UI" panose="020B0502040204020203" pitchFamily="34" charset="0"/>
+                    </a:rPr>
+                    <a:t>1</a:t>
+                  </a:r>
+                </a:p>
+                <a:p>
+                  <a:pPr algn="ctr"/>
+                  <a:r>
+                    <a:rPr lang="fr-FR" sz="700" b="0" dirty="0">
+                      <a:solidFill>
+                        <a:schemeClr val="bg1">
+                          <a:lumMod val="50000"/>
+                        </a:schemeClr>
+                      </a:solidFill>
+                      <a:latin typeface="Segoe UI" panose="020B0502040204020203" pitchFamily="34" charset="0"/>
+                      <a:ea typeface="Calibri" panose="020F0502020204030204" pitchFamily="34" charset="0"/>
+                      <a:cs typeface="Segoe UI" panose="020B0502040204020203" pitchFamily="34" charset="0"/>
+                    </a:rPr>
+                    <a:t>1 → 3</a:t>
+                  </a:r>
+                  <a:endParaRPr lang="fr-FR" sz="700" b="0" dirty="0">
+                    <a:solidFill>
+                      <a:schemeClr val="bg1">
+                        <a:lumMod val="50000"/>
+                      </a:schemeClr>
+                    </a:solidFill>
+                    <a:latin typeface="Segoe UI" panose="020B0502040204020203" pitchFamily="34" charset="0"/>
+                    <a:cs typeface="Segoe UI" panose="020B0502040204020203" pitchFamily="34" charset="0"/>
+                  </a:endParaRPr>
+                </a:p>
+              </p:txBody>
+            </p:sp>
+            <p:sp>
+              <p:nvSpPr>
+                <p:cNvPr id="377" name="ZoneTexte 376">
+                  <a:extLst>
+                    <a:ext uri="{FF2B5EF4-FFF2-40B4-BE49-F238E27FC236}">
+                      <a16:creationId xmlns:a16="http://schemas.microsoft.com/office/drawing/2014/main" id="{938FABFB-131F-0F09-25C8-2A3C15583D5A}"/>
+                    </a:ext>
+                  </a:extLst>
+                </p:cNvPr>
+                <p:cNvSpPr txBox="1"/>
+                <p:nvPr/>
+              </p:nvSpPr>
+              <p:spPr>
+                <a:xfrm>
+                  <a:off x="474522" y="4486805"/>
+                  <a:ext cx="411440" cy="336750"/>
+                </a:xfrm>
+                <a:prstGeom prst="rect">
+                  <a:avLst/>
+                </a:prstGeom>
+                <a:noFill/>
+              </p:spPr>
+              <p:txBody>
+                <a:bodyPr wrap="square">
+                  <a:spAutoFit/>
+                </a:bodyPr>
+                <a:lstStyle/>
+                <a:p>
+                  <a:pPr algn="ctr"/>
+                  <a:r>
+                    <a:rPr lang="fr-FR" sz="900" b="1" dirty="0">
+                      <a:solidFill>
+                        <a:schemeClr val="bg2">
+                          <a:lumMod val="25000"/>
+                        </a:schemeClr>
+                      </a:solidFill>
+                      <a:latin typeface="Segoe UI" panose="020B0502040204020203" pitchFamily="34" charset="0"/>
+                      <a:cs typeface="Segoe UI" panose="020B0502040204020203" pitchFamily="34" charset="0"/>
+                    </a:rPr>
+                    <a:t>2</a:t>
+                  </a:r>
+                </a:p>
+                <a:p>
+                  <a:pPr algn="ctr"/>
+                  <a:r>
+                    <a:rPr lang="fr-FR" sz="700" dirty="0">
+                      <a:solidFill>
+                        <a:schemeClr val="bg1">
+                          <a:lumMod val="50000"/>
+                        </a:schemeClr>
+                      </a:solidFill>
+                      <a:latin typeface="Segoe UI" panose="020B0502040204020203" pitchFamily="34" charset="0"/>
+                      <a:ea typeface="Calibri" panose="020F0502020204030204" pitchFamily="34" charset="0"/>
+                      <a:cs typeface="Segoe UI" panose="020B0502040204020203" pitchFamily="34" charset="0"/>
+                    </a:rPr>
+                    <a:t>4</a:t>
+                  </a:r>
+                  <a:r>
+                    <a:rPr lang="fr-FR" sz="700" b="0" dirty="0">
+                      <a:solidFill>
+                        <a:schemeClr val="bg1">
+                          <a:lumMod val="50000"/>
+                        </a:schemeClr>
+                      </a:solidFill>
+                      <a:latin typeface="Segoe UI" panose="020B0502040204020203" pitchFamily="34" charset="0"/>
+                      <a:ea typeface="Calibri" panose="020F0502020204030204" pitchFamily="34" charset="0"/>
+                      <a:cs typeface="Segoe UI" panose="020B0502040204020203" pitchFamily="34" charset="0"/>
+                    </a:rPr>
+                    <a:t> → 7</a:t>
+                  </a:r>
+                  <a:endParaRPr lang="fr-FR" sz="700" b="0" dirty="0">
+                    <a:solidFill>
+                      <a:schemeClr val="bg1">
+                        <a:lumMod val="50000"/>
+                      </a:schemeClr>
+                    </a:solidFill>
+                    <a:latin typeface="Segoe UI" panose="020B0502040204020203" pitchFamily="34" charset="0"/>
+                    <a:cs typeface="Segoe UI" panose="020B0502040204020203" pitchFamily="34" charset="0"/>
+                  </a:endParaRPr>
+                </a:p>
+              </p:txBody>
+            </p:sp>
+            <p:sp>
+              <p:nvSpPr>
+                <p:cNvPr id="379" name="ZoneTexte 378">
+                  <a:extLst>
+                    <a:ext uri="{FF2B5EF4-FFF2-40B4-BE49-F238E27FC236}">
+                      <a16:creationId xmlns:a16="http://schemas.microsoft.com/office/drawing/2014/main" id="{4183404F-DE4D-6FB0-B71A-E31E4E4B4DFB}"/>
+                    </a:ext>
+                  </a:extLst>
+                </p:cNvPr>
+                <p:cNvSpPr txBox="1"/>
+                <p:nvPr/>
+              </p:nvSpPr>
+              <p:spPr>
+                <a:xfrm>
+                  <a:off x="868940" y="4486692"/>
+                  <a:ext cx="449890" cy="338554"/>
+                </a:xfrm>
+                <a:prstGeom prst="rect">
+                  <a:avLst/>
+                </a:prstGeom>
+                <a:noFill/>
+              </p:spPr>
+              <p:txBody>
+                <a:bodyPr wrap="square">
+                  <a:spAutoFit/>
+                </a:bodyPr>
+                <a:lstStyle/>
+                <a:p>
+                  <a:pPr algn="ctr"/>
+                  <a:r>
+                    <a:rPr lang="fr-FR" sz="900" b="1" dirty="0">
+                      <a:solidFill>
+                        <a:schemeClr val="bg2">
+                          <a:lumMod val="25000"/>
+                        </a:schemeClr>
+                      </a:solidFill>
+                      <a:latin typeface="Segoe UI" panose="020B0502040204020203" pitchFamily="34" charset="0"/>
+                      <a:cs typeface="Segoe UI" panose="020B0502040204020203" pitchFamily="34" charset="0"/>
+                    </a:rPr>
+                    <a:t>3</a:t>
+                  </a:r>
+                </a:p>
+                <a:p>
+                  <a:pPr algn="ctr"/>
+                  <a:r>
+                    <a:rPr lang="fr-FR" sz="700" dirty="0">
+                      <a:solidFill>
+                        <a:schemeClr val="bg1">
+                          <a:lumMod val="50000"/>
+                        </a:schemeClr>
+                      </a:solidFill>
+                      <a:latin typeface="Segoe UI" panose="020B0502040204020203" pitchFamily="34" charset="0"/>
+                      <a:ea typeface="Calibri" panose="020F0502020204030204" pitchFamily="34" charset="0"/>
+                      <a:cs typeface="Segoe UI" panose="020B0502040204020203" pitchFamily="34" charset="0"/>
+                    </a:rPr>
+                    <a:t>8</a:t>
+                  </a:r>
+                  <a:r>
+                    <a:rPr lang="fr-FR" sz="700" b="0" dirty="0">
+                      <a:solidFill>
+                        <a:schemeClr val="bg1">
+                          <a:lumMod val="50000"/>
+                        </a:schemeClr>
+                      </a:solidFill>
+                      <a:latin typeface="Segoe UI" panose="020B0502040204020203" pitchFamily="34" charset="0"/>
+                      <a:ea typeface="Calibri" panose="020F0502020204030204" pitchFamily="34" charset="0"/>
+                      <a:cs typeface="Segoe UI" panose="020B0502040204020203" pitchFamily="34" charset="0"/>
+                    </a:rPr>
+                    <a:t> → 11</a:t>
+                  </a:r>
+                  <a:endParaRPr lang="fr-FR" sz="700" b="0" dirty="0">
+                    <a:solidFill>
+                      <a:schemeClr val="bg1">
+                        <a:lumMod val="50000"/>
+                      </a:schemeClr>
+                    </a:solidFill>
+                    <a:latin typeface="Segoe UI" panose="020B0502040204020203" pitchFamily="34" charset="0"/>
+                    <a:cs typeface="Segoe UI" panose="020B0502040204020203" pitchFamily="34" charset="0"/>
+                  </a:endParaRPr>
+                </a:p>
+              </p:txBody>
+            </p:sp>
+            <p:sp>
+              <p:nvSpPr>
+                <p:cNvPr id="380" name="ZoneTexte 379">
+                  <a:extLst>
+                    <a:ext uri="{FF2B5EF4-FFF2-40B4-BE49-F238E27FC236}">
+                      <a16:creationId xmlns:a16="http://schemas.microsoft.com/office/drawing/2014/main" id="{8D76F1CA-38A3-FEF0-06DD-B4F8F5EDAEC0}"/>
+                    </a:ext>
+                  </a:extLst>
+                </p:cNvPr>
+                <p:cNvSpPr txBox="1"/>
+                <p:nvPr/>
+              </p:nvSpPr>
+              <p:spPr>
+                <a:xfrm>
+                  <a:off x="873229" y="4752213"/>
+                  <a:ext cx="411440" cy="338554"/>
+                </a:xfrm>
+                <a:prstGeom prst="rect">
+                  <a:avLst/>
+                </a:prstGeom>
+                <a:noFill/>
+              </p:spPr>
+              <p:txBody>
+                <a:bodyPr wrap="square">
+                  <a:spAutoFit/>
+                </a:bodyPr>
+                <a:lstStyle/>
+                <a:p>
+                  <a:pPr algn="ctr"/>
+                  <a:r>
+                    <a:rPr lang="fr-FR" sz="900" b="1" dirty="0">
+                      <a:solidFill>
+                        <a:schemeClr val="bg2">
+                          <a:lumMod val="25000"/>
+                        </a:schemeClr>
+                      </a:solidFill>
+                      <a:latin typeface="Segoe UI" panose="020B0502040204020203" pitchFamily="34" charset="0"/>
+                      <a:cs typeface="Segoe UI" panose="020B0502040204020203" pitchFamily="34" charset="0"/>
+                    </a:rPr>
+                    <a:t>6</a:t>
+                  </a:r>
+                </a:p>
+                <a:p>
+                  <a:pPr algn="ctr"/>
+                  <a:r>
+                    <a:rPr lang="fr-FR" sz="500" dirty="0" err="1">
+                      <a:solidFill>
+                        <a:schemeClr val="bg1">
+                          <a:lumMod val="50000"/>
+                        </a:schemeClr>
+                      </a:solidFill>
+                      <a:latin typeface="Segoe UI" panose="020B0502040204020203" pitchFamily="34" charset="0"/>
+                      <a:ea typeface="Calibri" panose="020F0502020204030204" pitchFamily="34" charset="0"/>
+                      <a:cs typeface="Segoe UI" panose="020B0502040204020203" pitchFamily="34" charset="0"/>
+                    </a:rPr>
+                    <a:t>Niv</a:t>
+                  </a:r>
+                  <a:r>
+                    <a:rPr lang="fr-FR" sz="500" dirty="0">
+                      <a:solidFill>
+                        <a:schemeClr val="bg1">
+                          <a:lumMod val="50000"/>
+                        </a:schemeClr>
+                      </a:solidFill>
+                      <a:latin typeface="Segoe UI" panose="020B0502040204020203" pitchFamily="34" charset="0"/>
+                      <a:ea typeface="Calibri" panose="020F0502020204030204" pitchFamily="34" charset="0"/>
+                      <a:cs typeface="Segoe UI" panose="020B0502040204020203" pitchFamily="34" charset="0"/>
+                    </a:rPr>
+                    <a:t>. </a:t>
+                  </a:r>
+                  <a:r>
+                    <a:rPr lang="fr-FR" sz="700" dirty="0">
+                      <a:solidFill>
+                        <a:schemeClr val="bg1">
+                          <a:lumMod val="50000"/>
+                        </a:schemeClr>
+                      </a:solidFill>
+                      <a:latin typeface="Segoe UI" panose="020B0502040204020203" pitchFamily="34" charset="0"/>
+                      <a:ea typeface="Calibri" panose="020F0502020204030204" pitchFamily="34" charset="0"/>
+                      <a:cs typeface="Segoe UI" panose="020B0502040204020203" pitchFamily="34" charset="0"/>
+                    </a:rPr>
+                    <a:t>20</a:t>
+                  </a:r>
+                  <a:endParaRPr lang="fr-FR" sz="700" b="0" dirty="0">
+                    <a:solidFill>
+                      <a:schemeClr val="bg1">
+                        <a:lumMod val="50000"/>
+                      </a:schemeClr>
+                    </a:solidFill>
+                    <a:latin typeface="Segoe UI" panose="020B0502040204020203" pitchFamily="34" charset="0"/>
+                    <a:cs typeface="Segoe UI" panose="020B0502040204020203" pitchFamily="34" charset="0"/>
+                  </a:endParaRPr>
+                </a:p>
+              </p:txBody>
+            </p:sp>
+            <p:sp>
+              <p:nvSpPr>
+                <p:cNvPr id="381" name="ZoneTexte 380">
+                  <a:extLst>
+                    <a:ext uri="{FF2B5EF4-FFF2-40B4-BE49-F238E27FC236}">
+                      <a16:creationId xmlns:a16="http://schemas.microsoft.com/office/drawing/2014/main" id="{29FDA66F-3BD5-DE0B-6D91-6CA83E491400}"/>
+                    </a:ext>
+                  </a:extLst>
+                </p:cNvPr>
+                <p:cNvSpPr txBox="1"/>
+                <p:nvPr/>
+              </p:nvSpPr>
+              <p:spPr>
+                <a:xfrm>
+                  <a:off x="431330" y="4755725"/>
+                  <a:ext cx="499596" cy="338554"/>
+                </a:xfrm>
+                <a:prstGeom prst="rect">
+                  <a:avLst/>
+                </a:prstGeom>
+                <a:noFill/>
+              </p:spPr>
+              <p:txBody>
+                <a:bodyPr wrap="square">
+                  <a:spAutoFit/>
+                </a:bodyPr>
+                <a:lstStyle/>
+                <a:p>
+                  <a:pPr algn="ctr"/>
+                  <a:r>
+                    <a:rPr lang="fr-FR" sz="900" b="1" dirty="0">
+                      <a:solidFill>
+                        <a:schemeClr val="bg2">
+                          <a:lumMod val="25000"/>
+                        </a:schemeClr>
+                      </a:solidFill>
+                      <a:latin typeface="Segoe UI" panose="020B0502040204020203" pitchFamily="34" charset="0"/>
+                      <a:cs typeface="Segoe UI" panose="020B0502040204020203" pitchFamily="34" charset="0"/>
+                    </a:rPr>
+                    <a:t>5</a:t>
+                  </a:r>
+                </a:p>
+                <a:p>
+                  <a:pPr algn="ctr"/>
+                  <a:r>
+                    <a:rPr lang="fr-FR" sz="700" b="0" dirty="0">
+                      <a:solidFill>
+                        <a:schemeClr val="bg1">
+                          <a:lumMod val="50000"/>
+                        </a:schemeClr>
+                      </a:solidFill>
+                      <a:latin typeface="Segoe UI" panose="020B0502040204020203" pitchFamily="34" charset="0"/>
+                      <a:ea typeface="Calibri" panose="020F0502020204030204" pitchFamily="34" charset="0"/>
+                      <a:cs typeface="Segoe UI" panose="020B0502040204020203" pitchFamily="34" charset="0"/>
+                    </a:rPr>
+                    <a:t>16 → 19</a:t>
+                  </a:r>
+                  <a:endParaRPr lang="fr-FR" sz="700" b="0" dirty="0">
+                    <a:solidFill>
+                      <a:schemeClr val="bg1">
+                        <a:lumMod val="50000"/>
+                      </a:schemeClr>
+                    </a:solidFill>
+                    <a:latin typeface="Segoe UI" panose="020B0502040204020203" pitchFamily="34" charset="0"/>
+                    <a:cs typeface="Segoe UI" panose="020B0502040204020203" pitchFamily="34" charset="0"/>
+                  </a:endParaRPr>
+                </a:p>
+              </p:txBody>
+            </p:sp>
+            <p:sp>
+              <p:nvSpPr>
+                <p:cNvPr id="382" name="ZoneTexte 381">
+                  <a:extLst>
+                    <a:ext uri="{FF2B5EF4-FFF2-40B4-BE49-F238E27FC236}">
+                      <a16:creationId xmlns:a16="http://schemas.microsoft.com/office/drawing/2014/main" id="{5B4A8345-D0B5-BFE9-DFE0-8E03117E904F}"/>
+                    </a:ext>
+                  </a:extLst>
+                </p:cNvPr>
+                <p:cNvSpPr txBox="1"/>
+                <p:nvPr/>
+              </p:nvSpPr>
+              <p:spPr>
+                <a:xfrm>
+                  <a:off x="28715" y="4752002"/>
+                  <a:ext cx="497504" cy="338554"/>
+                </a:xfrm>
+                <a:prstGeom prst="rect">
+                  <a:avLst/>
+                </a:prstGeom>
+                <a:noFill/>
+              </p:spPr>
+              <p:txBody>
+                <a:bodyPr wrap="square">
+                  <a:spAutoFit/>
+                </a:bodyPr>
+                <a:lstStyle/>
+                <a:p>
+                  <a:pPr algn="ctr"/>
+                  <a:r>
+                    <a:rPr lang="fr-FR" sz="900" b="1" dirty="0">
+                      <a:solidFill>
+                        <a:schemeClr val="bg2">
+                          <a:lumMod val="25000"/>
+                        </a:schemeClr>
+                      </a:solidFill>
+                      <a:latin typeface="Segoe UI" panose="020B0502040204020203" pitchFamily="34" charset="0"/>
+                      <a:cs typeface="Segoe UI" panose="020B0502040204020203" pitchFamily="34" charset="0"/>
+                    </a:rPr>
+                    <a:t>4</a:t>
+                  </a:r>
+                </a:p>
+                <a:p>
+                  <a:pPr algn="ctr"/>
+                  <a:r>
+                    <a:rPr lang="fr-FR" sz="700" b="0" dirty="0">
+                      <a:solidFill>
+                        <a:schemeClr val="bg1">
+                          <a:lumMod val="50000"/>
+                        </a:schemeClr>
+                      </a:solidFill>
+                      <a:latin typeface="Segoe UI" panose="020B0502040204020203" pitchFamily="34" charset="0"/>
+                      <a:ea typeface="Calibri" panose="020F0502020204030204" pitchFamily="34" charset="0"/>
+                      <a:cs typeface="Segoe UI" panose="020B0502040204020203" pitchFamily="34" charset="0"/>
+                    </a:rPr>
+                    <a:t>12 → 15</a:t>
+                  </a:r>
+                  <a:endParaRPr lang="fr-FR" sz="700" b="0" dirty="0">
+                    <a:solidFill>
+                      <a:schemeClr val="bg1">
+                        <a:lumMod val="50000"/>
+                      </a:schemeClr>
+                    </a:solidFill>
+                    <a:latin typeface="Segoe UI" panose="020B0502040204020203" pitchFamily="34" charset="0"/>
+                    <a:cs typeface="Segoe UI" panose="020B0502040204020203" pitchFamily="34" charset="0"/>
+                  </a:endParaRPr>
+                </a:p>
+              </p:txBody>
+            </p:sp>
+          </p:grpSp>
+        </p:grpSp>
+        <p:grpSp>
+          <p:nvGrpSpPr>
+            <p:cNvPr id="453" name="Groupe 452">
               <a:extLst>
                 <a:ext uri="{FF2B5EF4-FFF2-40B4-BE49-F238E27FC236}">
-                  <a16:creationId xmlns:a16="http://schemas.microsoft.com/office/drawing/2014/main" id="{9E8C1EDC-57A7-77DA-B721-70962CDFF41A}"/>
+                  <a16:creationId xmlns:a16="http://schemas.microsoft.com/office/drawing/2014/main" id="{F252A15F-87DB-CD80-607B-9222A87B5C79}"/>
                 </a:ext>
               </a:extLst>
             </p:cNvPr>
-            <p:cNvSpPr txBox="1"/>
+            <p:cNvGrpSpPr/>
             <p:nvPr/>
-          </p:nvSpPr>
-          <p:spPr>
+          </p:nvGrpSpPr>
+          <p:grpSpPr>
             <a:xfrm>
-              <a:off x="697030" y="3956707"/>
-              <a:ext cx="851672" cy="430887"/>
+              <a:off x="78316" y="4126602"/>
+              <a:ext cx="1187253" cy="1125873"/>
+              <a:chOff x="641751" y="3956707"/>
+              <a:chExt cx="1187253" cy="1125873"/>
             </a:xfrm>
-            <a:prstGeom prst="rect">
-              <a:avLst/>
-            </a:prstGeom>
-            <a:noFill/>
-          </p:spPr>
-          <p:txBody>
-            <a:bodyPr wrap="square" rtlCol="0">
-              <a:spAutoFit/>
-            </a:bodyPr>
-            <a:lstStyle/>
-            <a:p>
-              <a:pPr algn="ctr"/>
-              <a:r>
-                <a:rPr lang="fr-FR" sz="1100" dirty="0">
-                  <a:solidFill>
-                    <a:schemeClr val="bg2">
-                      <a:lumMod val="25000"/>
-                    </a:schemeClr>
-                  </a:solidFill>
-                  <a:latin typeface="Segoe UI" panose="020B0502040204020203" pitchFamily="34" charset="0"/>
-                  <a:cs typeface="Segoe UI" panose="020B0502040204020203" pitchFamily="34" charset="0"/>
-                </a:rPr>
-                <a:t>Bonus de maitrise</a:t>
-              </a:r>
-            </a:p>
-          </p:txBody>
-        </p:sp>
-        <p:sp>
-          <p:nvSpPr>
-            <p:cNvPr id="461" name="ZoneTexte 460">
-              <a:extLst>
-                <a:ext uri="{FF2B5EF4-FFF2-40B4-BE49-F238E27FC236}">
-                  <a16:creationId xmlns:a16="http://schemas.microsoft.com/office/drawing/2014/main" id="{7F92A992-823E-7547-A816-D54409D751D7}"/>
-                </a:ext>
-              </a:extLst>
-            </p:cNvPr>
-            <p:cNvSpPr txBox="1"/>
-            <p:nvPr/>
-          </p:nvSpPr>
-          <p:spPr>
-            <a:xfrm>
-              <a:off x="1264415" y="4599675"/>
-              <a:ext cx="232756" cy="200055"/>
-            </a:xfrm>
-            <a:prstGeom prst="rect">
-              <a:avLst/>
-            </a:prstGeom>
-            <a:noFill/>
-          </p:spPr>
-          <p:txBody>
-            <a:bodyPr wrap="none" rtlCol="0">
-              <a:spAutoFit/>
-            </a:bodyPr>
-            <a:lstStyle/>
-            <a:p>
-              <a:r>
-                <a:rPr lang="fr-FR" sz="700" dirty="0">
-                  <a:solidFill>
-                    <a:schemeClr val="bg2">
-                      <a:lumMod val="25000"/>
-                    </a:schemeClr>
-                  </a:solidFill>
-                  <a:latin typeface="Segoe UI" panose="020B0502040204020203" pitchFamily="34" charset="0"/>
-                  <a:cs typeface="Segoe UI" panose="020B0502040204020203" pitchFamily="34" charset="0"/>
-                </a:rPr>
-                <a:t>6</a:t>
-              </a:r>
-            </a:p>
-          </p:txBody>
-        </p:sp>
-        <p:sp>
-          <p:nvSpPr>
-            <p:cNvPr id="462" name="Zone de texte 80">
-              <a:extLst>
-                <a:ext uri="{FF2B5EF4-FFF2-40B4-BE49-F238E27FC236}">
-                  <a16:creationId xmlns:a16="http://schemas.microsoft.com/office/drawing/2014/main" id="{B4B7C952-CF0F-7C91-FB90-EEAF78A84693}"/>
-                </a:ext>
-              </a:extLst>
-            </p:cNvPr>
-            <p:cNvSpPr txBox="1"/>
-            <p:nvPr/>
-          </p:nvSpPr>
-          <p:spPr>
-            <a:xfrm>
-              <a:off x="673982" y="4770665"/>
-              <a:ext cx="790313" cy="184725"/>
-            </a:xfrm>
-            <a:prstGeom prst="rect">
-              <a:avLst/>
-            </a:prstGeom>
-            <a:noFill/>
-            <a:ln w="6350">
+          </p:grpSpPr>
+          <p:sp>
+            <p:nvSpPr>
+              <p:cNvPr id="460" name="ZoneTexte 459">
+                <a:extLst>
+                  <a:ext uri="{FF2B5EF4-FFF2-40B4-BE49-F238E27FC236}">
+                    <a16:creationId xmlns:a16="http://schemas.microsoft.com/office/drawing/2014/main" id="{9E8C1EDC-57A7-77DA-B721-70962CDFF41A}"/>
+                  </a:ext>
+                </a:extLst>
+              </p:cNvPr>
+              <p:cNvSpPr txBox="1"/>
+              <p:nvPr/>
+            </p:nvSpPr>
+            <p:spPr>
+              <a:xfrm>
+                <a:off x="649752" y="3956707"/>
+                <a:ext cx="1179252" cy="430887"/>
+              </a:xfrm>
+              <a:prstGeom prst="rect">
+                <a:avLst/>
+              </a:prstGeom>
               <a:noFill/>
-            </a:ln>
-          </p:spPr>
-          <p:txBody>
-            <a:bodyPr rot="0" spcFirstLastPara="0" vert="horz" wrap="none" lIns="91440" tIns="45720" rIns="91440" bIns="45720" numCol="1" spcCol="0" rtlCol="0" fromWordArt="0" anchor="t" anchorCtr="0" forceAA="0" compatLnSpc="1">
-              <a:prstTxWarp prst="textNoShape">
+            </p:spPr>
+            <p:txBody>
+              <a:bodyPr wrap="square" rtlCol="0">
+                <a:spAutoFit/>
+              </a:bodyPr>
+              <a:lstStyle/>
+              <a:p>
+                <a:pPr algn="ctr"/>
+                <a:r>
+                  <a:rPr lang="fr-FR" sz="1100" dirty="0">
+                    <a:solidFill>
+                      <a:schemeClr val="bg2">
+                        <a:lumMod val="25000"/>
+                      </a:schemeClr>
+                    </a:solidFill>
+                    <a:latin typeface="Segoe UI" panose="020B0502040204020203" pitchFamily="34" charset="0"/>
+                    <a:cs typeface="Segoe UI" panose="020B0502040204020203" pitchFamily="34" charset="0"/>
+                  </a:rPr>
+                  <a:t>Bonus de maitrise</a:t>
+                </a:r>
+              </a:p>
+            </p:txBody>
+          </p:sp>
+          <p:sp>
+            <p:nvSpPr>
+              <p:cNvPr id="462" name="Zone de texte 80">
+                <a:extLst>
+                  <a:ext uri="{FF2B5EF4-FFF2-40B4-BE49-F238E27FC236}">
+                    <a16:creationId xmlns:a16="http://schemas.microsoft.com/office/drawing/2014/main" id="{B4B7C952-CF0F-7C91-FB90-EEAF78A84693}"/>
+                  </a:ext>
+                </a:extLst>
+              </p:cNvPr>
+              <p:cNvSpPr txBox="1"/>
+              <p:nvPr/>
+            </p:nvSpPr>
+            <p:spPr>
+              <a:xfrm>
+                <a:off x="641751" y="4897855"/>
+                <a:ext cx="1187253" cy="184725"/>
+              </a:xfrm>
+              <a:prstGeom prst="rect">
                 <a:avLst/>
-              </a:prstTxWarp>
-              <a:noAutofit/>
-            </a:bodyPr>
-            <a:lstStyle/>
-            <a:p>
-              <a:pPr>
-                <a:lnSpc>
-                  <a:spcPct val="107000"/>
-                </a:lnSpc>
-                <a:spcAft>
-                  <a:spcPts val="800"/>
-                </a:spcAft>
-              </a:pPr>
-              <a:r>
-                <a:rPr lang="fr-FR" sz="700" dirty="0">
-                  <a:solidFill>
-                    <a:srgbClr val="BFBFBF"/>
-                  </a:solidFill>
+              </a:prstGeom>
+              <a:noFill/>
+              <a:ln w="6350">
+                <a:noFill/>
+              </a:ln>
+            </p:spPr>
+            <p:txBody>
+              <a:bodyPr rot="0" spcFirstLastPara="0" vert="horz" wrap="none" lIns="91440" tIns="45720" rIns="91440" bIns="45720" numCol="1" spcCol="0" rtlCol="0" fromWordArt="0" anchor="t" anchorCtr="0" forceAA="0" compatLnSpc="1">
+                <a:prstTxWarp prst="textNoShape">
+                  <a:avLst/>
+                </a:prstTxWarp>
+                <a:noAutofit/>
+              </a:bodyPr>
+              <a:lstStyle/>
+              <a:p>
+                <a:pPr algn="ctr">
+                  <a:lnSpc>
+                    <a:spcPct val="107000"/>
+                  </a:lnSpc>
+                  <a:spcAft>
+                    <a:spcPts val="800"/>
+                  </a:spcAft>
+                </a:pPr>
+                <a:r>
+                  <a:rPr lang="fr-FR" sz="700" dirty="0">
+                    <a:solidFill>
+                      <a:srgbClr val="BFBFBF"/>
+                    </a:solidFill>
+                    <a:latin typeface="Segoe UI" panose="020B0502040204020203" pitchFamily="34" charset="0"/>
+                    <a:ea typeface="Calibri" panose="020F0502020204030204" pitchFamily="34" charset="0"/>
+                    <a:cs typeface="Segoe UI" panose="020B0502040204020203" pitchFamily="34" charset="0"/>
+                  </a:rPr>
+                  <a:t>[1 + niveau /  4]</a:t>
+                </a:r>
+                <a:endParaRPr lang="fr-FR" sz="1400" dirty="0">
+                  <a:effectLst/>
                   <a:latin typeface="Segoe UI" panose="020B0502040204020203" pitchFamily="34" charset="0"/>
                   <a:ea typeface="Calibri" panose="020F0502020204030204" pitchFamily="34" charset="0"/>
                   <a:cs typeface="Segoe UI" panose="020B0502040204020203" pitchFamily="34" charset="0"/>
-                </a:rPr>
-                <a:t>[1 + niveau /  4]</a:t>
-              </a:r>
-              <a:endParaRPr lang="fr-FR" sz="1400" dirty="0">
-                <a:effectLst/>
-                <a:latin typeface="Segoe UI" panose="020B0502040204020203" pitchFamily="34" charset="0"/>
-                <a:ea typeface="Calibri" panose="020F0502020204030204" pitchFamily="34" charset="0"/>
-                <a:cs typeface="Segoe UI" panose="020B0502040204020203" pitchFamily="34" charset="0"/>
-              </a:endParaRPr>
-            </a:p>
-          </p:txBody>
-        </p:sp>
-        <p:sp>
-          <p:nvSpPr>
-            <p:cNvPr id="463" name="ZoneTexte 462">
-              <a:extLst>
-                <a:ext uri="{FF2B5EF4-FFF2-40B4-BE49-F238E27FC236}">
-                  <a16:creationId xmlns:a16="http://schemas.microsoft.com/office/drawing/2014/main" id="{73B99A56-67E3-B316-CB83-98CFC6389649}"/>
-                </a:ext>
-              </a:extLst>
-            </p:cNvPr>
-            <p:cNvSpPr txBox="1"/>
-            <p:nvPr/>
-          </p:nvSpPr>
-          <p:spPr>
-            <a:xfrm>
-              <a:off x="721584" y="4413430"/>
-              <a:ext cx="232756" cy="200055"/>
-            </a:xfrm>
-            <a:prstGeom prst="rect">
-              <a:avLst/>
-            </a:prstGeom>
-            <a:noFill/>
-          </p:spPr>
-          <p:txBody>
-            <a:bodyPr wrap="none" rtlCol="0">
-              <a:spAutoFit/>
-            </a:bodyPr>
-            <a:lstStyle/>
-            <a:p>
-              <a:r>
-                <a:rPr lang="fr-FR" sz="700" dirty="0">
-                  <a:solidFill>
-                    <a:schemeClr val="bg2">
-                      <a:lumMod val="25000"/>
-                    </a:schemeClr>
-                  </a:solidFill>
-                  <a:latin typeface="Segoe UI" panose="020B0502040204020203" pitchFamily="34" charset="0"/>
-                  <a:cs typeface="Segoe UI" panose="020B0502040204020203" pitchFamily="34" charset="0"/>
-                </a:rPr>
-                <a:t>1</a:t>
-              </a:r>
-            </a:p>
-          </p:txBody>
-        </p:sp>
+                </a:endParaRPr>
+              </a:p>
+            </p:txBody>
+          </p:sp>
+        </p:grpSp>
       </p:grpSp>
       <p:grpSp>
         <p:nvGrpSpPr>
@@ -31027,6 +31616,64 @@
           </a:prstGeom>
         </p:spPr>
       </p:pic>
+      <p:sp>
+        <p:nvSpPr>
+          <p:cNvPr id="2085" name="ZoneTexte 2084">
+            <a:extLst>
+              <a:ext uri="{FF2B5EF4-FFF2-40B4-BE49-F238E27FC236}">
+                <a16:creationId xmlns:a16="http://schemas.microsoft.com/office/drawing/2014/main" id="{95B4769C-1EA0-7EC0-F024-98C79788F33A}"/>
+              </a:ext>
+            </a:extLst>
+          </p:cNvPr>
+          <p:cNvSpPr txBox="1"/>
+          <p:nvPr/>
+        </p:nvSpPr>
+        <p:spPr>
+          <a:xfrm>
+            <a:off x="2400300" y="6293078"/>
+            <a:ext cx="4800600" cy="215444"/>
+          </a:xfrm>
+          <a:prstGeom prst="rect">
+            <a:avLst/>
+          </a:prstGeom>
+          <a:noFill/>
+        </p:spPr>
+        <p:txBody>
+          <a:bodyPr wrap="square">
+            <a:spAutoFit/>
+          </a:bodyPr>
+          <a:lstStyle/>
+          <a:p>
+            <a:r>
+              <a:rPr lang="fr-FR" sz="800" dirty="0" err="1">
+                <a:solidFill>
+                  <a:schemeClr val="bg1">
+                    <a:lumMod val="50000"/>
+                  </a:schemeClr>
+                </a:solidFill>
+                <a:latin typeface="Segoe UI" panose="020B0502040204020203" pitchFamily="34" charset="0"/>
+                <a:ea typeface="Calibri" panose="020F0502020204030204" pitchFamily="34" charset="0"/>
+                <a:cs typeface="Segoe UI" panose="020B0502040204020203" pitchFamily="34" charset="0"/>
+              </a:rPr>
+              <a:t>Niv</a:t>
+            </a:r>
+            <a:r>
+              <a:rPr lang="fr-FR" sz="800" dirty="0">
+                <a:solidFill>
+                  <a:schemeClr val="bg1">
+                    <a:lumMod val="50000"/>
+                  </a:schemeClr>
+                </a:solidFill>
+                <a:latin typeface="Segoe UI" panose="020B0502040204020203" pitchFamily="34" charset="0"/>
+                <a:ea typeface="Calibri" panose="020F0502020204030204" pitchFamily="34" charset="0"/>
+                <a:cs typeface="Segoe UI" panose="020B0502040204020203" pitchFamily="34" charset="0"/>
+              </a:rPr>
+              <a:t>. </a:t>
+            </a:r>
+            <a:endParaRPr lang="fr-FR" dirty="0"/>
+          </a:p>
+        </p:txBody>
+      </p:sp>
     </p:spTree>
     <p:extLst>
       <p:ext uri="{BB962C8B-B14F-4D97-AF65-F5344CB8AC3E}">
